--- a/FGCS-2019/reworked-fig7.pptx
+++ b/FGCS-2019/reworked-fig7.pptx
@@ -304,7 +304,7 @@
           <a:p>
             <a:fld id="{2DE544F1-4EB3-B943-BAC8-4587CDEC2BDB}" type="datetimeFigureOut">
               <a:rPr lang="en-US" smtClean="0"/>
-              <a:t>9/9/19</a:t>
+              <a:t>9/27/19</a:t>
             </a:fld>
             <a:endParaRPr lang="en-US"/>
           </a:p>
@@ -502,7 +502,7 @@
           <a:p>
             <a:fld id="{2DE544F1-4EB3-B943-BAC8-4587CDEC2BDB}" type="datetimeFigureOut">
               <a:rPr lang="en-US" smtClean="0"/>
-              <a:t>9/9/19</a:t>
+              <a:t>9/27/19</a:t>
             </a:fld>
             <a:endParaRPr lang="en-US"/>
           </a:p>
@@ -710,7 +710,7 @@
           <a:p>
             <a:fld id="{2DE544F1-4EB3-B943-BAC8-4587CDEC2BDB}" type="datetimeFigureOut">
               <a:rPr lang="en-US" smtClean="0"/>
-              <a:t>9/9/19</a:t>
+              <a:t>9/27/19</a:t>
             </a:fld>
             <a:endParaRPr lang="en-US"/>
           </a:p>
@@ -908,7 +908,7 @@
           <a:p>
             <a:fld id="{2DE544F1-4EB3-B943-BAC8-4587CDEC2BDB}" type="datetimeFigureOut">
               <a:rPr lang="en-US" smtClean="0"/>
-              <a:t>9/9/19</a:t>
+              <a:t>9/27/19</a:t>
             </a:fld>
             <a:endParaRPr lang="en-US"/>
           </a:p>
@@ -1183,7 +1183,7 @@
           <a:p>
             <a:fld id="{2DE544F1-4EB3-B943-BAC8-4587CDEC2BDB}" type="datetimeFigureOut">
               <a:rPr lang="en-US" smtClean="0"/>
-              <a:t>9/9/19</a:t>
+              <a:t>9/27/19</a:t>
             </a:fld>
             <a:endParaRPr lang="en-US"/>
           </a:p>
@@ -1448,7 +1448,7 @@
           <a:p>
             <a:fld id="{2DE544F1-4EB3-B943-BAC8-4587CDEC2BDB}" type="datetimeFigureOut">
               <a:rPr lang="en-US" smtClean="0"/>
-              <a:t>9/9/19</a:t>
+              <a:t>9/27/19</a:t>
             </a:fld>
             <a:endParaRPr lang="en-US"/>
           </a:p>
@@ -1860,7 +1860,7 @@
           <a:p>
             <a:fld id="{2DE544F1-4EB3-B943-BAC8-4587CDEC2BDB}" type="datetimeFigureOut">
               <a:rPr lang="en-US" smtClean="0"/>
-              <a:t>9/9/19</a:t>
+              <a:t>9/27/19</a:t>
             </a:fld>
             <a:endParaRPr lang="en-US"/>
           </a:p>
@@ -2001,7 +2001,7 @@
           <a:p>
             <a:fld id="{2DE544F1-4EB3-B943-BAC8-4587CDEC2BDB}" type="datetimeFigureOut">
               <a:rPr lang="en-US" smtClean="0"/>
-              <a:t>9/9/19</a:t>
+              <a:t>9/27/19</a:t>
             </a:fld>
             <a:endParaRPr lang="en-US"/>
           </a:p>
@@ -2114,7 +2114,7 @@
           <a:p>
             <a:fld id="{2DE544F1-4EB3-B943-BAC8-4587CDEC2BDB}" type="datetimeFigureOut">
               <a:rPr lang="en-US" smtClean="0"/>
-              <a:t>9/9/19</a:t>
+              <a:t>9/27/19</a:t>
             </a:fld>
             <a:endParaRPr lang="en-US"/>
           </a:p>
@@ -2425,7 +2425,7 @@
           <a:p>
             <a:fld id="{2DE544F1-4EB3-B943-BAC8-4587CDEC2BDB}" type="datetimeFigureOut">
               <a:rPr lang="en-US" smtClean="0"/>
-              <a:t>9/9/19</a:t>
+              <a:t>9/27/19</a:t>
             </a:fld>
             <a:endParaRPr lang="en-US"/>
           </a:p>
@@ -2713,7 +2713,7 @@
           <a:p>
             <a:fld id="{2DE544F1-4EB3-B943-BAC8-4587CDEC2BDB}" type="datetimeFigureOut">
               <a:rPr lang="en-US" smtClean="0"/>
-              <a:t>9/9/19</a:t>
+              <a:t>9/27/19</a:t>
             </a:fld>
             <a:endParaRPr lang="en-US"/>
           </a:p>
@@ -2954,7 +2954,7 @@
           <a:p>
             <a:fld id="{2DE544F1-4EB3-B943-BAC8-4587CDEC2BDB}" type="datetimeFigureOut">
               <a:rPr lang="en-US" smtClean="0"/>
-              <a:t>9/9/19</a:t>
+              <a:t>9/27/19</a:t>
             </a:fld>
             <a:endParaRPr lang="en-US"/>
           </a:p>
@@ -10687,7 +10687,7 @@
         </p:nvGrpSpPr>
         <p:grpSpPr>
           <a:xfrm>
-            <a:off x="471760" y="3709739"/>
+            <a:off x="466872" y="3751439"/>
             <a:ext cx="370458" cy="394531"/>
             <a:chOff x="2651620" y="4455131"/>
             <a:chExt cx="370458" cy="394531"/>
@@ -10809,9 +10809,9 @@
           <p:nvPr/>
         </p:nvCxnSpPr>
         <p:spPr>
-          <a:xfrm flipH="1" flipV="1">
-            <a:off x="842218" y="3907005"/>
-            <a:ext cx="1520431" cy="28737"/>
+          <a:xfrm flipH="1">
+            <a:off x="837330" y="3935742"/>
+            <a:ext cx="1525315" cy="12963"/>
           </a:xfrm>
           <a:prstGeom prst="straightConnector1">
             <a:avLst/>
@@ -11141,6 +11141,588 @@
               </a:rPr>
               <a:t>replace()</a:t>
             </a:r>
+          </a:p>
+        </p:txBody>
+      </p:sp>
+      <p:sp>
+        <p:nvSpPr>
+          <p:cNvPr id="274" name="TextBox 273">
+            <a:extLst>
+              <a:ext uri="{FF2B5EF4-FFF2-40B4-BE49-F238E27FC236}">
+                <a16:creationId xmlns:a16="http://schemas.microsoft.com/office/drawing/2014/main" id="{CBC847F5-09A6-3948-ACA1-B7135ACFAC50}"/>
+              </a:ext>
+            </a:extLst>
+          </p:cNvPr>
+          <p:cNvSpPr txBox="1"/>
+          <p:nvPr/>
+        </p:nvSpPr>
+        <p:spPr>
+          <a:xfrm>
+            <a:off x="847593" y="1096378"/>
+            <a:ext cx="510333" cy="276999"/>
+          </a:xfrm>
+          <a:prstGeom prst="rect">
+            <a:avLst/>
+          </a:prstGeom>
+          <a:noFill/>
+        </p:spPr>
+        <p:txBody>
+          <a:bodyPr wrap="none" rtlCol="0">
+            <a:spAutoFit/>
+          </a:bodyPr>
+          <a:lstStyle/>
+          <a:p>
+            <a:r>
+              <a:rPr lang="en-US" sz="1200" dirty="0" err="1">
+                <a:latin typeface="+mj-lt"/>
+                <a:cs typeface="Times New Roman" panose="02020603050405020304" pitchFamily="18" charset="0"/>
+              </a:rPr>
+              <a:t>wgBy</a:t>
+            </a:r>
+            <a:endParaRPr lang="en-US" sz="1200" dirty="0">
+              <a:latin typeface="+mj-lt"/>
+              <a:cs typeface="Times New Roman" panose="02020603050405020304" pitchFamily="18" charset="0"/>
+            </a:endParaRPr>
+          </a:p>
+        </p:txBody>
+      </p:sp>
+      <p:sp>
+        <p:nvSpPr>
+          <p:cNvPr id="277" name="TextBox 276">
+            <a:extLst>
+              <a:ext uri="{FF2B5EF4-FFF2-40B4-BE49-F238E27FC236}">
+                <a16:creationId xmlns:a16="http://schemas.microsoft.com/office/drawing/2014/main" id="{B115F89B-D8F1-EC42-8A9E-7ACC1C539808}"/>
+              </a:ext>
+            </a:extLst>
+          </p:cNvPr>
+          <p:cNvSpPr txBox="1"/>
+          <p:nvPr/>
+        </p:nvSpPr>
+        <p:spPr>
+          <a:xfrm>
+            <a:off x="1794365" y="2245440"/>
+            <a:ext cx="482824" cy="276999"/>
+          </a:xfrm>
+          <a:prstGeom prst="rect">
+            <a:avLst/>
+          </a:prstGeom>
+          <a:noFill/>
+        </p:spPr>
+        <p:txBody>
+          <a:bodyPr wrap="none" rtlCol="0">
+            <a:spAutoFit/>
+          </a:bodyPr>
+          <a:lstStyle/>
+          <a:p>
+            <a:r>
+              <a:rPr lang="en-US" sz="1200" dirty="0">
+                <a:latin typeface="+mj-lt"/>
+                <a:cs typeface="Times New Roman" panose="02020603050405020304" pitchFamily="18" charset="0"/>
+              </a:rPr>
+              <a:t>used</a:t>
+            </a:r>
+          </a:p>
+        </p:txBody>
+      </p:sp>
+      <p:sp>
+        <p:nvSpPr>
+          <p:cNvPr id="281" name="TextBox 280">
+            <a:extLst>
+              <a:ext uri="{FF2B5EF4-FFF2-40B4-BE49-F238E27FC236}">
+                <a16:creationId xmlns:a16="http://schemas.microsoft.com/office/drawing/2014/main" id="{3C5684F4-3A20-A247-8036-3890DD8F32FF}"/>
+              </a:ext>
+            </a:extLst>
+          </p:cNvPr>
+          <p:cNvSpPr txBox="1"/>
+          <p:nvPr/>
+        </p:nvSpPr>
+        <p:spPr>
+          <a:xfrm>
+            <a:off x="1895314" y="1380858"/>
+            <a:ext cx="482824" cy="276999"/>
+          </a:xfrm>
+          <a:prstGeom prst="rect">
+            <a:avLst/>
+          </a:prstGeom>
+          <a:noFill/>
+        </p:spPr>
+        <p:txBody>
+          <a:bodyPr wrap="none" rtlCol="0">
+            <a:spAutoFit/>
+          </a:bodyPr>
+          <a:lstStyle/>
+          <a:p>
+            <a:r>
+              <a:rPr lang="en-US" sz="1200" dirty="0">
+                <a:latin typeface="+mj-lt"/>
+                <a:cs typeface="Times New Roman" panose="02020603050405020304" pitchFamily="18" charset="0"/>
+              </a:rPr>
+              <a:t>used</a:t>
+            </a:r>
+          </a:p>
+        </p:txBody>
+      </p:sp>
+      <p:sp>
+        <p:nvSpPr>
+          <p:cNvPr id="283" name="TextBox 282">
+            <a:extLst>
+              <a:ext uri="{FF2B5EF4-FFF2-40B4-BE49-F238E27FC236}">
+                <a16:creationId xmlns:a16="http://schemas.microsoft.com/office/drawing/2014/main" id="{3C4A0920-BFBC-B84E-820D-1B16B3B4900F}"/>
+              </a:ext>
+            </a:extLst>
+          </p:cNvPr>
+          <p:cNvSpPr txBox="1"/>
+          <p:nvPr/>
+        </p:nvSpPr>
+        <p:spPr>
+          <a:xfrm>
+            <a:off x="1747182" y="580338"/>
+            <a:ext cx="482824" cy="276999"/>
+          </a:xfrm>
+          <a:prstGeom prst="rect">
+            <a:avLst/>
+          </a:prstGeom>
+          <a:noFill/>
+        </p:spPr>
+        <p:txBody>
+          <a:bodyPr wrap="none" rtlCol="0">
+            <a:spAutoFit/>
+          </a:bodyPr>
+          <a:lstStyle/>
+          <a:p>
+            <a:r>
+              <a:rPr lang="en-US" sz="1200" dirty="0">
+                <a:latin typeface="+mj-lt"/>
+                <a:cs typeface="Times New Roman" panose="02020603050405020304" pitchFamily="18" charset="0"/>
+              </a:rPr>
+              <a:t>used</a:t>
+            </a:r>
+          </a:p>
+        </p:txBody>
+      </p:sp>
+      <p:sp>
+        <p:nvSpPr>
+          <p:cNvPr id="284" name="TextBox 283">
+            <a:extLst>
+              <a:ext uri="{FF2B5EF4-FFF2-40B4-BE49-F238E27FC236}">
+                <a16:creationId xmlns:a16="http://schemas.microsoft.com/office/drawing/2014/main" id="{3B60A1D9-63DF-454C-AD59-28085F16ADD2}"/>
+              </a:ext>
+            </a:extLst>
+          </p:cNvPr>
+          <p:cNvSpPr txBox="1"/>
+          <p:nvPr/>
+        </p:nvSpPr>
+        <p:spPr>
+          <a:xfrm>
+            <a:off x="7353139" y="2222175"/>
+            <a:ext cx="482824" cy="276999"/>
+          </a:xfrm>
+          <a:prstGeom prst="rect">
+            <a:avLst/>
+          </a:prstGeom>
+          <a:noFill/>
+        </p:spPr>
+        <p:txBody>
+          <a:bodyPr wrap="none" rtlCol="0">
+            <a:spAutoFit/>
+          </a:bodyPr>
+          <a:lstStyle/>
+          <a:p>
+            <a:r>
+              <a:rPr lang="en-US" sz="1200" dirty="0">
+                <a:latin typeface="+mj-lt"/>
+                <a:cs typeface="Times New Roman" panose="02020603050405020304" pitchFamily="18" charset="0"/>
+              </a:rPr>
+              <a:t>used</a:t>
+            </a:r>
+          </a:p>
+        </p:txBody>
+      </p:sp>
+      <p:sp>
+        <p:nvSpPr>
+          <p:cNvPr id="286" name="TextBox 285">
+            <a:extLst>
+              <a:ext uri="{FF2B5EF4-FFF2-40B4-BE49-F238E27FC236}">
+                <a16:creationId xmlns:a16="http://schemas.microsoft.com/office/drawing/2014/main" id="{F01CE5A6-37F4-744E-9911-84A8A967BD2B}"/>
+              </a:ext>
+            </a:extLst>
+          </p:cNvPr>
+          <p:cNvSpPr txBox="1"/>
+          <p:nvPr/>
+        </p:nvSpPr>
+        <p:spPr>
+          <a:xfrm>
+            <a:off x="7408513" y="1386041"/>
+            <a:ext cx="482824" cy="276999"/>
+          </a:xfrm>
+          <a:prstGeom prst="rect">
+            <a:avLst/>
+          </a:prstGeom>
+          <a:noFill/>
+        </p:spPr>
+        <p:txBody>
+          <a:bodyPr wrap="none" rtlCol="0">
+            <a:spAutoFit/>
+          </a:bodyPr>
+          <a:lstStyle/>
+          <a:p>
+            <a:r>
+              <a:rPr lang="en-US" sz="1200" dirty="0">
+                <a:latin typeface="+mj-lt"/>
+                <a:cs typeface="Times New Roman" panose="02020603050405020304" pitchFamily="18" charset="0"/>
+              </a:rPr>
+              <a:t>used</a:t>
+            </a:r>
+          </a:p>
+        </p:txBody>
+      </p:sp>
+      <p:sp>
+        <p:nvSpPr>
+          <p:cNvPr id="287" name="TextBox 286">
+            <a:extLst>
+              <a:ext uri="{FF2B5EF4-FFF2-40B4-BE49-F238E27FC236}">
+                <a16:creationId xmlns:a16="http://schemas.microsoft.com/office/drawing/2014/main" id="{28438A40-C5C1-A749-8C59-14AA12131B7A}"/>
+              </a:ext>
+            </a:extLst>
+          </p:cNvPr>
+          <p:cNvSpPr txBox="1"/>
+          <p:nvPr/>
+        </p:nvSpPr>
+        <p:spPr>
+          <a:xfrm>
+            <a:off x="7307361" y="646469"/>
+            <a:ext cx="482824" cy="276999"/>
+          </a:xfrm>
+          <a:prstGeom prst="rect">
+            <a:avLst/>
+          </a:prstGeom>
+          <a:noFill/>
+        </p:spPr>
+        <p:txBody>
+          <a:bodyPr wrap="none" rtlCol="0">
+            <a:spAutoFit/>
+          </a:bodyPr>
+          <a:lstStyle/>
+          <a:p>
+            <a:r>
+              <a:rPr lang="en-US" sz="1200" dirty="0">
+                <a:latin typeface="+mj-lt"/>
+                <a:cs typeface="Times New Roman" panose="02020603050405020304" pitchFamily="18" charset="0"/>
+              </a:rPr>
+              <a:t>used</a:t>
+            </a:r>
+          </a:p>
+        </p:txBody>
+      </p:sp>
+      <p:sp>
+        <p:nvSpPr>
+          <p:cNvPr id="288" name="TextBox 287">
+            <a:extLst>
+              <a:ext uri="{FF2B5EF4-FFF2-40B4-BE49-F238E27FC236}">
+                <a16:creationId xmlns:a16="http://schemas.microsoft.com/office/drawing/2014/main" id="{2C8D9252-5BE1-BC45-B1F1-8F216A5D7888}"/>
+              </a:ext>
+            </a:extLst>
+          </p:cNvPr>
+          <p:cNvSpPr txBox="1"/>
+          <p:nvPr/>
+        </p:nvSpPr>
+        <p:spPr>
+          <a:xfrm>
+            <a:off x="3518887" y="1249328"/>
+            <a:ext cx="482824" cy="276999"/>
+          </a:xfrm>
+          <a:prstGeom prst="rect">
+            <a:avLst/>
+          </a:prstGeom>
+          <a:noFill/>
+        </p:spPr>
+        <p:txBody>
+          <a:bodyPr wrap="none" rtlCol="0">
+            <a:spAutoFit/>
+          </a:bodyPr>
+          <a:lstStyle/>
+          <a:p>
+            <a:r>
+              <a:rPr lang="en-US" sz="1200" dirty="0">
+                <a:latin typeface="+mj-lt"/>
+                <a:cs typeface="Times New Roman" panose="02020603050405020304" pitchFamily="18" charset="0"/>
+              </a:rPr>
+              <a:t>used</a:t>
+            </a:r>
+          </a:p>
+        </p:txBody>
+      </p:sp>
+      <p:sp>
+        <p:nvSpPr>
+          <p:cNvPr id="289" name="TextBox 288">
+            <a:extLst>
+              <a:ext uri="{FF2B5EF4-FFF2-40B4-BE49-F238E27FC236}">
+                <a16:creationId xmlns:a16="http://schemas.microsoft.com/office/drawing/2014/main" id="{90E7FD73-63FF-564F-A463-5F059E02571F}"/>
+              </a:ext>
+            </a:extLst>
+          </p:cNvPr>
+          <p:cNvSpPr txBox="1"/>
+          <p:nvPr/>
+        </p:nvSpPr>
+        <p:spPr>
+          <a:xfrm>
+            <a:off x="8979011" y="1275604"/>
+            <a:ext cx="482824" cy="276999"/>
+          </a:xfrm>
+          <a:prstGeom prst="rect">
+            <a:avLst/>
+          </a:prstGeom>
+          <a:noFill/>
+        </p:spPr>
+        <p:txBody>
+          <a:bodyPr wrap="none" rtlCol="0">
+            <a:spAutoFit/>
+          </a:bodyPr>
+          <a:lstStyle/>
+          <a:p>
+            <a:r>
+              <a:rPr lang="en-US" sz="1200" dirty="0">
+                <a:latin typeface="+mj-lt"/>
+                <a:cs typeface="Times New Roman" panose="02020603050405020304" pitchFamily="18" charset="0"/>
+              </a:rPr>
+              <a:t>used</a:t>
+            </a:r>
+          </a:p>
+        </p:txBody>
+      </p:sp>
+      <p:sp>
+        <p:nvSpPr>
+          <p:cNvPr id="290" name="TextBox 289">
+            <a:extLst>
+              <a:ext uri="{FF2B5EF4-FFF2-40B4-BE49-F238E27FC236}">
+                <a16:creationId xmlns:a16="http://schemas.microsoft.com/office/drawing/2014/main" id="{18F3CCB9-6E91-8747-9D5E-981E18836FE9}"/>
+              </a:ext>
+            </a:extLst>
+          </p:cNvPr>
+          <p:cNvSpPr txBox="1"/>
+          <p:nvPr/>
+        </p:nvSpPr>
+        <p:spPr>
+          <a:xfrm>
+            <a:off x="8967964" y="3772236"/>
+            <a:ext cx="482824" cy="276999"/>
+          </a:xfrm>
+          <a:prstGeom prst="rect">
+            <a:avLst/>
+          </a:prstGeom>
+          <a:noFill/>
+        </p:spPr>
+        <p:txBody>
+          <a:bodyPr wrap="none" rtlCol="0">
+            <a:spAutoFit/>
+          </a:bodyPr>
+          <a:lstStyle/>
+          <a:p>
+            <a:r>
+              <a:rPr lang="en-US" sz="1200" dirty="0">
+                <a:latin typeface="+mj-lt"/>
+                <a:cs typeface="Times New Roman" panose="02020603050405020304" pitchFamily="18" charset="0"/>
+              </a:rPr>
+              <a:t>used</a:t>
+            </a:r>
+          </a:p>
+        </p:txBody>
+      </p:sp>
+      <p:sp>
+        <p:nvSpPr>
+          <p:cNvPr id="291" name="TextBox 290">
+            <a:extLst>
+              <a:ext uri="{FF2B5EF4-FFF2-40B4-BE49-F238E27FC236}">
+                <a16:creationId xmlns:a16="http://schemas.microsoft.com/office/drawing/2014/main" id="{9F902D63-E05F-E444-B789-E0A89BA49411}"/>
+              </a:ext>
+            </a:extLst>
+          </p:cNvPr>
+          <p:cNvSpPr txBox="1"/>
+          <p:nvPr/>
+        </p:nvSpPr>
+        <p:spPr>
+          <a:xfrm>
+            <a:off x="7231326" y="3140651"/>
+            <a:ext cx="482824" cy="276999"/>
+          </a:xfrm>
+          <a:prstGeom prst="rect">
+            <a:avLst/>
+          </a:prstGeom>
+          <a:noFill/>
+        </p:spPr>
+        <p:txBody>
+          <a:bodyPr wrap="none" rtlCol="0">
+            <a:spAutoFit/>
+          </a:bodyPr>
+          <a:lstStyle/>
+          <a:p>
+            <a:r>
+              <a:rPr lang="en-US" sz="1200" dirty="0">
+                <a:latin typeface="+mj-lt"/>
+                <a:cs typeface="Times New Roman" panose="02020603050405020304" pitchFamily="18" charset="0"/>
+              </a:rPr>
+              <a:t>used</a:t>
+            </a:r>
+          </a:p>
+        </p:txBody>
+      </p:sp>
+      <p:sp>
+        <p:nvSpPr>
+          <p:cNvPr id="292" name="TextBox 291">
+            <a:extLst>
+              <a:ext uri="{FF2B5EF4-FFF2-40B4-BE49-F238E27FC236}">
+                <a16:creationId xmlns:a16="http://schemas.microsoft.com/office/drawing/2014/main" id="{2B3788AC-45E1-7E4E-922F-719E6214EB6F}"/>
+              </a:ext>
+            </a:extLst>
+          </p:cNvPr>
+          <p:cNvSpPr txBox="1"/>
+          <p:nvPr/>
+        </p:nvSpPr>
+        <p:spPr>
+          <a:xfrm>
+            <a:off x="7207512" y="3794317"/>
+            <a:ext cx="482824" cy="276999"/>
+          </a:xfrm>
+          <a:prstGeom prst="rect">
+            <a:avLst/>
+          </a:prstGeom>
+          <a:noFill/>
+        </p:spPr>
+        <p:txBody>
+          <a:bodyPr wrap="none" rtlCol="0">
+            <a:spAutoFit/>
+          </a:bodyPr>
+          <a:lstStyle/>
+          <a:p>
+            <a:r>
+              <a:rPr lang="en-US" sz="1200" dirty="0">
+                <a:latin typeface="+mj-lt"/>
+                <a:cs typeface="Times New Roman" panose="02020603050405020304" pitchFamily="18" charset="0"/>
+              </a:rPr>
+              <a:t>used</a:t>
+            </a:r>
+          </a:p>
+        </p:txBody>
+      </p:sp>
+      <p:sp>
+        <p:nvSpPr>
+          <p:cNvPr id="293" name="TextBox 292">
+            <a:extLst>
+              <a:ext uri="{FF2B5EF4-FFF2-40B4-BE49-F238E27FC236}">
+                <a16:creationId xmlns:a16="http://schemas.microsoft.com/office/drawing/2014/main" id="{190AC893-A7BC-9741-B488-209CB5002AF8}"/>
+              </a:ext>
+            </a:extLst>
+          </p:cNvPr>
+          <p:cNvSpPr txBox="1"/>
+          <p:nvPr/>
+        </p:nvSpPr>
+        <p:spPr>
+          <a:xfrm>
+            <a:off x="7314635" y="4684269"/>
+            <a:ext cx="482824" cy="276999"/>
+          </a:xfrm>
+          <a:prstGeom prst="rect">
+            <a:avLst/>
+          </a:prstGeom>
+          <a:noFill/>
+        </p:spPr>
+        <p:txBody>
+          <a:bodyPr wrap="none" rtlCol="0">
+            <a:spAutoFit/>
+          </a:bodyPr>
+          <a:lstStyle/>
+          <a:p>
+            <a:r>
+              <a:rPr lang="en-US" sz="1200" dirty="0">
+                <a:latin typeface="+mj-lt"/>
+                <a:cs typeface="Times New Roman" panose="02020603050405020304" pitchFamily="18" charset="0"/>
+              </a:rPr>
+              <a:t>used</a:t>
+            </a:r>
+          </a:p>
+        </p:txBody>
+      </p:sp>
+      <p:sp>
+        <p:nvSpPr>
+          <p:cNvPr id="294" name="TextBox 293">
+            <a:extLst>
+              <a:ext uri="{FF2B5EF4-FFF2-40B4-BE49-F238E27FC236}">
+                <a16:creationId xmlns:a16="http://schemas.microsoft.com/office/drawing/2014/main" id="{665EA50C-4F1A-1D49-9B5A-C6D3571D5665}"/>
+              </a:ext>
+            </a:extLst>
+          </p:cNvPr>
+          <p:cNvSpPr txBox="1"/>
+          <p:nvPr/>
+        </p:nvSpPr>
+        <p:spPr>
+          <a:xfrm>
+            <a:off x="6291889" y="3607574"/>
+            <a:ext cx="510333" cy="276999"/>
+          </a:xfrm>
+          <a:prstGeom prst="rect">
+            <a:avLst/>
+          </a:prstGeom>
+          <a:noFill/>
+        </p:spPr>
+        <p:txBody>
+          <a:bodyPr wrap="none" rtlCol="0">
+            <a:spAutoFit/>
+          </a:bodyPr>
+          <a:lstStyle/>
+          <a:p>
+            <a:r>
+              <a:rPr lang="en-US" sz="1200" dirty="0" err="1">
+                <a:latin typeface="+mj-lt"/>
+                <a:cs typeface="Times New Roman" panose="02020603050405020304" pitchFamily="18" charset="0"/>
+              </a:rPr>
+              <a:t>wgBy</a:t>
+            </a:r>
+            <a:endParaRPr lang="en-US" sz="1200" dirty="0">
+              <a:latin typeface="+mj-lt"/>
+              <a:cs typeface="Times New Roman" panose="02020603050405020304" pitchFamily="18" charset="0"/>
+            </a:endParaRPr>
+          </a:p>
+        </p:txBody>
+      </p:sp>
+      <p:sp>
+        <p:nvSpPr>
+          <p:cNvPr id="295" name="TextBox 294">
+            <a:extLst>
+              <a:ext uri="{FF2B5EF4-FFF2-40B4-BE49-F238E27FC236}">
+                <a16:creationId xmlns:a16="http://schemas.microsoft.com/office/drawing/2014/main" id="{9A91D90E-A071-184C-8EB8-54759DF91A90}"/>
+              </a:ext>
+            </a:extLst>
+          </p:cNvPr>
+          <p:cNvSpPr txBox="1"/>
+          <p:nvPr/>
+        </p:nvSpPr>
+        <p:spPr>
+          <a:xfrm>
+            <a:off x="6339465" y="1118760"/>
+            <a:ext cx="510333" cy="276999"/>
+          </a:xfrm>
+          <a:prstGeom prst="rect">
+            <a:avLst/>
+          </a:prstGeom>
+          <a:noFill/>
+        </p:spPr>
+        <p:txBody>
+          <a:bodyPr wrap="none" rtlCol="0">
+            <a:spAutoFit/>
+          </a:bodyPr>
+          <a:lstStyle/>
+          <a:p>
+            <a:r>
+              <a:rPr lang="en-US" sz="1200" dirty="0" err="1">
+                <a:latin typeface="+mj-lt"/>
+                <a:cs typeface="Times New Roman" panose="02020603050405020304" pitchFamily="18" charset="0"/>
+              </a:rPr>
+              <a:t>wgBy</a:t>
+            </a:r>
+            <a:endParaRPr lang="en-US" sz="1200" dirty="0">
+              <a:latin typeface="+mj-lt"/>
+              <a:cs typeface="Times New Roman" panose="02020603050405020304" pitchFamily="18" charset="0"/>
+            </a:endParaRPr>
           </a:p>
         </p:txBody>
       </p:sp>

--- a/FGCS-2019/reworked-fig7.pptx
+++ b/FGCS-2019/reworked-fig7.pptx
@@ -304,7 +304,7 @@
           <a:p>
             <a:fld id="{2DE544F1-4EB3-B943-BAC8-4587CDEC2BDB}" type="datetimeFigureOut">
               <a:rPr lang="en-US" smtClean="0"/>
-              <a:t>9/27/19</a:t>
+              <a:t>10/16/19</a:t>
             </a:fld>
             <a:endParaRPr lang="en-US"/>
           </a:p>
@@ -502,7 +502,7 @@
           <a:p>
             <a:fld id="{2DE544F1-4EB3-B943-BAC8-4587CDEC2BDB}" type="datetimeFigureOut">
               <a:rPr lang="en-US" smtClean="0"/>
-              <a:t>9/27/19</a:t>
+              <a:t>10/16/19</a:t>
             </a:fld>
             <a:endParaRPr lang="en-US"/>
           </a:p>
@@ -710,7 +710,7 @@
           <a:p>
             <a:fld id="{2DE544F1-4EB3-B943-BAC8-4587CDEC2BDB}" type="datetimeFigureOut">
               <a:rPr lang="en-US" smtClean="0"/>
-              <a:t>9/27/19</a:t>
+              <a:t>10/16/19</a:t>
             </a:fld>
             <a:endParaRPr lang="en-US"/>
           </a:p>
@@ -908,7 +908,7 @@
           <a:p>
             <a:fld id="{2DE544F1-4EB3-B943-BAC8-4587CDEC2BDB}" type="datetimeFigureOut">
               <a:rPr lang="en-US" smtClean="0"/>
-              <a:t>9/27/19</a:t>
+              <a:t>10/16/19</a:t>
             </a:fld>
             <a:endParaRPr lang="en-US"/>
           </a:p>
@@ -1183,7 +1183,7 @@
           <a:p>
             <a:fld id="{2DE544F1-4EB3-B943-BAC8-4587CDEC2BDB}" type="datetimeFigureOut">
               <a:rPr lang="en-US" smtClean="0"/>
-              <a:t>9/27/19</a:t>
+              <a:t>10/16/19</a:t>
             </a:fld>
             <a:endParaRPr lang="en-US"/>
           </a:p>
@@ -1448,7 +1448,7 @@
           <a:p>
             <a:fld id="{2DE544F1-4EB3-B943-BAC8-4587CDEC2BDB}" type="datetimeFigureOut">
               <a:rPr lang="en-US" smtClean="0"/>
-              <a:t>9/27/19</a:t>
+              <a:t>10/16/19</a:t>
             </a:fld>
             <a:endParaRPr lang="en-US"/>
           </a:p>
@@ -1860,7 +1860,7 @@
           <a:p>
             <a:fld id="{2DE544F1-4EB3-B943-BAC8-4587CDEC2BDB}" type="datetimeFigureOut">
               <a:rPr lang="en-US" smtClean="0"/>
-              <a:t>9/27/19</a:t>
+              <a:t>10/16/19</a:t>
             </a:fld>
             <a:endParaRPr lang="en-US"/>
           </a:p>
@@ -2001,7 +2001,7 @@
           <a:p>
             <a:fld id="{2DE544F1-4EB3-B943-BAC8-4587CDEC2BDB}" type="datetimeFigureOut">
               <a:rPr lang="en-US" smtClean="0"/>
-              <a:t>9/27/19</a:t>
+              <a:t>10/16/19</a:t>
             </a:fld>
             <a:endParaRPr lang="en-US"/>
           </a:p>
@@ -2114,7 +2114,7 @@
           <a:p>
             <a:fld id="{2DE544F1-4EB3-B943-BAC8-4587CDEC2BDB}" type="datetimeFigureOut">
               <a:rPr lang="en-US" smtClean="0"/>
-              <a:t>9/27/19</a:t>
+              <a:t>10/16/19</a:t>
             </a:fld>
             <a:endParaRPr lang="en-US"/>
           </a:p>
@@ -2425,7 +2425,7 @@
           <a:p>
             <a:fld id="{2DE544F1-4EB3-B943-BAC8-4587CDEC2BDB}" type="datetimeFigureOut">
               <a:rPr lang="en-US" smtClean="0"/>
-              <a:t>9/27/19</a:t>
+              <a:t>10/16/19</a:t>
             </a:fld>
             <a:endParaRPr lang="en-US"/>
           </a:p>
@@ -2713,7 +2713,7 @@
           <a:p>
             <a:fld id="{2DE544F1-4EB3-B943-BAC8-4587CDEC2BDB}" type="datetimeFigureOut">
               <a:rPr lang="en-US" smtClean="0"/>
-              <a:t>9/27/19</a:t>
+              <a:t>10/16/19</a:t>
             </a:fld>
             <a:endParaRPr lang="en-US"/>
           </a:p>
@@ -2954,7 +2954,7 @@
           <a:p>
             <a:fld id="{2DE544F1-4EB3-B943-BAC8-4587CDEC2BDB}" type="datetimeFigureOut">
               <a:rPr lang="en-US" smtClean="0"/>
-              <a:t>9/27/19</a:t>
+              <a:t>10/16/19</a:t>
             </a:fld>
             <a:endParaRPr lang="en-US"/>
           </a:p>
@@ -3371,6 +3371,68 @@
           <a:chExt cx="0" cy="0"/>
         </a:xfrm>
       </p:grpSpPr>
+      <p:sp>
+        <p:nvSpPr>
+          <p:cNvPr id="297" name="Oval 296">
+            <a:extLst>
+              <a:ext uri="{FF2B5EF4-FFF2-40B4-BE49-F238E27FC236}">
+                <a16:creationId xmlns:a16="http://schemas.microsoft.com/office/drawing/2014/main" id="{2F35B19B-2418-2049-A99D-F91C0421A7E8}"/>
+              </a:ext>
+            </a:extLst>
+          </p:cNvPr>
+          <p:cNvSpPr/>
+          <p:nvPr/>
+        </p:nvSpPr>
+        <p:spPr>
+          <a:xfrm>
+            <a:off x="2354216" y="3751439"/>
+            <a:ext cx="394531" cy="394531"/>
+          </a:xfrm>
+          <a:prstGeom prst="ellipse">
+            <a:avLst/>
+          </a:prstGeom>
+          <a:solidFill>
+            <a:schemeClr val="accent3"/>
+          </a:solidFill>
+          <a:ln w="25400">
+            <a:solidFill>
+              <a:schemeClr val="tx1"/>
+            </a:solidFill>
+          </a:ln>
+        </p:spPr>
+        <p:style>
+          <a:lnRef idx="2">
+            <a:schemeClr val="accent1">
+              <a:shade val="50000"/>
+            </a:schemeClr>
+          </a:lnRef>
+          <a:fillRef idx="1">
+            <a:schemeClr val="accent1"/>
+          </a:fillRef>
+          <a:effectRef idx="0">
+            <a:schemeClr val="accent1"/>
+          </a:effectRef>
+          <a:fontRef idx="minor">
+            <a:schemeClr val="lt1"/>
+          </a:fontRef>
+        </p:style>
+        <p:txBody>
+          <a:bodyPr rot="0" spcFirstLastPara="0" vertOverflow="overflow" horzOverflow="overflow" vert="horz" wrap="square" lIns="56757" tIns="28378" rIns="56757" bIns="28378" numCol="1" spcCol="0" rtlCol="0" fromWordArt="0" anchor="ctr" anchorCtr="0" forceAA="0" compatLnSpc="1">
+            <a:prstTxWarp prst="textNoShape">
+              <a:avLst/>
+            </a:prstTxWarp>
+            <a:noAutofit/>
+          </a:bodyPr>
+          <a:lstStyle/>
+          <a:p>
+            <a:pPr algn="ctr"/>
+            <a:endParaRPr lang="en-US" sz="1200">
+              <a:latin typeface="+mj-lt"/>
+              <a:cs typeface="Times New Roman" panose="02020603050405020304" pitchFamily="18" charset="0"/>
+            </a:endParaRPr>
+          </a:p>
+        </p:txBody>
+      </p:sp>
       <p:grpSp>
         <p:nvGrpSpPr>
           <p:cNvPr id="168" name="Group 167">
@@ -8017,10 +8079,10 @@
       </p:sp>
       <p:grpSp>
         <p:nvGrpSpPr>
-          <p:cNvPr id="343" name="Group 342">
-            <a:extLst>
-              <a:ext uri="{FF2B5EF4-FFF2-40B4-BE49-F238E27FC236}">
-                <a16:creationId xmlns:a16="http://schemas.microsoft.com/office/drawing/2014/main" id="{24D60939-25DB-C74E-A2D3-6EADA68B1679}"/>
+          <p:cNvPr id="224" name="Group 223">
+            <a:extLst>
+              <a:ext uri="{FF2B5EF4-FFF2-40B4-BE49-F238E27FC236}">
+                <a16:creationId xmlns:a16="http://schemas.microsoft.com/office/drawing/2014/main" id="{07771E6B-6815-D740-8338-10F81C36957A}"/>
               </a:ext>
             </a:extLst>
           </p:cNvPr>
@@ -8029,374 +8091,18 @@
         </p:nvGrpSpPr>
         <p:grpSpPr>
           <a:xfrm>
-            <a:off x="5941515" y="3108663"/>
-            <a:ext cx="4038895" cy="2294131"/>
-            <a:chOff x="5941515" y="3108663"/>
-            <a:chExt cx="4038895" cy="2294131"/>
+            <a:off x="6793907" y="3108663"/>
+            <a:ext cx="394531" cy="394531"/>
+            <a:chOff x="2397512" y="1594624"/>
+            <a:chExt cx="635620" cy="635620"/>
           </a:xfrm>
         </p:grpSpPr>
-        <p:grpSp>
-          <p:nvGrpSpPr>
-            <p:cNvPr id="224" name="Group 223">
+        <p:sp>
+          <p:nvSpPr>
+            <p:cNvPr id="225" name="Oval 224">
               <a:extLst>
                 <a:ext uri="{FF2B5EF4-FFF2-40B4-BE49-F238E27FC236}">
-                  <a16:creationId xmlns:a16="http://schemas.microsoft.com/office/drawing/2014/main" id="{07771E6B-6815-D740-8338-10F81C36957A}"/>
-                </a:ext>
-              </a:extLst>
-            </p:cNvPr>
-            <p:cNvGrpSpPr/>
-            <p:nvPr/>
-          </p:nvGrpSpPr>
-          <p:grpSpPr>
-            <a:xfrm>
-              <a:off x="6793907" y="3108663"/>
-              <a:ext cx="394531" cy="394531"/>
-              <a:chOff x="2397512" y="1594624"/>
-              <a:chExt cx="635620" cy="635620"/>
-            </a:xfrm>
-          </p:grpSpPr>
-          <p:sp>
-            <p:nvSpPr>
-              <p:cNvPr id="225" name="Oval 224">
-                <a:extLst>
-                  <a:ext uri="{FF2B5EF4-FFF2-40B4-BE49-F238E27FC236}">
-                    <a16:creationId xmlns:a16="http://schemas.microsoft.com/office/drawing/2014/main" id="{2060F3DD-7B0E-AC4D-9C2F-54441D8136ED}"/>
-                  </a:ext>
-                </a:extLst>
-              </p:cNvPr>
-              <p:cNvSpPr/>
-              <p:nvPr/>
-            </p:nvSpPr>
-            <p:spPr>
-              <a:xfrm>
-                <a:off x="2397512" y="1594624"/>
-                <a:ext cx="635620" cy="635620"/>
-              </a:xfrm>
-              <a:prstGeom prst="ellipse">
-                <a:avLst/>
-              </a:prstGeom>
-              <a:solidFill>
-                <a:schemeClr val="accent3"/>
-              </a:solidFill>
-              <a:ln w="25400">
-                <a:solidFill>
-                  <a:schemeClr val="tx1"/>
-                </a:solidFill>
-              </a:ln>
-            </p:spPr>
-            <p:style>
-              <a:lnRef idx="2">
-                <a:schemeClr val="accent1">
-                  <a:shade val="50000"/>
-                </a:schemeClr>
-              </a:lnRef>
-              <a:fillRef idx="1">
-                <a:schemeClr val="accent1"/>
-              </a:fillRef>
-              <a:effectRef idx="0">
-                <a:schemeClr val="accent1"/>
-              </a:effectRef>
-              <a:fontRef idx="minor">
-                <a:schemeClr val="lt1"/>
-              </a:fontRef>
-            </p:style>
-            <p:txBody>
-              <a:bodyPr rot="0" spcFirstLastPara="0" vertOverflow="overflow" horzOverflow="overflow" vert="horz" wrap="square" lIns="56757" tIns="28378" rIns="56757" bIns="28378" numCol="1" spcCol="0" rtlCol="0" fromWordArt="0" anchor="ctr" anchorCtr="0" forceAA="0" compatLnSpc="1">
-                <a:prstTxWarp prst="textNoShape">
-                  <a:avLst/>
-                </a:prstTxWarp>
-                <a:noAutofit/>
-              </a:bodyPr>
-              <a:lstStyle/>
-              <a:p>
-                <a:pPr algn="ctr"/>
-                <a:endParaRPr lang="en-US" sz="1200">
-                  <a:latin typeface="+mj-lt"/>
-                  <a:cs typeface="Times New Roman" panose="02020603050405020304" pitchFamily="18" charset="0"/>
-                </a:endParaRPr>
-              </a:p>
-            </p:txBody>
-          </p:sp>
-          <p:sp>
-            <p:nvSpPr>
-              <p:cNvPr id="226" name="TextBox 225">
-                <a:extLst>
-                  <a:ext uri="{FF2B5EF4-FFF2-40B4-BE49-F238E27FC236}">
-                    <a16:creationId xmlns:a16="http://schemas.microsoft.com/office/drawing/2014/main" id="{D2D2DD55-BAC7-3D40-A812-8AC523B85107}"/>
-                  </a:ext>
-                </a:extLst>
-              </p:cNvPr>
-              <p:cNvSpPr txBox="1"/>
-              <p:nvPr/>
-            </p:nvSpPr>
-            <p:spPr>
-              <a:xfrm>
-                <a:off x="2506770" y="1727768"/>
-                <a:ext cx="297616" cy="446267"/>
-              </a:xfrm>
-              <a:prstGeom prst="rect">
-                <a:avLst/>
-              </a:prstGeom>
-              <a:noFill/>
-            </p:spPr>
-            <p:txBody>
-              <a:bodyPr wrap="none" rtlCol="0">
-                <a:spAutoFit/>
-              </a:bodyPr>
-              <a:lstStyle/>
-              <a:p>
-                <a:endParaRPr lang="en-US" sz="1200" dirty="0">
-                  <a:latin typeface="+mj-lt"/>
-                  <a:cs typeface="Times New Roman" panose="02020603050405020304" pitchFamily="18" charset="0"/>
-                </a:endParaRPr>
-              </a:p>
-            </p:txBody>
-          </p:sp>
-        </p:grpSp>
-        <p:grpSp>
-          <p:nvGrpSpPr>
-            <p:cNvPr id="227" name="Group 226">
-              <a:extLst>
-                <a:ext uri="{FF2B5EF4-FFF2-40B4-BE49-F238E27FC236}">
-                  <a16:creationId xmlns:a16="http://schemas.microsoft.com/office/drawing/2014/main" id="{1247E9CD-CF9C-6047-9436-F78D4EF37094}"/>
-                </a:ext>
-              </a:extLst>
-            </p:cNvPr>
-            <p:cNvGrpSpPr/>
-            <p:nvPr/>
-          </p:nvGrpSpPr>
-          <p:grpSpPr>
-            <a:xfrm>
-              <a:off x="6794526" y="3656526"/>
-              <a:ext cx="394531" cy="394531"/>
-              <a:chOff x="2397512" y="1594624"/>
-              <a:chExt cx="635620" cy="635620"/>
-            </a:xfrm>
-            <a:solidFill>
-              <a:schemeClr val="accent3"/>
-            </a:solidFill>
-          </p:grpSpPr>
-          <p:sp>
-            <p:nvSpPr>
-              <p:cNvPr id="228" name="Oval 227">
-                <a:extLst>
-                  <a:ext uri="{FF2B5EF4-FFF2-40B4-BE49-F238E27FC236}">
-                    <a16:creationId xmlns:a16="http://schemas.microsoft.com/office/drawing/2014/main" id="{57087563-447E-2C48-A1B4-99A8B1FAF4AA}"/>
-                  </a:ext>
-                </a:extLst>
-              </p:cNvPr>
-              <p:cNvSpPr/>
-              <p:nvPr/>
-            </p:nvSpPr>
-            <p:spPr>
-              <a:xfrm>
-                <a:off x="2397512" y="1594624"/>
-                <a:ext cx="635620" cy="635620"/>
-              </a:xfrm>
-              <a:prstGeom prst="ellipse">
-                <a:avLst/>
-              </a:prstGeom>
-              <a:grpFill/>
-              <a:ln w="25400">
-                <a:solidFill>
-                  <a:schemeClr val="tx1"/>
-                </a:solidFill>
-              </a:ln>
-            </p:spPr>
-            <p:style>
-              <a:lnRef idx="2">
-                <a:schemeClr val="accent1">
-                  <a:shade val="50000"/>
-                </a:schemeClr>
-              </a:lnRef>
-              <a:fillRef idx="1">
-                <a:schemeClr val="accent1"/>
-              </a:fillRef>
-              <a:effectRef idx="0">
-                <a:schemeClr val="accent1"/>
-              </a:effectRef>
-              <a:fontRef idx="minor">
-                <a:schemeClr val="lt1"/>
-              </a:fontRef>
-            </p:style>
-            <p:txBody>
-              <a:bodyPr rot="0" spcFirstLastPara="0" vertOverflow="overflow" horzOverflow="overflow" vert="horz" wrap="square" lIns="56757" tIns="28378" rIns="56757" bIns="28378" numCol="1" spcCol="0" rtlCol="0" fromWordArt="0" anchor="ctr" anchorCtr="0" forceAA="0" compatLnSpc="1">
-                <a:prstTxWarp prst="textNoShape">
-                  <a:avLst/>
-                </a:prstTxWarp>
-                <a:noAutofit/>
-              </a:bodyPr>
-              <a:lstStyle/>
-              <a:p>
-                <a:pPr algn="ctr"/>
-                <a:endParaRPr lang="en-US" sz="1200">
-                  <a:latin typeface="+mj-lt"/>
-                  <a:cs typeface="Times New Roman" panose="02020603050405020304" pitchFamily="18" charset="0"/>
-                </a:endParaRPr>
-              </a:p>
-            </p:txBody>
-          </p:sp>
-          <p:sp>
-            <p:nvSpPr>
-              <p:cNvPr id="229" name="TextBox 228">
-                <a:extLst>
-                  <a:ext uri="{FF2B5EF4-FFF2-40B4-BE49-F238E27FC236}">
-                    <a16:creationId xmlns:a16="http://schemas.microsoft.com/office/drawing/2014/main" id="{CBCD2046-0FBA-4047-9AD6-10F65B0096C1}"/>
-                  </a:ext>
-                </a:extLst>
-              </p:cNvPr>
-              <p:cNvSpPr txBox="1"/>
-              <p:nvPr/>
-            </p:nvSpPr>
-            <p:spPr>
-              <a:xfrm>
-                <a:off x="2506770" y="1727768"/>
-                <a:ext cx="297616" cy="446267"/>
-              </a:xfrm>
-              <a:prstGeom prst="rect">
-                <a:avLst/>
-              </a:prstGeom>
-              <a:grpFill/>
-            </p:spPr>
-            <p:txBody>
-              <a:bodyPr wrap="none" rtlCol="0">
-                <a:spAutoFit/>
-              </a:bodyPr>
-              <a:lstStyle/>
-              <a:p>
-                <a:endParaRPr lang="en-US" sz="1200" dirty="0">
-                  <a:latin typeface="+mj-lt"/>
-                  <a:cs typeface="Times New Roman" panose="02020603050405020304" pitchFamily="18" charset="0"/>
-                </a:endParaRPr>
-              </a:p>
-            </p:txBody>
-          </p:sp>
-        </p:grpSp>
-        <p:grpSp>
-          <p:nvGrpSpPr>
-            <p:cNvPr id="230" name="Group 229">
-              <a:extLst>
-                <a:ext uri="{FF2B5EF4-FFF2-40B4-BE49-F238E27FC236}">
-                  <a16:creationId xmlns:a16="http://schemas.microsoft.com/office/drawing/2014/main" id="{914F80B5-619E-E64C-A934-557DAF223C82}"/>
-                </a:ext>
-              </a:extLst>
-            </p:cNvPr>
-            <p:cNvGrpSpPr/>
-            <p:nvPr/>
-          </p:nvGrpSpPr>
-          <p:grpSpPr>
-            <a:xfrm>
-              <a:off x="6806935" y="4212272"/>
-              <a:ext cx="394531" cy="394531"/>
-              <a:chOff x="2397512" y="1594624"/>
-              <a:chExt cx="635620" cy="635620"/>
-            </a:xfrm>
-            <a:solidFill>
-              <a:schemeClr val="accent3"/>
-            </a:solidFill>
-          </p:grpSpPr>
-          <p:sp>
-            <p:nvSpPr>
-              <p:cNvPr id="231" name="Oval 230">
-                <a:extLst>
-                  <a:ext uri="{FF2B5EF4-FFF2-40B4-BE49-F238E27FC236}">
-                    <a16:creationId xmlns:a16="http://schemas.microsoft.com/office/drawing/2014/main" id="{DED934DC-2658-324C-85FA-549B4316AE4E}"/>
-                  </a:ext>
-                </a:extLst>
-              </p:cNvPr>
-              <p:cNvSpPr/>
-              <p:nvPr/>
-            </p:nvSpPr>
-            <p:spPr>
-              <a:xfrm>
-                <a:off x="2397512" y="1594624"/>
-                <a:ext cx="635620" cy="635620"/>
-              </a:xfrm>
-              <a:prstGeom prst="ellipse">
-                <a:avLst/>
-              </a:prstGeom>
-              <a:grpFill/>
-              <a:ln w="25400">
-                <a:solidFill>
-                  <a:schemeClr val="tx1"/>
-                </a:solidFill>
-              </a:ln>
-            </p:spPr>
-            <p:style>
-              <a:lnRef idx="2">
-                <a:schemeClr val="accent1">
-                  <a:shade val="50000"/>
-                </a:schemeClr>
-              </a:lnRef>
-              <a:fillRef idx="1">
-                <a:schemeClr val="accent1"/>
-              </a:fillRef>
-              <a:effectRef idx="0">
-                <a:schemeClr val="accent1"/>
-              </a:effectRef>
-              <a:fontRef idx="minor">
-                <a:schemeClr val="lt1"/>
-              </a:fontRef>
-            </p:style>
-            <p:txBody>
-              <a:bodyPr rot="0" spcFirstLastPara="0" vertOverflow="overflow" horzOverflow="overflow" vert="horz" wrap="square" lIns="56757" tIns="28378" rIns="56757" bIns="28378" numCol="1" spcCol="0" rtlCol="0" fromWordArt="0" anchor="ctr" anchorCtr="0" forceAA="0" compatLnSpc="1">
-                <a:prstTxWarp prst="textNoShape">
-                  <a:avLst/>
-                </a:prstTxWarp>
-                <a:noAutofit/>
-              </a:bodyPr>
-              <a:lstStyle/>
-              <a:p>
-                <a:pPr algn="ctr"/>
-                <a:endParaRPr lang="en-US" sz="1200">
-                  <a:latin typeface="+mj-lt"/>
-                  <a:cs typeface="Times New Roman" panose="02020603050405020304" pitchFamily="18" charset="0"/>
-                </a:endParaRPr>
-              </a:p>
-            </p:txBody>
-          </p:sp>
-          <p:sp>
-            <p:nvSpPr>
-              <p:cNvPr id="232" name="TextBox 231">
-                <a:extLst>
-                  <a:ext uri="{FF2B5EF4-FFF2-40B4-BE49-F238E27FC236}">
-                    <a16:creationId xmlns:a16="http://schemas.microsoft.com/office/drawing/2014/main" id="{A3DAE2AF-571A-F442-A862-DA33E684676F}"/>
-                  </a:ext>
-                </a:extLst>
-              </p:cNvPr>
-              <p:cNvSpPr txBox="1"/>
-              <p:nvPr/>
-            </p:nvSpPr>
-            <p:spPr>
-              <a:xfrm>
-                <a:off x="2506770" y="1727768"/>
-                <a:ext cx="297616" cy="446267"/>
-              </a:xfrm>
-              <a:prstGeom prst="rect">
-                <a:avLst/>
-              </a:prstGeom>
-              <a:grpFill/>
-            </p:spPr>
-            <p:txBody>
-              <a:bodyPr wrap="none" rtlCol="0">
-                <a:spAutoFit/>
-              </a:bodyPr>
-              <a:lstStyle/>
-              <a:p>
-                <a:endParaRPr lang="en-US" sz="1200" dirty="0">
-                  <a:latin typeface="+mj-lt"/>
-                  <a:cs typeface="Times New Roman" panose="02020603050405020304" pitchFamily="18" charset="0"/>
-                </a:endParaRPr>
-              </a:p>
-            </p:txBody>
-          </p:sp>
-        </p:grpSp>
-        <p:sp>
-          <p:nvSpPr>
-            <p:cNvPr id="233" name="Rectangle 232">
-              <a:extLst>
-                <a:ext uri="{FF2B5EF4-FFF2-40B4-BE49-F238E27FC236}">
-                  <a16:creationId xmlns:a16="http://schemas.microsoft.com/office/drawing/2014/main" id="{76F2442C-20EB-5248-8C9B-AD8ACCC9561A}"/>
+                  <a16:creationId xmlns:a16="http://schemas.microsoft.com/office/drawing/2014/main" id="{2060F3DD-7B0E-AC4D-9C2F-54441D8136ED}"/>
                 </a:ext>
               </a:extLst>
             </p:cNvPr>
@@ -8405,390 +8111,8 @@
           </p:nvSpPr>
           <p:spPr>
             <a:xfrm>
-              <a:off x="7832403" y="3339875"/>
-              <a:ext cx="363601" cy="394531"/>
-            </a:xfrm>
-            <a:prstGeom prst="rect">
-              <a:avLst/>
-            </a:prstGeom>
-            <a:solidFill>
-              <a:schemeClr val="accent3"/>
-            </a:solidFill>
-            <a:ln w="25400">
-              <a:solidFill>
-                <a:schemeClr val="tx1"/>
-              </a:solidFill>
-            </a:ln>
-          </p:spPr>
-          <p:style>
-            <a:lnRef idx="2">
-              <a:schemeClr val="accent1">
-                <a:shade val="50000"/>
-              </a:schemeClr>
-            </a:lnRef>
-            <a:fillRef idx="1">
-              <a:schemeClr val="accent1"/>
-            </a:fillRef>
-            <a:effectRef idx="0">
-              <a:schemeClr val="accent1"/>
-            </a:effectRef>
-            <a:fontRef idx="minor">
-              <a:schemeClr val="lt1"/>
-            </a:fontRef>
-          </p:style>
-          <p:txBody>
-            <a:bodyPr rot="0" spcFirstLastPara="0" vertOverflow="overflow" horzOverflow="overflow" vert="horz" wrap="square" lIns="56757" tIns="28378" rIns="56757" bIns="28378" numCol="1" spcCol="0" rtlCol="0" fromWordArt="0" anchor="ctr" anchorCtr="0" forceAA="0" compatLnSpc="1">
-              <a:prstTxWarp prst="textNoShape">
-                <a:avLst/>
-              </a:prstTxWarp>
-              <a:noAutofit/>
-            </a:bodyPr>
-            <a:lstStyle/>
-            <a:p>
-              <a:pPr algn="ctr"/>
-              <a:endParaRPr lang="en-US" sz="1200">
-                <a:latin typeface="+mj-lt"/>
-                <a:cs typeface="Times New Roman" panose="02020603050405020304" pitchFamily="18" charset="0"/>
-              </a:endParaRPr>
-            </a:p>
-          </p:txBody>
-        </p:sp>
-        <p:sp>
-          <p:nvSpPr>
-            <p:cNvPr id="234" name="TextBox 233">
-              <a:extLst>
-                <a:ext uri="{FF2B5EF4-FFF2-40B4-BE49-F238E27FC236}">
-                  <a16:creationId xmlns:a16="http://schemas.microsoft.com/office/drawing/2014/main" id="{80A0E7D1-FE10-434B-BD82-FEDCDB7BC881}"/>
-                </a:ext>
-              </a:extLst>
-            </p:cNvPr>
-            <p:cNvSpPr txBox="1"/>
-            <p:nvPr/>
-          </p:nvSpPr>
-          <p:spPr>
-            <a:xfrm>
-              <a:off x="7825546" y="3371352"/>
-              <a:ext cx="336952" cy="276999"/>
-            </a:xfrm>
-            <a:prstGeom prst="rect">
-              <a:avLst/>
-            </a:prstGeom>
-            <a:noFill/>
-          </p:spPr>
-          <p:txBody>
-            <a:bodyPr wrap="none" rtlCol="0">
-              <a:spAutoFit/>
-            </a:bodyPr>
-            <a:lstStyle/>
-            <a:p>
-              <a:r>
-                <a:rPr lang="en-US" sz="1200" dirty="0">
-                  <a:latin typeface="+mj-lt"/>
-                  <a:cs typeface="Times New Roman" panose="02020603050405020304" pitchFamily="18" charset="0"/>
-                </a:rPr>
-                <a:t>a1</a:t>
-              </a:r>
-            </a:p>
-          </p:txBody>
-        </p:sp>
-        <p:sp>
-          <p:nvSpPr>
-            <p:cNvPr id="235" name="Rectangle 234">
-              <a:extLst>
-                <a:ext uri="{FF2B5EF4-FFF2-40B4-BE49-F238E27FC236}">
-                  <a16:creationId xmlns:a16="http://schemas.microsoft.com/office/drawing/2014/main" id="{198C0D90-FE86-5448-94FA-6730083C02F2}"/>
-                </a:ext>
-              </a:extLst>
-            </p:cNvPr>
-            <p:cNvSpPr/>
-            <p:nvPr/>
-          </p:nvSpPr>
-          <p:spPr>
-            <a:xfrm>
-              <a:off x="7841375" y="4211065"/>
-              <a:ext cx="363601" cy="394531"/>
-            </a:xfrm>
-            <a:prstGeom prst="rect">
-              <a:avLst/>
-            </a:prstGeom>
-            <a:solidFill>
-              <a:schemeClr val="accent3"/>
-            </a:solidFill>
-            <a:ln w="25400">
-              <a:solidFill>
-                <a:schemeClr val="tx1"/>
-              </a:solidFill>
-            </a:ln>
-          </p:spPr>
-          <p:style>
-            <a:lnRef idx="2">
-              <a:schemeClr val="accent1">
-                <a:shade val="50000"/>
-              </a:schemeClr>
-            </a:lnRef>
-            <a:fillRef idx="1">
-              <a:schemeClr val="accent1"/>
-            </a:fillRef>
-            <a:effectRef idx="0">
-              <a:schemeClr val="accent1"/>
-            </a:effectRef>
-            <a:fontRef idx="minor">
-              <a:schemeClr val="lt1"/>
-            </a:fontRef>
-          </p:style>
-          <p:txBody>
-            <a:bodyPr rot="0" spcFirstLastPara="0" vertOverflow="overflow" horzOverflow="overflow" vert="horz" wrap="square" lIns="56757" tIns="28378" rIns="56757" bIns="28378" numCol="1" spcCol="0" rtlCol="0" fromWordArt="0" anchor="ctr" anchorCtr="0" forceAA="0" compatLnSpc="1">
-              <a:prstTxWarp prst="textNoShape">
-                <a:avLst/>
-              </a:prstTxWarp>
-              <a:noAutofit/>
-            </a:bodyPr>
-            <a:lstStyle/>
-            <a:p>
-              <a:pPr algn="ctr"/>
-              <a:endParaRPr lang="en-US" sz="1200">
-                <a:latin typeface="+mj-lt"/>
-                <a:cs typeface="Times New Roman" panose="02020603050405020304" pitchFamily="18" charset="0"/>
-              </a:endParaRPr>
-            </a:p>
-          </p:txBody>
-        </p:sp>
-        <p:sp>
-          <p:nvSpPr>
-            <p:cNvPr id="236" name="TextBox 235">
-              <a:extLst>
-                <a:ext uri="{FF2B5EF4-FFF2-40B4-BE49-F238E27FC236}">
-                  <a16:creationId xmlns:a16="http://schemas.microsoft.com/office/drawing/2014/main" id="{4B374C88-4982-B247-B373-AD1BD7A42FB6}"/>
-                </a:ext>
-              </a:extLst>
-            </p:cNvPr>
-            <p:cNvSpPr txBox="1"/>
-            <p:nvPr/>
-          </p:nvSpPr>
-          <p:spPr>
-            <a:xfrm>
-              <a:off x="7864185" y="4254876"/>
-              <a:ext cx="336952" cy="276999"/>
-            </a:xfrm>
-            <a:prstGeom prst="rect">
-              <a:avLst/>
-            </a:prstGeom>
-            <a:noFill/>
-          </p:spPr>
-          <p:txBody>
-            <a:bodyPr wrap="none" rtlCol="0">
-              <a:spAutoFit/>
-            </a:bodyPr>
-            <a:lstStyle/>
-            <a:p>
-              <a:r>
-                <a:rPr lang="en-US" sz="1200" dirty="0">
-                  <a:latin typeface="+mj-lt"/>
-                  <a:cs typeface="Times New Roman" panose="02020603050405020304" pitchFamily="18" charset="0"/>
-                </a:rPr>
-                <a:t>a3</a:t>
-              </a:r>
-            </a:p>
-          </p:txBody>
-        </p:sp>
-        <p:cxnSp>
-          <p:nvCxnSpPr>
-            <p:cNvPr id="237" name="Straight Arrow Connector 236">
-              <a:extLst>
-                <a:ext uri="{FF2B5EF4-FFF2-40B4-BE49-F238E27FC236}">
-                  <a16:creationId xmlns:a16="http://schemas.microsoft.com/office/drawing/2014/main" id="{C02EDC09-4795-0945-8C3D-35455B1281D9}"/>
-                </a:ext>
-              </a:extLst>
-            </p:cNvPr>
-            <p:cNvCxnSpPr>
-              <a:cxnSpLocks/>
-              <a:stCxn id="233" idx="1"/>
-              <a:endCxn id="225" idx="6"/>
-            </p:cNvCxnSpPr>
-            <p:nvPr/>
-          </p:nvCxnSpPr>
-          <p:spPr>
-            <a:xfrm flipH="1" flipV="1">
-              <a:off x="7188437" y="3305928"/>
-              <a:ext cx="643966" cy="231212"/>
-            </a:xfrm>
-            <a:prstGeom prst="straightConnector1">
-              <a:avLst/>
-            </a:prstGeom>
-            <a:ln w="25400">
-              <a:solidFill>
-                <a:schemeClr val="tx1"/>
-              </a:solidFill>
-              <a:tailEnd type="triangle"/>
-            </a:ln>
-          </p:spPr>
-          <p:style>
-            <a:lnRef idx="1">
-              <a:schemeClr val="accent1"/>
-            </a:lnRef>
-            <a:fillRef idx="0">
-              <a:schemeClr val="accent1"/>
-            </a:fillRef>
-            <a:effectRef idx="0">
-              <a:schemeClr val="accent1"/>
-            </a:effectRef>
-            <a:fontRef idx="minor">
-              <a:schemeClr val="tx1"/>
-            </a:fontRef>
-          </p:style>
-        </p:cxnSp>
-        <p:cxnSp>
-          <p:nvCxnSpPr>
-            <p:cNvPr id="238" name="Straight Arrow Connector 237">
-              <a:extLst>
-                <a:ext uri="{FF2B5EF4-FFF2-40B4-BE49-F238E27FC236}">
-                  <a16:creationId xmlns:a16="http://schemas.microsoft.com/office/drawing/2014/main" id="{5DEC1B72-8A73-C34A-97F6-F7D300F42D24}"/>
-                </a:ext>
-              </a:extLst>
-            </p:cNvPr>
-            <p:cNvCxnSpPr>
-              <a:cxnSpLocks/>
-              <a:stCxn id="233" idx="1"/>
-              <a:endCxn id="228" idx="6"/>
-            </p:cNvCxnSpPr>
-            <p:nvPr/>
-          </p:nvCxnSpPr>
-          <p:spPr>
-            <a:xfrm flipH="1">
-              <a:off x="7189057" y="3537141"/>
-              <a:ext cx="643347" cy="316651"/>
-            </a:xfrm>
-            <a:prstGeom prst="straightConnector1">
-              <a:avLst/>
-            </a:prstGeom>
-            <a:ln w="25400">
-              <a:solidFill>
-                <a:schemeClr val="tx1"/>
-              </a:solidFill>
-              <a:tailEnd type="triangle"/>
-            </a:ln>
-          </p:spPr>
-          <p:style>
-            <a:lnRef idx="1">
-              <a:schemeClr val="accent1"/>
-            </a:lnRef>
-            <a:fillRef idx="0">
-              <a:schemeClr val="accent1"/>
-            </a:fillRef>
-            <a:effectRef idx="0">
-              <a:schemeClr val="accent1"/>
-            </a:effectRef>
-            <a:fontRef idx="minor">
-              <a:schemeClr val="tx1"/>
-            </a:fontRef>
-          </p:style>
-        </p:cxnSp>
-        <p:cxnSp>
-          <p:nvCxnSpPr>
-            <p:cNvPr id="239" name="Straight Arrow Connector 238">
-              <a:extLst>
-                <a:ext uri="{FF2B5EF4-FFF2-40B4-BE49-F238E27FC236}">
-                  <a16:creationId xmlns:a16="http://schemas.microsoft.com/office/drawing/2014/main" id="{55A7F66B-842A-3444-9775-615A0B22463E}"/>
-                </a:ext>
-              </a:extLst>
-            </p:cNvPr>
-            <p:cNvCxnSpPr>
-              <a:stCxn id="235" idx="1"/>
-              <a:endCxn id="231" idx="6"/>
-            </p:cNvCxnSpPr>
-            <p:nvPr/>
-          </p:nvCxnSpPr>
-          <p:spPr>
-            <a:xfrm flipH="1">
-              <a:off x="7201465" y="4408331"/>
-              <a:ext cx="639910" cy="1207"/>
-            </a:xfrm>
-            <a:prstGeom prst="straightConnector1">
-              <a:avLst/>
-            </a:prstGeom>
-            <a:ln w="25400">
-              <a:solidFill>
-                <a:schemeClr val="tx1"/>
-              </a:solidFill>
-              <a:tailEnd type="triangle"/>
-            </a:ln>
-          </p:spPr>
-          <p:style>
-            <a:lnRef idx="1">
-              <a:schemeClr val="accent1"/>
-            </a:lnRef>
-            <a:fillRef idx="0">
-              <a:schemeClr val="accent1"/>
-            </a:fillRef>
-            <a:effectRef idx="0">
-              <a:schemeClr val="accent1"/>
-            </a:effectRef>
-            <a:fontRef idx="minor">
-              <a:schemeClr val="tx1"/>
-            </a:fontRef>
-          </p:style>
-        </p:cxnSp>
-        <p:cxnSp>
-          <p:nvCxnSpPr>
-            <p:cNvPr id="240" name="Straight Arrow Connector 239">
-              <a:extLst>
-                <a:ext uri="{FF2B5EF4-FFF2-40B4-BE49-F238E27FC236}">
-                  <a16:creationId xmlns:a16="http://schemas.microsoft.com/office/drawing/2014/main" id="{5BC03944-180F-8B4D-AEB5-6A2EA1592838}"/>
-                </a:ext>
-              </a:extLst>
-            </p:cNvPr>
-            <p:cNvCxnSpPr>
-              <a:stCxn id="235" idx="1"/>
-              <a:endCxn id="228" idx="6"/>
-            </p:cNvCxnSpPr>
-            <p:nvPr/>
-          </p:nvCxnSpPr>
-          <p:spPr>
-            <a:xfrm flipH="1" flipV="1">
-              <a:off x="7189057" y="3853792"/>
-              <a:ext cx="652319" cy="554539"/>
-            </a:xfrm>
-            <a:prstGeom prst="straightConnector1">
-              <a:avLst/>
-            </a:prstGeom>
-            <a:ln w="25400">
-              <a:solidFill>
-                <a:schemeClr val="tx1"/>
-              </a:solidFill>
-              <a:tailEnd type="triangle"/>
-            </a:ln>
-          </p:spPr>
-          <p:style>
-            <a:lnRef idx="1">
-              <a:schemeClr val="accent1"/>
-            </a:lnRef>
-            <a:fillRef idx="0">
-              <a:schemeClr val="accent1"/>
-            </a:fillRef>
-            <a:effectRef idx="0">
-              <a:schemeClr val="accent1"/>
-            </a:effectRef>
-            <a:fontRef idx="minor">
-              <a:schemeClr val="tx1"/>
-            </a:fontRef>
-          </p:style>
-        </p:cxnSp>
-        <p:sp>
-          <p:nvSpPr>
-            <p:cNvPr id="241" name="Oval 240">
-              <a:extLst>
-                <a:ext uri="{FF2B5EF4-FFF2-40B4-BE49-F238E27FC236}">
-                  <a16:creationId xmlns:a16="http://schemas.microsoft.com/office/drawing/2014/main" id="{FFA434D6-5161-CA4E-B3F0-C8D47D742481}"/>
-                </a:ext>
-              </a:extLst>
-            </p:cNvPr>
-            <p:cNvSpPr/>
-            <p:nvPr/>
-          </p:nvSpPr>
-          <p:spPr>
-            <a:xfrm>
-              <a:off x="8718003" y="3339874"/>
-              <a:ext cx="394531" cy="394531"/>
+              <a:off x="2397512" y="1594624"/>
+              <a:ext cx="635620" cy="635620"/>
             </a:xfrm>
             <a:prstGeom prst="ellipse">
               <a:avLst/>
@@ -8837,10 +8161,10 @@
         </p:sp>
         <p:sp>
           <p:nvSpPr>
-            <p:cNvPr id="242" name="TextBox 241">
+            <p:cNvPr id="226" name="TextBox 225">
               <a:extLst>
                 <a:ext uri="{FF2B5EF4-FFF2-40B4-BE49-F238E27FC236}">
-                  <a16:creationId xmlns:a16="http://schemas.microsoft.com/office/drawing/2014/main" id="{A8E8CB32-452A-6B48-8FC2-312123CAF0B4}"/>
+                  <a16:creationId xmlns:a16="http://schemas.microsoft.com/office/drawing/2014/main" id="{D2D2DD55-BAC7-3D40-A812-8AC523B85107}"/>
                 </a:ext>
               </a:extLst>
             </p:cNvPr>
@@ -8849,8 +8173,8 @@
           </p:nvSpPr>
           <p:spPr>
             <a:xfrm>
-              <a:off x="8733976" y="3368417"/>
-              <a:ext cx="373718" cy="276999"/>
+              <a:off x="2506770" y="1727768"/>
+              <a:ext cx="297616" cy="446267"/>
             </a:xfrm>
             <a:prstGeom prst="rect">
               <a:avLst/>
@@ -8858,27 +8182,48 @@
             <a:noFill/>
           </p:spPr>
           <p:txBody>
-            <a:bodyPr wrap="square" rtlCol="0">
+            <a:bodyPr wrap="none" rtlCol="0">
               <a:spAutoFit/>
             </a:bodyPr>
             <a:lstStyle/>
             <a:p>
-              <a:r>
-                <a:rPr lang="en-US" sz="1200" dirty="0">
-                  <a:latin typeface="+mj-lt"/>
-                  <a:cs typeface="Times New Roman" panose="02020603050405020304" pitchFamily="18" charset="0"/>
-                </a:rPr>
-                <a:t>e4</a:t>
-              </a:r>
+              <a:endParaRPr lang="en-US" sz="1200" dirty="0">
+                <a:latin typeface="+mj-lt"/>
+                <a:cs typeface="Times New Roman" panose="02020603050405020304" pitchFamily="18" charset="0"/>
+              </a:endParaRPr>
             </a:p>
           </p:txBody>
         </p:sp>
+      </p:grpSp>
+      <p:grpSp>
+        <p:nvGrpSpPr>
+          <p:cNvPr id="227" name="Group 226">
+            <a:extLst>
+              <a:ext uri="{FF2B5EF4-FFF2-40B4-BE49-F238E27FC236}">
+                <a16:creationId xmlns:a16="http://schemas.microsoft.com/office/drawing/2014/main" id="{1247E9CD-CF9C-6047-9436-F78D4EF37094}"/>
+              </a:ext>
+            </a:extLst>
+          </p:cNvPr>
+          <p:cNvGrpSpPr/>
+          <p:nvPr/>
+        </p:nvGrpSpPr>
+        <p:grpSpPr>
+          <a:xfrm>
+            <a:off x="6794526" y="3656526"/>
+            <a:ext cx="394531" cy="394531"/>
+            <a:chOff x="2397512" y="1594624"/>
+            <a:chExt cx="635620" cy="635620"/>
+          </a:xfrm>
+          <a:solidFill>
+            <a:schemeClr val="accent3"/>
+          </a:solidFill>
+        </p:grpSpPr>
         <p:sp>
           <p:nvSpPr>
-            <p:cNvPr id="243" name="Oval 242">
+            <p:cNvPr id="228" name="Oval 227">
               <a:extLst>
                 <a:ext uri="{FF2B5EF4-FFF2-40B4-BE49-F238E27FC236}">
-                  <a16:creationId xmlns:a16="http://schemas.microsoft.com/office/drawing/2014/main" id="{45A05B27-5A2B-D844-AA89-70AA72F351E6}"/>
+                  <a16:creationId xmlns:a16="http://schemas.microsoft.com/office/drawing/2014/main" id="{57087563-447E-2C48-A1B4-99A8B1FAF4AA}"/>
                 </a:ext>
               </a:extLst>
             </p:cNvPr>
@@ -8887,15 +8232,13 @@
           </p:nvSpPr>
           <p:spPr>
             <a:xfrm>
-              <a:off x="8718003" y="4213097"/>
-              <a:ext cx="394531" cy="394531"/>
+              <a:off x="2397512" y="1594624"/>
+              <a:ext cx="635620" cy="635620"/>
             </a:xfrm>
             <a:prstGeom prst="ellipse">
               <a:avLst/>
             </a:prstGeom>
-            <a:solidFill>
-              <a:schemeClr val="accent3"/>
-            </a:solidFill>
+            <a:grpFill/>
             <a:ln w="25400">
               <a:solidFill>
                 <a:schemeClr val="tx1"/>
@@ -8937,10 +8280,10 @@
         </p:sp>
         <p:sp>
           <p:nvSpPr>
-            <p:cNvPr id="244" name="TextBox 243">
+            <p:cNvPr id="229" name="TextBox 228">
               <a:extLst>
                 <a:ext uri="{FF2B5EF4-FFF2-40B4-BE49-F238E27FC236}">
-                  <a16:creationId xmlns:a16="http://schemas.microsoft.com/office/drawing/2014/main" id="{23F3CE86-E2A1-B249-89D1-CE274D7B8CFB}"/>
+                  <a16:creationId xmlns:a16="http://schemas.microsoft.com/office/drawing/2014/main" id="{CBCD2046-0FBA-4047-9AD6-10F65B0096C1}"/>
                 </a:ext>
               </a:extLst>
             </p:cNvPr>
@@ -8949,8 +8292,825 @@
           </p:nvSpPr>
           <p:spPr>
             <a:xfrm>
-              <a:off x="8722886" y="4271862"/>
-              <a:ext cx="340158" cy="276999"/>
+              <a:off x="2506770" y="1727768"/>
+              <a:ext cx="297616" cy="446267"/>
+            </a:xfrm>
+            <a:prstGeom prst="rect">
+              <a:avLst/>
+            </a:prstGeom>
+            <a:grpFill/>
+          </p:spPr>
+          <p:txBody>
+            <a:bodyPr wrap="none" rtlCol="0">
+              <a:spAutoFit/>
+            </a:bodyPr>
+            <a:lstStyle/>
+            <a:p>
+              <a:endParaRPr lang="en-US" sz="1200" dirty="0">
+                <a:latin typeface="+mj-lt"/>
+                <a:cs typeface="Times New Roman" panose="02020603050405020304" pitchFamily="18" charset="0"/>
+              </a:endParaRPr>
+            </a:p>
+          </p:txBody>
+        </p:sp>
+      </p:grpSp>
+      <p:grpSp>
+        <p:nvGrpSpPr>
+          <p:cNvPr id="230" name="Group 229">
+            <a:extLst>
+              <a:ext uri="{FF2B5EF4-FFF2-40B4-BE49-F238E27FC236}">
+                <a16:creationId xmlns:a16="http://schemas.microsoft.com/office/drawing/2014/main" id="{914F80B5-619E-E64C-A934-557DAF223C82}"/>
+              </a:ext>
+            </a:extLst>
+          </p:cNvPr>
+          <p:cNvGrpSpPr/>
+          <p:nvPr/>
+        </p:nvGrpSpPr>
+        <p:grpSpPr>
+          <a:xfrm>
+            <a:off x="6806935" y="4212272"/>
+            <a:ext cx="394531" cy="394531"/>
+            <a:chOff x="2397512" y="1594624"/>
+            <a:chExt cx="635620" cy="635620"/>
+          </a:xfrm>
+          <a:solidFill>
+            <a:schemeClr val="accent3"/>
+          </a:solidFill>
+        </p:grpSpPr>
+        <p:sp>
+          <p:nvSpPr>
+            <p:cNvPr id="231" name="Oval 230">
+              <a:extLst>
+                <a:ext uri="{FF2B5EF4-FFF2-40B4-BE49-F238E27FC236}">
+                  <a16:creationId xmlns:a16="http://schemas.microsoft.com/office/drawing/2014/main" id="{DED934DC-2658-324C-85FA-549B4316AE4E}"/>
+                </a:ext>
+              </a:extLst>
+            </p:cNvPr>
+            <p:cNvSpPr/>
+            <p:nvPr/>
+          </p:nvSpPr>
+          <p:spPr>
+            <a:xfrm>
+              <a:off x="2397512" y="1594624"/>
+              <a:ext cx="635620" cy="635620"/>
+            </a:xfrm>
+            <a:prstGeom prst="ellipse">
+              <a:avLst/>
+            </a:prstGeom>
+            <a:grpFill/>
+            <a:ln w="25400">
+              <a:solidFill>
+                <a:schemeClr val="tx1"/>
+              </a:solidFill>
+            </a:ln>
+          </p:spPr>
+          <p:style>
+            <a:lnRef idx="2">
+              <a:schemeClr val="accent1">
+                <a:shade val="50000"/>
+              </a:schemeClr>
+            </a:lnRef>
+            <a:fillRef idx="1">
+              <a:schemeClr val="accent1"/>
+            </a:fillRef>
+            <a:effectRef idx="0">
+              <a:schemeClr val="accent1"/>
+            </a:effectRef>
+            <a:fontRef idx="minor">
+              <a:schemeClr val="lt1"/>
+            </a:fontRef>
+          </p:style>
+          <p:txBody>
+            <a:bodyPr rot="0" spcFirstLastPara="0" vertOverflow="overflow" horzOverflow="overflow" vert="horz" wrap="square" lIns="56757" tIns="28378" rIns="56757" bIns="28378" numCol="1" spcCol="0" rtlCol="0" fromWordArt="0" anchor="ctr" anchorCtr="0" forceAA="0" compatLnSpc="1">
+              <a:prstTxWarp prst="textNoShape">
+                <a:avLst/>
+              </a:prstTxWarp>
+              <a:noAutofit/>
+            </a:bodyPr>
+            <a:lstStyle/>
+            <a:p>
+              <a:pPr algn="ctr"/>
+              <a:endParaRPr lang="en-US" sz="1200">
+                <a:latin typeface="+mj-lt"/>
+                <a:cs typeface="Times New Roman" panose="02020603050405020304" pitchFamily="18" charset="0"/>
+              </a:endParaRPr>
+            </a:p>
+          </p:txBody>
+        </p:sp>
+        <p:sp>
+          <p:nvSpPr>
+            <p:cNvPr id="232" name="TextBox 231">
+              <a:extLst>
+                <a:ext uri="{FF2B5EF4-FFF2-40B4-BE49-F238E27FC236}">
+                  <a16:creationId xmlns:a16="http://schemas.microsoft.com/office/drawing/2014/main" id="{A3DAE2AF-571A-F442-A862-DA33E684676F}"/>
+                </a:ext>
+              </a:extLst>
+            </p:cNvPr>
+            <p:cNvSpPr txBox="1"/>
+            <p:nvPr/>
+          </p:nvSpPr>
+          <p:spPr>
+            <a:xfrm>
+              <a:off x="2506770" y="1727768"/>
+              <a:ext cx="297616" cy="446267"/>
+            </a:xfrm>
+            <a:prstGeom prst="rect">
+              <a:avLst/>
+            </a:prstGeom>
+            <a:grpFill/>
+          </p:spPr>
+          <p:txBody>
+            <a:bodyPr wrap="none" rtlCol="0">
+              <a:spAutoFit/>
+            </a:bodyPr>
+            <a:lstStyle/>
+            <a:p>
+              <a:endParaRPr lang="en-US" sz="1200" dirty="0">
+                <a:latin typeface="+mj-lt"/>
+                <a:cs typeface="Times New Roman" panose="02020603050405020304" pitchFamily="18" charset="0"/>
+              </a:endParaRPr>
+            </a:p>
+          </p:txBody>
+        </p:sp>
+      </p:grpSp>
+      <p:sp>
+        <p:nvSpPr>
+          <p:cNvPr id="233" name="Rectangle 232">
+            <a:extLst>
+              <a:ext uri="{FF2B5EF4-FFF2-40B4-BE49-F238E27FC236}">
+                <a16:creationId xmlns:a16="http://schemas.microsoft.com/office/drawing/2014/main" id="{76F2442C-20EB-5248-8C9B-AD8ACCC9561A}"/>
+              </a:ext>
+            </a:extLst>
+          </p:cNvPr>
+          <p:cNvSpPr/>
+          <p:nvPr/>
+        </p:nvSpPr>
+        <p:spPr>
+          <a:xfrm>
+            <a:off x="7832403" y="3339875"/>
+            <a:ext cx="363601" cy="394531"/>
+          </a:xfrm>
+          <a:prstGeom prst="rect">
+            <a:avLst/>
+          </a:prstGeom>
+          <a:solidFill>
+            <a:schemeClr val="accent3"/>
+          </a:solidFill>
+          <a:ln w="25400">
+            <a:solidFill>
+              <a:schemeClr val="tx1"/>
+            </a:solidFill>
+          </a:ln>
+        </p:spPr>
+        <p:style>
+          <a:lnRef idx="2">
+            <a:schemeClr val="accent1">
+              <a:shade val="50000"/>
+            </a:schemeClr>
+          </a:lnRef>
+          <a:fillRef idx="1">
+            <a:schemeClr val="accent1"/>
+          </a:fillRef>
+          <a:effectRef idx="0">
+            <a:schemeClr val="accent1"/>
+          </a:effectRef>
+          <a:fontRef idx="minor">
+            <a:schemeClr val="lt1"/>
+          </a:fontRef>
+        </p:style>
+        <p:txBody>
+          <a:bodyPr rot="0" spcFirstLastPara="0" vertOverflow="overflow" horzOverflow="overflow" vert="horz" wrap="square" lIns="56757" tIns="28378" rIns="56757" bIns="28378" numCol="1" spcCol="0" rtlCol="0" fromWordArt="0" anchor="ctr" anchorCtr="0" forceAA="0" compatLnSpc="1">
+            <a:prstTxWarp prst="textNoShape">
+              <a:avLst/>
+            </a:prstTxWarp>
+            <a:noAutofit/>
+          </a:bodyPr>
+          <a:lstStyle/>
+          <a:p>
+            <a:pPr algn="ctr"/>
+            <a:endParaRPr lang="en-US" sz="1200">
+              <a:latin typeface="+mj-lt"/>
+              <a:cs typeface="Times New Roman" panose="02020603050405020304" pitchFamily="18" charset="0"/>
+            </a:endParaRPr>
+          </a:p>
+        </p:txBody>
+      </p:sp>
+      <p:sp>
+        <p:nvSpPr>
+          <p:cNvPr id="234" name="TextBox 233">
+            <a:extLst>
+              <a:ext uri="{FF2B5EF4-FFF2-40B4-BE49-F238E27FC236}">
+                <a16:creationId xmlns:a16="http://schemas.microsoft.com/office/drawing/2014/main" id="{80A0E7D1-FE10-434B-BD82-FEDCDB7BC881}"/>
+              </a:ext>
+            </a:extLst>
+          </p:cNvPr>
+          <p:cNvSpPr txBox="1"/>
+          <p:nvPr/>
+        </p:nvSpPr>
+        <p:spPr>
+          <a:xfrm>
+            <a:off x="7825546" y="3371352"/>
+            <a:ext cx="336952" cy="276999"/>
+          </a:xfrm>
+          <a:prstGeom prst="rect">
+            <a:avLst/>
+          </a:prstGeom>
+          <a:noFill/>
+        </p:spPr>
+        <p:txBody>
+          <a:bodyPr wrap="none" rtlCol="0">
+            <a:spAutoFit/>
+          </a:bodyPr>
+          <a:lstStyle/>
+          <a:p>
+            <a:r>
+              <a:rPr lang="en-US" sz="1200" dirty="0">
+                <a:latin typeface="+mj-lt"/>
+                <a:cs typeface="Times New Roman" panose="02020603050405020304" pitchFamily="18" charset="0"/>
+              </a:rPr>
+              <a:t>a1</a:t>
+            </a:r>
+          </a:p>
+        </p:txBody>
+      </p:sp>
+      <p:sp>
+        <p:nvSpPr>
+          <p:cNvPr id="235" name="Rectangle 234">
+            <a:extLst>
+              <a:ext uri="{FF2B5EF4-FFF2-40B4-BE49-F238E27FC236}">
+                <a16:creationId xmlns:a16="http://schemas.microsoft.com/office/drawing/2014/main" id="{198C0D90-FE86-5448-94FA-6730083C02F2}"/>
+              </a:ext>
+            </a:extLst>
+          </p:cNvPr>
+          <p:cNvSpPr/>
+          <p:nvPr/>
+        </p:nvSpPr>
+        <p:spPr>
+          <a:xfrm>
+            <a:off x="7841375" y="4211065"/>
+            <a:ext cx="363601" cy="394531"/>
+          </a:xfrm>
+          <a:prstGeom prst="rect">
+            <a:avLst/>
+          </a:prstGeom>
+          <a:solidFill>
+            <a:schemeClr val="accent3"/>
+          </a:solidFill>
+          <a:ln w="25400">
+            <a:solidFill>
+              <a:schemeClr val="tx1"/>
+            </a:solidFill>
+          </a:ln>
+        </p:spPr>
+        <p:style>
+          <a:lnRef idx="2">
+            <a:schemeClr val="accent1">
+              <a:shade val="50000"/>
+            </a:schemeClr>
+          </a:lnRef>
+          <a:fillRef idx="1">
+            <a:schemeClr val="accent1"/>
+          </a:fillRef>
+          <a:effectRef idx="0">
+            <a:schemeClr val="accent1"/>
+          </a:effectRef>
+          <a:fontRef idx="minor">
+            <a:schemeClr val="lt1"/>
+          </a:fontRef>
+        </p:style>
+        <p:txBody>
+          <a:bodyPr rot="0" spcFirstLastPara="0" vertOverflow="overflow" horzOverflow="overflow" vert="horz" wrap="square" lIns="56757" tIns="28378" rIns="56757" bIns="28378" numCol="1" spcCol="0" rtlCol="0" fromWordArt="0" anchor="ctr" anchorCtr="0" forceAA="0" compatLnSpc="1">
+            <a:prstTxWarp prst="textNoShape">
+              <a:avLst/>
+            </a:prstTxWarp>
+            <a:noAutofit/>
+          </a:bodyPr>
+          <a:lstStyle/>
+          <a:p>
+            <a:pPr algn="ctr"/>
+            <a:endParaRPr lang="en-US" sz="1200">
+              <a:latin typeface="+mj-lt"/>
+              <a:cs typeface="Times New Roman" panose="02020603050405020304" pitchFamily="18" charset="0"/>
+            </a:endParaRPr>
+          </a:p>
+        </p:txBody>
+      </p:sp>
+      <p:sp>
+        <p:nvSpPr>
+          <p:cNvPr id="236" name="TextBox 235">
+            <a:extLst>
+              <a:ext uri="{FF2B5EF4-FFF2-40B4-BE49-F238E27FC236}">
+                <a16:creationId xmlns:a16="http://schemas.microsoft.com/office/drawing/2014/main" id="{4B374C88-4982-B247-B373-AD1BD7A42FB6}"/>
+              </a:ext>
+            </a:extLst>
+          </p:cNvPr>
+          <p:cNvSpPr txBox="1"/>
+          <p:nvPr/>
+        </p:nvSpPr>
+        <p:spPr>
+          <a:xfrm>
+            <a:off x="7864185" y="4254876"/>
+            <a:ext cx="336952" cy="276999"/>
+          </a:xfrm>
+          <a:prstGeom prst="rect">
+            <a:avLst/>
+          </a:prstGeom>
+          <a:noFill/>
+        </p:spPr>
+        <p:txBody>
+          <a:bodyPr wrap="none" rtlCol="0">
+            <a:spAutoFit/>
+          </a:bodyPr>
+          <a:lstStyle/>
+          <a:p>
+            <a:r>
+              <a:rPr lang="en-US" sz="1200" dirty="0">
+                <a:latin typeface="+mj-lt"/>
+                <a:cs typeface="Times New Roman" panose="02020603050405020304" pitchFamily="18" charset="0"/>
+              </a:rPr>
+              <a:t>a3</a:t>
+            </a:r>
+          </a:p>
+        </p:txBody>
+      </p:sp>
+      <p:cxnSp>
+        <p:nvCxnSpPr>
+          <p:cNvPr id="237" name="Straight Arrow Connector 236">
+            <a:extLst>
+              <a:ext uri="{FF2B5EF4-FFF2-40B4-BE49-F238E27FC236}">
+                <a16:creationId xmlns:a16="http://schemas.microsoft.com/office/drawing/2014/main" id="{C02EDC09-4795-0945-8C3D-35455B1281D9}"/>
+              </a:ext>
+            </a:extLst>
+          </p:cNvPr>
+          <p:cNvCxnSpPr>
+            <a:cxnSpLocks/>
+            <a:stCxn id="233" idx="1"/>
+            <a:endCxn id="225" idx="6"/>
+          </p:cNvCxnSpPr>
+          <p:nvPr/>
+        </p:nvCxnSpPr>
+        <p:spPr>
+          <a:xfrm flipH="1" flipV="1">
+            <a:off x="7188437" y="3305928"/>
+            <a:ext cx="643966" cy="231212"/>
+          </a:xfrm>
+          <a:prstGeom prst="straightConnector1">
+            <a:avLst/>
+          </a:prstGeom>
+          <a:ln w="25400">
+            <a:solidFill>
+              <a:schemeClr val="tx1"/>
+            </a:solidFill>
+            <a:tailEnd type="triangle"/>
+          </a:ln>
+        </p:spPr>
+        <p:style>
+          <a:lnRef idx="1">
+            <a:schemeClr val="accent1"/>
+          </a:lnRef>
+          <a:fillRef idx="0">
+            <a:schemeClr val="accent1"/>
+          </a:fillRef>
+          <a:effectRef idx="0">
+            <a:schemeClr val="accent1"/>
+          </a:effectRef>
+          <a:fontRef idx="minor">
+            <a:schemeClr val="tx1"/>
+          </a:fontRef>
+        </p:style>
+      </p:cxnSp>
+      <p:cxnSp>
+        <p:nvCxnSpPr>
+          <p:cNvPr id="238" name="Straight Arrow Connector 237">
+            <a:extLst>
+              <a:ext uri="{FF2B5EF4-FFF2-40B4-BE49-F238E27FC236}">
+                <a16:creationId xmlns:a16="http://schemas.microsoft.com/office/drawing/2014/main" id="{5DEC1B72-8A73-C34A-97F6-F7D300F42D24}"/>
+              </a:ext>
+            </a:extLst>
+          </p:cNvPr>
+          <p:cNvCxnSpPr>
+            <a:cxnSpLocks/>
+            <a:stCxn id="233" idx="1"/>
+            <a:endCxn id="228" idx="6"/>
+          </p:cNvCxnSpPr>
+          <p:nvPr/>
+        </p:nvCxnSpPr>
+        <p:spPr>
+          <a:xfrm flipH="1">
+            <a:off x="7189057" y="3537141"/>
+            <a:ext cx="643347" cy="316651"/>
+          </a:xfrm>
+          <a:prstGeom prst="straightConnector1">
+            <a:avLst/>
+          </a:prstGeom>
+          <a:ln w="25400">
+            <a:solidFill>
+              <a:schemeClr val="tx1"/>
+            </a:solidFill>
+            <a:tailEnd type="triangle"/>
+          </a:ln>
+        </p:spPr>
+        <p:style>
+          <a:lnRef idx="1">
+            <a:schemeClr val="accent1"/>
+          </a:lnRef>
+          <a:fillRef idx="0">
+            <a:schemeClr val="accent1"/>
+          </a:fillRef>
+          <a:effectRef idx="0">
+            <a:schemeClr val="accent1"/>
+          </a:effectRef>
+          <a:fontRef idx="minor">
+            <a:schemeClr val="tx1"/>
+          </a:fontRef>
+        </p:style>
+      </p:cxnSp>
+      <p:cxnSp>
+        <p:nvCxnSpPr>
+          <p:cNvPr id="239" name="Straight Arrow Connector 238">
+            <a:extLst>
+              <a:ext uri="{FF2B5EF4-FFF2-40B4-BE49-F238E27FC236}">
+                <a16:creationId xmlns:a16="http://schemas.microsoft.com/office/drawing/2014/main" id="{55A7F66B-842A-3444-9775-615A0B22463E}"/>
+              </a:ext>
+            </a:extLst>
+          </p:cNvPr>
+          <p:cNvCxnSpPr>
+            <a:stCxn id="235" idx="1"/>
+            <a:endCxn id="231" idx="6"/>
+          </p:cNvCxnSpPr>
+          <p:nvPr/>
+        </p:nvCxnSpPr>
+        <p:spPr>
+          <a:xfrm flipH="1">
+            <a:off x="7201465" y="4408331"/>
+            <a:ext cx="639910" cy="1207"/>
+          </a:xfrm>
+          <a:prstGeom prst="straightConnector1">
+            <a:avLst/>
+          </a:prstGeom>
+          <a:ln w="25400">
+            <a:solidFill>
+              <a:schemeClr val="tx1"/>
+            </a:solidFill>
+            <a:tailEnd type="triangle"/>
+          </a:ln>
+        </p:spPr>
+        <p:style>
+          <a:lnRef idx="1">
+            <a:schemeClr val="accent1"/>
+          </a:lnRef>
+          <a:fillRef idx="0">
+            <a:schemeClr val="accent1"/>
+          </a:fillRef>
+          <a:effectRef idx="0">
+            <a:schemeClr val="accent1"/>
+          </a:effectRef>
+          <a:fontRef idx="minor">
+            <a:schemeClr val="tx1"/>
+          </a:fontRef>
+        </p:style>
+      </p:cxnSp>
+      <p:cxnSp>
+        <p:nvCxnSpPr>
+          <p:cNvPr id="240" name="Straight Arrow Connector 239">
+            <a:extLst>
+              <a:ext uri="{FF2B5EF4-FFF2-40B4-BE49-F238E27FC236}">
+                <a16:creationId xmlns:a16="http://schemas.microsoft.com/office/drawing/2014/main" id="{5BC03944-180F-8B4D-AEB5-6A2EA1592838}"/>
+              </a:ext>
+            </a:extLst>
+          </p:cNvPr>
+          <p:cNvCxnSpPr>
+            <a:stCxn id="235" idx="1"/>
+            <a:endCxn id="228" idx="6"/>
+          </p:cNvCxnSpPr>
+          <p:nvPr/>
+        </p:nvCxnSpPr>
+        <p:spPr>
+          <a:xfrm flipH="1" flipV="1">
+            <a:off x="7189057" y="3853792"/>
+            <a:ext cx="652319" cy="554539"/>
+          </a:xfrm>
+          <a:prstGeom prst="straightConnector1">
+            <a:avLst/>
+          </a:prstGeom>
+          <a:ln w="25400">
+            <a:solidFill>
+              <a:schemeClr val="tx1"/>
+            </a:solidFill>
+            <a:tailEnd type="triangle"/>
+          </a:ln>
+        </p:spPr>
+        <p:style>
+          <a:lnRef idx="1">
+            <a:schemeClr val="accent1"/>
+          </a:lnRef>
+          <a:fillRef idx="0">
+            <a:schemeClr val="accent1"/>
+          </a:fillRef>
+          <a:effectRef idx="0">
+            <a:schemeClr val="accent1"/>
+          </a:effectRef>
+          <a:fontRef idx="minor">
+            <a:schemeClr val="tx1"/>
+          </a:fontRef>
+        </p:style>
+      </p:cxnSp>
+      <p:sp>
+        <p:nvSpPr>
+          <p:cNvPr id="296" name="Oval 295">
+            <a:extLst>
+              <a:ext uri="{FF2B5EF4-FFF2-40B4-BE49-F238E27FC236}">
+                <a16:creationId xmlns:a16="http://schemas.microsoft.com/office/drawing/2014/main" id="{AB773508-B615-8B48-9CF7-C478A4C89481}"/>
+              </a:ext>
+            </a:extLst>
+          </p:cNvPr>
+          <p:cNvSpPr/>
+          <p:nvPr/>
+        </p:nvSpPr>
+        <p:spPr>
+          <a:xfrm>
+            <a:off x="8740699" y="3321052"/>
+            <a:ext cx="394531" cy="394531"/>
+          </a:xfrm>
+          <a:prstGeom prst="ellipse">
+            <a:avLst/>
+          </a:prstGeom>
+          <a:solidFill>
+            <a:schemeClr val="accent3"/>
+          </a:solidFill>
+          <a:ln w="25400">
+            <a:solidFill>
+              <a:schemeClr val="tx1"/>
+            </a:solidFill>
+          </a:ln>
+        </p:spPr>
+        <p:style>
+          <a:lnRef idx="2">
+            <a:schemeClr val="accent1">
+              <a:shade val="50000"/>
+            </a:schemeClr>
+          </a:lnRef>
+          <a:fillRef idx="1">
+            <a:schemeClr val="accent1"/>
+          </a:fillRef>
+          <a:effectRef idx="0">
+            <a:schemeClr val="accent1"/>
+          </a:effectRef>
+          <a:fontRef idx="minor">
+            <a:schemeClr val="lt1"/>
+          </a:fontRef>
+        </p:style>
+        <p:txBody>
+          <a:bodyPr rot="0" spcFirstLastPara="0" vertOverflow="overflow" horzOverflow="overflow" vert="horz" wrap="square" lIns="56757" tIns="28378" rIns="56757" bIns="28378" numCol="1" spcCol="0" rtlCol="0" fromWordArt="0" anchor="ctr" anchorCtr="0" forceAA="0" compatLnSpc="1">
+            <a:prstTxWarp prst="textNoShape">
+              <a:avLst/>
+            </a:prstTxWarp>
+            <a:noAutofit/>
+          </a:bodyPr>
+          <a:lstStyle/>
+          <a:p>
+            <a:pPr algn="ctr"/>
+            <a:endParaRPr lang="en-US" sz="1200">
+              <a:latin typeface="+mj-lt"/>
+              <a:cs typeface="Times New Roman" panose="02020603050405020304" pitchFamily="18" charset="0"/>
+            </a:endParaRPr>
+          </a:p>
+        </p:txBody>
+      </p:sp>
+      <p:sp>
+        <p:nvSpPr>
+          <p:cNvPr id="242" name="TextBox 241">
+            <a:extLst>
+              <a:ext uri="{FF2B5EF4-FFF2-40B4-BE49-F238E27FC236}">
+                <a16:creationId xmlns:a16="http://schemas.microsoft.com/office/drawing/2014/main" id="{A8E8CB32-452A-6B48-8FC2-312123CAF0B4}"/>
+              </a:ext>
+            </a:extLst>
+          </p:cNvPr>
+          <p:cNvSpPr txBox="1"/>
+          <p:nvPr/>
+        </p:nvSpPr>
+        <p:spPr>
+          <a:xfrm>
+            <a:off x="8733976" y="3368417"/>
+            <a:ext cx="373718" cy="276999"/>
+          </a:xfrm>
+          <a:prstGeom prst="rect">
+            <a:avLst/>
+          </a:prstGeom>
+          <a:noFill/>
+        </p:spPr>
+        <p:txBody>
+          <a:bodyPr wrap="square" rtlCol="0">
+            <a:spAutoFit/>
+          </a:bodyPr>
+          <a:lstStyle/>
+          <a:p>
+            <a:r>
+              <a:rPr lang="en-US" sz="1200" dirty="0">
+                <a:latin typeface="+mj-lt"/>
+                <a:cs typeface="Times New Roman" panose="02020603050405020304" pitchFamily="18" charset="0"/>
+              </a:rPr>
+              <a:t>e4</a:t>
+            </a:r>
+          </a:p>
+        </p:txBody>
+      </p:sp>
+      <p:sp>
+        <p:nvSpPr>
+          <p:cNvPr id="243" name="Oval 242">
+            <a:extLst>
+              <a:ext uri="{FF2B5EF4-FFF2-40B4-BE49-F238E27FC236}">
+                <a16:creationId xmlns:a16="http://schemas.microsoft.com/office/drawing/2014/main" id="{45A05B27-5A2B-D844-AA89-70AA72F351E6}"/>
+              </a:ext>
+            </a:extLst>
+          </p:cNvPr>
+          <p:cNvSpPr/>
+          <p:nvPr/>
+        </p:nvSpPr>
+        <p:spPr>
+          <a:xfrm>
+            <a:off x="8718003" y="4213097"/>
+            <a:ext cx="394531" cy="394531"/>
+          </a:xfrm>
+          <a:prstGeom prst="ellipse">
+            <a:avLst/>
+          </a:prstGeom>
+          <a:solidFill>
+            <a:schemeClr val="accent3"/>
+          </a:solidFill>
+          <a:ln w="25400">
+            <a:solidFill>
+              <a:schemeClr val="tx1"/>
+            </a:solidFill>
+          </a:ln>
+        </p:spPr>
+        <p:style>
+          <a:lnRef idx="2">
+            <a:schemeClr val="accent1">
+              <a:shade val="50000"/>
+            </a:schemeClr>
+          </a:lnRef>
+          <a:fillRef idx="1">
+            <a:schemeClr val="accent1"/>
+          </a:fillRef>
+          <a:effectRef idx="0">
+            <a:schemeClr val="accent1"/>
+          </a:effectRef>
+          <a:fontRef idx="minor">
+            <a:schemeClr val="lt1"/>
+          </a:fontRef>
+        </p:style>
+        <p:txBody>
+          <a:bodyPr rot="0" spcFirstLastPara="0" vertOverflow="overflow" horzOverflow="overflow" vert="horz" wrap="square" lIns="56757" tIns="28378" rIns="56757" bIns="28378" numCol="1" spcCol="0" rtlCol="0" fromWordArt="0" anchor="ctr" anchorCtr="0" forceAA="0" compatLnSpc="1">
+            <a:prstTxWarp prst="textNoShape">
+              <a:avLst/>
+            </a:prstTxWarp>
+            <a:noAutofit/>
+          </a:bodyPr>
+          <a:lstStyle/>
+          <a:p>
+            <a:pPr algn="ctr"/>
+            <a:endParaRPr lang="en-US" sz="1200">
+              <a:latin typeface="+mj-lt"/>
+              <a:cs typeface="Times New Roman" panose="02020603050405020304" pitchFamily="18" charset="0"/>
+            </a:endParaRPr>
+          </a:p>
+        </p:txBody>
+      </p:sp>
+      <p:sp>
+        <p:nvSpPr>
+          <p:cNvPr id="244" name="TextBox 243">
+            <a:extLst>
+              <a:ext uri="{FF2B5EF4-FFF2-40B4-BE49-F238E27FC236}">
+                <a16:creationId xmlns:a16="http://schemas.microsoft.com/office/drawing/2014/main" id="{23F3CE86-E2A1-B249-89D1-CE274D7B8CFB}"/>
+              </a:ext>
+            </a:extLst>
+          </p:cNvPr>
+          <p:cNvSpPr txBox="1"/>
+          <p:nvPr/>
+        </p:nvSpPr>
+        <p:spPr>
+          <a:xfrm>
+            <a:off x="8722886" y="4271862"/>
+            <a:ext cx="340158" cy="276999"/>
+          </a:xfrm>
+          <a:prstGeom prst="rect">
+            <a:avLst/>
+          </a:prstGeom>
+          <a:noFill/>
+        </p:spPr>
+        <p:txBody>
+          <a:bodyPr wrap="none" rtlCol="0">
+            <a:spAutoFit/>
+          </a:bodyPr>
+          <a:lstStyle/>
+          <a:p>
+            <a:r>
+              <a:rPr lang="en-US" sz="1200" dirty="0">
+                <a:latin typeface="+mj-lt"/>
+                <a:cs typeface="Times New Roman" panose="02020603050405020304" pitchFamily="18" charset="0"/>
+              </a:rPr>
+              <a:t>e5</a:t>
+            </a:r>
+          </a:p>
+        </p:txBody>
+      </p:sp>
+      <p:grpSp>
+        <p:nvGrpSpPr>
+          <p:cNvPr id="245" name="Group 244">
+            <a:extLst>
+              <a:ext uri="{FF2B5EF4-FFF2-40B4-BE49-F238E27FC236}">
+                <a16:creationId xmlns:a16="http://schemas.microsoft.com/office/drawing/2014/main" id="{90445B3D-0CAB-2847-AF94-5E6D5CE80B4A}"/>
+              </a:ext>
+            </a:extLst>
+          </p:cNvPr>
+          <p:cNvGrpSpPr/>
+          <p:nvPr/>
+        </p:nvGrpSpPr>
+        <p:grpSpPr>
+          <a:xfrm>
+            <a:off x="9606392" y="3305928"/>
+            <a:ext cx="363601" cy="394531"/>
+            <a:chOff x="2658477" y="4455131"/>
+            <a:chExt cx="363601" cy="394531"/>
+          </a:xfrm>
+        </p:grpSpPr>
+        <p:sp>
+          <p:nvSpPr>
+            <p:cNvPr id="246" name="Rectangle 245">
+              <a:extLst>
+                <a:ext uri="{FF2B5EF4-FFF2-40B4-BE49-F238E27FC236}">
+                  <a16:creationId xmlns:a16="http://schemas.microsoft.com/office/drawing/2014/main" id="{F40CAD65-E621-354A-BF03-78874198A298}"/>
+                </a:ext>
+              </a:extLst>
+            </p:cNvPr>
+            <p:cNvSpPr/>
+            <p:nvPr/>
+          </p:nvSpPr>
+          <p:spPr>
+            <a:xfrm>
+              <a:off x="2658477" y="4455131"/>
+              <a:ext cx="363601" cy="394531"/>
+            </a:xfrm>
+            <a:prstGeom prst="rect">
+              <a:avLst/>
+            </a:prstGeom>
+            <a:noFill/>
+            <a:ln w="25400">
+              <a:solidFill>
+                <a:schemeClr val="tx1"/>
+              </a:solidFill>
+            </a:ln>
+          </p:spPr>
+          <p:style>
+            <a:lnRef idx="2">
+              <a:schemeClr val="accent1">
+                <a:shade val="50000"/>
+              </a:schemeClr>
+            </a:lnRef>
+            <a:fillRef idx="1">
+              <a:schemeClr val="accent1"/>
+            </a:fillRef>
+            <a:effectRef idx="0">
+              <a:schemeClr val="accent1"/>
+            </a:effectRef>
+            <a:fontRef idx="minor">
+              <a:schemeClr val="lt1"/>
+            </a:fontRef>
+          </p:style>
+          <p:txBody>
+            <a:bodyPr rot="0" spcFirstLastPara="0" vertOverflow="overflow" horzOverflow="overflow" vert="horz" wrap="square" lIns="56757" tIns="28378" rIns="56757" bIns="28378" numCol="1" spcCol="0" rtlCol="0" fromWordArt="0" anchor="ctr" anchorCtr="0" forceAA="0" compatLnSpc="1">
+              <a:prstTxWarp prst="textNoShape">
+                <a:avLst/>
+              </a:prstTxWarp>
+              <a:noAutofit/>
+            </a:bodyPr>
+            <a:lstStyle/>
+            <a:p>
+              <a:pPr algn="ctr"/>
+              <a:endParaRPr lang="en-US" sz="1200">
+                <a:latin typeface="+mj-lt"/>
+                <a:cs typeface="Times New Roman" panose="02020603050405020304" pitchFamily="18" charset="0"/>
+              </a:endParaRPr>
+            </a:p>
+          </p:txBody>
+        </p:sp>
+        <p:sp>
+          <p:nvSpPr>
+            <p:cNvPr id="247" name="TextBox 246">
+              <a:extLst>
+                <a:ext uri="{FF2B5EF4-FFF2-40B4-BE49-F238E27FC236}">
+                  <a16:creationId xmlns:a16="http://schemas.microsoft.com/office/drawing/2014/main" id="{EF370F90-56D9-9542-8E98-FE8C6021BC45}"/>
+                </a:ext>
+              </a:extLst>
+            </p:cNvPr>
+            <p:cNvSpPr txBox="1"/>
+            <p:nvPr/>
+          </p:nvSpPr>
+          <p:spPr>
+            <a:xfrm>
+              <a:off x="2675413" y="4498507"/>
+              <a:ext cx="336952" cy="276999"/>
             </a:xfrm>
             <a:prstGeom prst="rect">
               <a:avLst/>
@@ -8968,255 +9128,98 @@
                   <a:latin typeface="+mj-lt"/>
                   <a:cs typeface="Times New Roman" panose="02020603050405020304" pitchFamily="18" charset="0"/>
                 </a:rPr>
-                <a:t>e5</a:t>
+                <a:t>a2</a:t>
               </a:r>
             </a:p>
           </p:txBody>
         </p:sp>
-        <p:grpSp>
-          <p:nvGrpSpPr>
-            <p:cNvPr id="245" name="Group 244">
+      </p:grpSp>
+      <p:grpSp>
+        <p:nvGrpSpPr>
+          <p:cNvPr id="248" name="Group 247">
+            <a:extLst>
+              <a:ext uri="{FF2B5EF4-FFF2-40B4-BE49-F238E27FC236}">
+                <a16:creationId xmlns:a16="http://schemas.microsoft.com/office/drawing/2014/main" id="{38D50855-7AAE-4742-B411-0C521C53E6C0}"/>
+              </a:ext>
+            </a:extLst>
+          </p:cNvPr>
+          <p:cNvGrpSpPr/>
+          <p:nvPr/>
+        </p:nvGrpSpPr>
+        <p:grpSpPr>
+          <a:xfrm>
+            <a:off x="9616809" y="4211064"/>
+            <a:ext cx="363601" cy="394531"/>
+            <a:chOff x="2658477" y="4455131"/>
+            <a:chExt cx="363601" cy="394531"/>
+          </a:xfrm>
+        </p:grpSpPr>
+        <p:sp>
+          <p:nvSpPr>
+            <p:cNvPr id="249" name="Rectangle 248">
               <a:extLst>
                 <a:ext uri="{FF2B5EF4-FFF2-40B4-BE49-F238E27FC236}">
-                  <a16:creationId xmlns:a16="http://schemas.microsoft.com/office/drawing/2014/main" id="{90445B3D-0CAB-2847-AF94-5E6D5CE80B4A}"/>
+                  <a16:creationId xmlns:a16="http://schemas.microsoft.com/office/drawing/2014/main" id="{458EA79A-E23E-3C41-8509-F966BC72C46C}"/>
                 </a:ext>
               </a:extLst>
             </p:cNvPr>
-            <p:cNvGrpSpPr/>
+            <p:cNvSpPr/>
             <p:nvPr/>
-          </p:nvGrpSpPr>
-          <p:grpSpPr>
+          </p:nvSpPr>
+          <p:spPr>
             <a:xfrm>
-              <a:off x="9606392" y="3305928"/>
+              <a:off x="2658477" y="4455131"/>
               <a:ext cx="363601" cy="394531"/>
-              <a:chOff x="2658477" y="4455131"/>
-              <a:chExt cx="363601" cy="394531"/>
             </a:xfrm>
-          </p:grpSpPr>
-          <p:sp>
-            <p:nvSpPr>
-              <p:cNvPr id="246" name="Rectangle 245">
-                <a:extLst>
-                  <a:ext uri="{FF2B5EF4-FFF2-40B4-BE49-F238E27FC236}">
-                    <a16:creationId xmlns:a16="http://schemas.microsoft.com/office/drawing/2014/main" id="{F40CAD65-E621-354A-BF03-78874198A298}"/>
-                  </a:ext>
-                </a:extLst>
-              </p:cNvPr>
-              <p:cNvSpPr/>
-              <p:nvPr/>
-            </p:nvSpPr>
-            <p:spPr>
-              <a:xfrm>
-                <a:off x="2658477" y="4455131"/>
-                <a:ext cx="363601" cy="394531"/>
-              </a:xfrm>
-              <a:prstGeom prst="rect">
+            <a:prstGeom prst="rect">
+              <a:avLst/>
+            </a:prstGeom>
+            <a:noFill/>
+            <a:ln w="25400">
+              <a:solidFill>
+                <a:schemeClr val="tx1"/>
+              </a:solidFill>
+            </a:ln>
+          </p:spPr>
+          <p:style>
+            <a:lnRef idx="2">
+              <a:schemeClr val="accent1">
+                <a:shade val="50000"/>
+              </a:schemeClr>
+            </a:lnRef>
+            <a:fillRef idx="1">
+              <a:schemeClr val="accent1"/>
+            </a:fillRef>
+            <a:effectRef idx="0">
+              <a:schemeClr val="accent1"/>
+            </a:effectRef>
+            <a:fontRef idx="minor">
+              <a:schemeClr val="lt1"/>
+            </a:fontRef>
+          </p:style>
+          <p:txBody>
+            <a:bodyPr rot="0" spcFirstLastPara="0" vertOverflow="overflow" horzOverflow="overflow" vert="horz" wrap="square" lIns="56757" tIns="28378" rIns="56757" bIns="28378" numCol="1" spcCol="0" rtlCol="0" fromWordArt="0" anchor="ctr" anchorCtr="0" forceAA="0" compatLnSpc="1">
+              <a:prstTxWarp prst="textNoShape">
                 <a:avLst/>
-              </a:prstGeom>
-              <a:noFill/>
-              <a:ln w="25400">
-                <a:solidFill>
-                  <a:schemeClr val="tx1"/>
-                </a:solidFill>
-              </a:ln>
-            </p:spPr>
-            <p:style>
-              <a:lnRef idx="2">
-                <a:schemeClr val="accent1">
-                  <a:shade val="50000"/>
-                </a:schemeClr>
-              </a:lnRef>
-              <a:fillRef idx="1">
-                <a:schemeClr val="accent1"/>
-              </a:fillRef>
-              <a:effectRef idx="0">
-                <a:schemeClr val="accent1"/>
-              </a:effectRef>
-              <a:fontRef idx="minor">
-                <a:schemeClr val="lt1"/>
-              </a:fontRef>
-            </p:style>
-            <p:txBody>
-              <a:bodyPr rot="0" spcFirstLastPara="0" vertOverflow="overflow" horzOverflow="overflow" vert="horz" wrap="square" lIns="56757" tIns="28378" rIns="56757" bIns="28378" numCol="1" spcCol="0" rtlCol="0" fromWordArt="0" anchor="ctr" anchorCtr="0" forceAA="0" compatLnSpc="1">
-                <a:prstTxWarp prst="textNoShape">
-                  <a:avLst/>
-                </a:prstTxWarp>
-                <a:noAutofit/>
-              </a:bodyPr>
-              <a:lstStyle/>
-              <a:p>
-                <a:pPr algn="ctr"/>
-                <a:endParaRPr lang="en-US" sz="1200">
-                  <a:latin typeface="+mj-lt"/>
-                  <a:cs typeface="Times New Roman" panose="02020603050405020304" pitchFamily="18" charset="0"/>
-                </a:endParaRPr>
-              </a:p>
-            </p:txBody>
-          </p:sp>
-          <p:sp>
-            <p:nvSpPr>
-              <p:cNvPr id="247" name="TextBox 246">
-                <a:extLst>
-                  <a:ext uri="{FF2B5EF4-FFF2-40B4-BE49-F238E27FC236}">
-                    <a16:creationId xmlns:a16="http://schemas.microsoft.com/office/drawing/2014/main" id="{EF370F90-56D9-9542-8E98-FE8C6021BC45}"/>
-                  </a:ext>
-                </a:extLst>
-              </p:cNvPr>
-              <p:cNvSpPr txBox="1"/>
-              <p:nvPr/>
-            </p:nvSpPr>
-            <p:spPr>
-              <a:xfrm>
-                <a:off x="2675413" y="4498507"/>
-                <a:ext cx="336952" cy="276999"/>
-              </a:xfrm>
-              <a:prstGeom prst="rect">
-                <a:avLst/>
-              </a:prstGeom>
-              <a:noFill/>
-            </p:spPr>
-            <p:txBody>
-              <a:bodyPr wrap="none" rtlCol="0">
-                <a:spAutoFit/>
-              </a:bodyPr>
-              <a:lstStyle/>
-              <a:p>
-                <a:r>
-                  <a:rPr lang="en-US" sz="1200" dirty="0">
-                    <a:latin typeface="+mj-lt"/>
-                    <a:cs typeface="Times New Roman" panose="02020603050405020304" pitchFamily="18" charset="0"/>
-                  </a:rPr>
-                  <a:t>a2</a:t>
-                </a:r>
-              </a:p>
-            </p:txBody>
-          </p:sp>
-        </p:grpSp>
-        <p:grpSp>
-          <p:nvGrpSpPr>
-            <p:cNvPr id="248" name="Group 247">
+              </a:prstTxWarp>
+              <a:noAutofit/>
+            </a:bodyPr>
+            <a:lstStyle/>
+            <a:p>
+              <a:pPr algn="ctr"/>
+              <a:endParaRPr lang="en-US" sz="1200">
+                <a:latin typeface="+mj-lt"/>
+                <a:cs typeface="Times New Roman" panose="02020603050405020304" pitchFamily="18" charset="0"/>
+              </a:endParaRPr>
+            </a:p>
+          </p:txBody>
+        </p:sp>
+        <p:sp>
+          <p:nvSpPr>
+            <p:cNvPr id="250" name="TextBox 249">
               <a:extLst>
                 <a:ext uri="{FF2B5EF4-FFF2-40B4-BE49-F238E27FC236}">
-                  <a16:creationId xmlns:a16="http://schemas.microsoft.com/office/drawing/2014/main" id="{38D50855-7AAE-4742-B411-0C521C53E6C0}"/>
-                </a:ext>
-              </a:extLst>
-            </p:cNvPr>
-            <p:cNvGrpSpPr/>
-            <p:nvPr/>
-          </p:nvGrpSpPr>
-          <p:grpSpPr>
-            <a:xfrm>
-              <a:off x="9616809" y="4211064"/>
-              <a:ext cx="363601" cy="394531"/>
-              <a:chOff x="2658477" y="4455131"/>
-              <a:chExt cx="363601" cy="394531"/>
-            </a:xfrm>
-          </p:grpSpPr>
-          <p:sp>
-            <p:nvSpPr>
-              <p:cNvPr id="249" name="Rectangle 248">
-                <a:extLst>
-                  <a:ext uri="{FF2B5EF4-FFF2-40B4-BE49-F238E27FC236}">
-                    <a16:creationId xmlns:a16="http://schemas.microsoft.com/office/drawing/2014/main" id="{458EA79A-E23E-3C41-8509-F966BC72C46C}"/>
-                  </a:ext>
-                </a:extLst>
-              </p:cNvPr>
-              <p:cNvSpPr/>
-              <p:nvPr/>
-            </p:nvSpPr>
-            <p:spPr>
-              <a:xfrm>
-                <a:off x="2658477" y="4455131"/>
-                <a:ext cx="363601" cy="394531"/>
-              </a:xfrm>
-              <a:prstGeom prst="rect">
-                <a:avLst/>
-              </a:prstGeom>
-              <a:noFill/>
-              <a:ln w="25400">
-                <a:solidFill>
-                  <a:schemeClr val="tx1"/>
-                </a:solidFill>
-              </a:ln>
-            </p:spPr>
-            <p:style>
-              <a:lnRef idx="2">
-                <a:schemeClr val="accent1">
-                  <a:shade val="50000"/>
-                </a:schemeClr>
-              </a:lnRef>
-              <a:fillRef idx="1">
-                <a:schemeClr val="accent1"/>
-              </a:fillRef>
-              <a:effectRef idx="0">
-                <a:schemeClr val="accent1"/>
-              </a:effectRef>
-              <a:fontRef idx="minor">
-                <a:schemeClr val="lt1"/>
-              </a:fontRef>
-            </p:style>
-            <p:txBody>
-              <a:bodyPr rot="0" spcFirstLastPara="0" vertOverflow="overflow" horzOverflow="overflow" vert="horz" wrap="square" lIns="56757" tIns="28378" rIns="56757" bIns="28378" numCol="1" spcCol="0" rtlCol="0" fromWordArt="0" anchor="ctr" anchorCtr="0" forceAA="0" compatLnSpc="1">
-                <a:prstTxWarp prst="textNoShape">
-                  <a:avLst/>
-                </a:prstTxWarp>
-                <a:noAutofit/>
-              </a:bodyPr>
-              <a:lstStyle/>
-              <a:p>
-                <a:pPr algn="ctr"/>
-                <a:endParaRPr lang="en-US" sz="1200">
-                  <a:latin typeface="+mj-lt"/>
-                  <a:cs typeface="Times New Roman" panose="02020603050405020304" pitchFamily="18" charset="0"/>
-                </a:endParaRPr>
-              </a:p>
-            </p:txBody>
-          </p:sp>
-          <p:sp>
-            <p:nvSpPr>
-              <p:cNvPr id="250" name="TextBox 249">
-                <a:extLst>
-                  <a:ext uri="{FF2B5EF4-FFF2-40B4-BE49-F238E27FC236}">
-                    <a16:creationId xmlns:a16="http://schemas.microsoft.com/office/drawing/2014/main" id="{FCFD6C06-27DC-0442-A8F2-2382563ECC3B}"/>
-                  </a:ext>
-                </a:extLst>
-              </p:cNvPr>
-              <p:cNvSpPr txBox="1"/>
-              <p:nvPr/>
-            </p:nvSpPr>
-            <p:spPr>
-              <a:xfrm>
-                <a:off x="2674709" y="4491294"/>
-                <a:ext cx="336952" cy="276999"/>
-              </a:xfrm>
-              <a:prstGeom prst="rect">
-                <a:avLst/>
-              </a:prstGeom>
-              <a:noFill/>
-            </p:spPr>
-            <p:txBody>
-              <a:bodyPr wrap="none" rtlCol="0">
-                <a:spAutoFit/>
-              </a:bodyPr>
-              <a:lstStyle/>
-              <a:p>
-                <a:r>
-                  <a:rPr lang="en-US" sz="1200" dirty="0">
-                    <a:latin typeface="+mj-lt"/>
-                    <a:cs typeface="Times New Roman" panose="02020603050405020304" pitchFamily="18" charset="0"/>
-                  </a:rPr>
-                  <a:t>a4</a:t>
-                </a:r>
-              </a:p>
-            </p:txBody>
-          </p:sp>
-        </p:grpSp>
-        <p:sp>
-          <p:nvSpPr>
-            <p:cNvPr id="251" name="TextBox 250">
-              <a:extLst>
-                <a:ext uri="{FF2B5EF4-FFF2-40B4-BE49-F238E27FC236}">
-                  <a16:creationId xmlns:a16="http://schemas.microsoft.com/office/drawing/2014/main" id="{C31737E6-8682-514E-A4E7-1761984205E2}"/>
+                  <a16:creationId xmlns:a16="http://schemas.microsoft.com/office/drawing/2014/main" id="{FCFD6C06-27DC-0442-A8F2-2382563ECC3B}"/>
                 </a:ext>
               </a:extLst>
             </p:cNvPr>
@@ -9225,8 +9228,8 @@
           </p:nvSpPr>
           <p:spPr>
             <a:xfrm>
-              <a:off x="6833320" y="4261778"/>
-              <a:ext cx="340158" cy="276999"/>
+              <a:off x="2674709" y="4491294"/>
+              <a:ext cx="336952" cy="276999"/>
             </a:xfrm>
             <a:prstGeom prst="rect">
               <a:avLst/>
@@ -9244,17 +9247,632 @@
                   <a:latin typeface="+mj-lt"/>
                   <a:cs typeface="Times New Roman" panose="02020603050405020304" pitchFamily="18" charset="0"/>
                 </a:rPr>
-                <a:t>e3</a:t>
+                <a:t>a4</a:t>
               </a:r>
+            </a:p>
+          </p:txBody>
+        </p:sp>
+      </p:grpSp>
+      <p:sp>
+        <p:nvSpPr>
+          <p:cNvPr id="251" name="TextBox 250">
+            <a:extLst>
+              <a:ext uri="{FF2B5EF4-FFF2-40B4-BE49-F238E27FC236}">
+                <a16:creationId xmlns:a16="http://schemas.microsoft.com/office/drawing/2014/main" id="{C31737E6-8682-514E-A4E7-1761984205E2}"/>
+              </a:ext>
+            </a:extLst>
+          </p:cNvPr>
+          <p:cNvSpPr txBox="1"/>
+          <p:nvPr/>
+        </p:nvSpPr>
+        <p:spPr>
+          <a:xfrm>
+            <a:off x="6833320" y="4261778"/>
+            <a:ext cx="340158" cy="276999"/>
+          </a:xfrm>
+          <a:prstGeom prst="rect">
+            <a:avLst/>
+          </a:prstGeom>
+          <a:noFill/>
+        </p:spPr>
+        <p:txBody>
+          <a:bodyPr wrap="none" rtlCol="0">
+            <a:spAutoFit/>
+          </a:bodyPr>
+          <a:lstStyle/>
+          <a:p>
+            <a:r>
+              <a:rPr lang="en-US" sz="1200" dirty="0">
+                <a:latin typeface="+mj-lt"/>
+                <a:cs typeface="Times New Roman" panose="02020603050405020304" pitchFamily="18" charset="0"/>
+              </a:rPr>
+              <a:t>e3</a:t>
+            </a:r>
+          </a:p>
+        </p:txBody>
+      </p:sp>
+      <p:sp>
+        <p:nvSpPr>
+          <p:cNvPr id="252" name="TextBox 251">
+            <a:extLst>
+              <a:ext uri="{FF2B5EF4-FFF2-40B4-BE49-F238E27FC236}">
+                <a16:creationId xmlns:a16="http://schemas.microsoft.com/office/drawing/2014/main" id="{8E587A47-4951-BE4C-8163-97983EB3DA14}"/>
+              </a:ext>
+            </a:extLst>
+          </p:cNvPr>
+          <p:cNvSpPr txBox="1"/>
+          <p:nvPr/>
+        </p:nvSpPr>
+        <p:spPr>
+          <a:xfrm>
+            <a:off x="6833320" y="3719681"/>
+            <a:ext cx="340158" cy="276999"/>
+          </a:xfrm>
+          <a:prstGeom prst="rect">
+            <a:avLst/>
+          </a:prstGeom>
+          <a:noFill/>
+        </p:spPr>
+        <p:txBody>
+          <a:bodyPr wrap="none" rtlCol="0">
+            <a:spAutoFit/>
+          </a:bodyPr>
+          <a:lstStyle/>
+          <a:p>
+            <a:r>
+              <a:rPr lang="en-US" sz="1200" dirty="0">
+                <a:latin typeface="+mj-lt"/>
+                <a:cs typeface="Times New Roman" panose="02020603050405020304" pitchFamily="18" charset="0"/>
+              </a:rPr>
+              <a:t>e2</a:t>
+            </a:r>
+          </a:p>
+        </p:txBody>
+      </p:sp>
+      <p:sp>
+        <p:nvSpPr>
+          <p:cNvPr id="253" name="TextBox 252">
+            <a:extLst>
+              <a:ext uri="{FF2B5EF4-FFF2-40B4-BE49-F238E27FC236}">
+                <a16:creationId xmlns:a16="http://schemas.microsoft.com/office/drawing/2014/main" id="{673EE5C6-FBF5-7648-859A-F5A04D5AF846}"/>
+              </a:ext>
+            </a:extLst>
+          </p:cNvPr>
+          <p:cNvSpPr txBox="1"/>
+          <p:nvPr/>
+        </p:nvSpPr>
+        <p:spPr>
+          <a:xfrm>
+            <a:off x="6858342" y="3182775"/>
+            <a:ext cx="340158" cy="276999"/>
+          </a:xfrm>
+          <a:prstGeom prst="rect">
+            <a:avLst/>
+          </a:prstGeom>
+          <a:noFill/>
+        </p:spPr>
+        <p:txBody>
+          <a:bodyPr wrap="none" rtlCol="0">
+            <a:spAutoFit/>
+          </a:bodyPr>
+          <a:lstStyle/>
+          <a:p>
+            <a:r>
+              <a:rPr lang="en-US" sz="1200" dirty="0">
+                <a:latin typeface="+mj-lt"/>
+                <a:cs typeface="Times New Roman" panose="02020603050405020304" pitchFamily="18" charset="0"/>
+              </a:rPr>
+              <a:t>e1</a:t>
+            </a:r>
+          </a:p>
+        </p:txBody>
+      </p:sp>
+      <p:cxnSp>
+        <p:nvCxnSpPr>
+          <p:cNvPr id="254" name="Straight Arrow Connector 253">
+            <a:extLst>
+              <a:ext uri="{FF2B5EF4-FFF2-40B4-BE49-F238E27FC236}">
+                <a16:creationId xmlns:a16="http://schemas.microsoft.com/office/drawing/2014/main" id="{1E40695F-9C42-0940-8C14-9C5311248549}"/>
+              </a:ext>
+            </a:extLst>
+          </p:cNvPr>
+          <p:cNvCxnSpPr>
+            <a:cxnSpLocks/>
+            <a:endCxn id="233" idx="3"/>
+          </p:cNvCxnSpPr>
+          <p:nvPr/>
+        </p:nvCxnSpPr>
+        <p:spPr>
+          <a:xfrm flipH="1">
+            <a:off x="8196004" y="3537140"/>
+            <a:ext cx="521996" cy="1"/>
+          </a:xfrm>
+          <a:prstGeom prst="straightConnector1">
+            <a:avLst/>
+          </a:prstGeom>
+          <a:ln w="25400">
+            <a:solidFill>
+              <a:schemeClr val="tx1"/>
+            </a:solidFill>
+            <a:tailEnd type="triangle"/>
+          </a:ln>
+        </p:spPr>
+        <p:style>
+          <a:lnRef idx="1">
+            <a:schemeClr val="accent1"/>
+          </a:lnRef>
+          <a:fillRef idx="0">
+            <a:schemeClr val="accent1"/>
+          </a:fillRef>
+          <a:effectRef idx="0">
+            <a:schemeClr val="accent1"/>
+          </a:effectRef>
+          <a:fontRef idx="minor">
+            <a:schemeClr val="tx1"/>
+          </a:fontRef>
+        </p:style>
+      </p:cxnSp>
+      <p:cxnSp>
+        <p:nvCxnSpPr>
+          <p:cNvPr id="255" name="Straight Arrow Connector 254">
+            <a:extLst>
+              <a:ext uri="{FF2B5EF4-FFF2-40B4-BE49-F238E27FC236}">
+                <a16:creationId xmlns:a16="http://schemas.microsoft.com/office/drawing/2014/main" id="{AB680D31-19F7-CA48-BB39-BB4E57B3EEBC}"/>
+              </a:ext>
+            </a:extLst>
+          </p:cNvPr>
+          <p:cNvCxnSpPr>
+            <a:stCxn id="243" idx="2"/>
+            <a:endCxn id="236" idx="3"/>
+          </p:cNvCxnSpPr>
+          <p:nvPr/>
+        </p:nvCxnSpPr>
+        <p:spPr>
+          <a:xfrm flipH="1" flipV="1">
+            <a:off x="8201137" y="4393376"/>
+            <a:ext cx="516866" cy="16987"/>
+          </a:xfrm>
+          <a:prstGeom prst="straightConnector1">
+            <a:avLst/>
+          </a:prstGeom>
+          <a:ln w="25400">
+            <a:solidFill>
+              <a:schemeClr val="tx1"/>
+            </a:solidFill>
+            <a:tailEnd type="triangle"/>
+          </a:ln>
+        </p:spPr>
+        <p:style>
+          <a:lnRef idx="1">
+            <a:schemeClr val="accent1"/>
+          </a:lnRef>
+          <a:fillRef idx="0">
+            <a:schemeClr val="accent1"/>
+          </a:fillRef>
+          <a:effectRef idx="0">
+            <a:schemeClr val="accent1"/>
+          </a:effectRef>
+          <a:fontRef idx="minor">
+            <a:schemeClr val="tx1"/>
+          </a:fontRef>
+        </p:style>
+      </p:cxnSp>
+      <p:cxnSp>
+        <p:nvCxnSpPr>
+          <p:cNvPr id="256" name="Straight Arrow Connector 255">
+            <a:extLst>
+              <a:ext uri="{FF2B5EF4-FFF2-40B4-BE49-F238E27FC236}">
+                <a16:creationId xmlns:a16="http://schemas.microsoft.com/office/drawing/2014/main" id="{1357233D-2FB1-8E48-8FEC-BD16990D36CF}"/>
+              </a:ext>
+            </a:extLst>
+          </p:cNvPr>
+          <p:cNvCxnSpPr>
+            <a:cxnSpLocks/>
+            <a:stCxn id="246" idx="1"/>
+            <a:endCxn id="242" idx="3"/>
+          </p:cNvCxnSpPr>
+          <p:nvPr/>
+        </p:nvCxnSpPr>
+        <p:spPr>
+          <a:xfrm flipH="1">
+            <a:off x="9107694" y="3503194"/>
+            <a:ext cx="498698" cy="3723"/>
+          </a:xfrm>
+          <a:prstGeom prst="straightConnector1">
+            <a:avLst/>
+          </a:prstGeom>
+          <a:ln w="25400">
+            <a:solidFill>
+              <a:schemeClr val="tx1"/>
+            </a:solidFill>
+            <a:tailEnd type="triangle"/>
+          </a:ln>
+        </p:spPr>
+        <p:style>
+          <a:lnRef idx="1">
+            <a:schemeClr val="accent1"/>
+          </a:lnRef>
+          <a:fillRef idx="0">
+            <a:schemeClr val="accent1"/>
+          </a:fillRef>
+          <a:effectRef idx="0">
+            <a:schemeClr val="accent1"/>
+          </a:effectRef>
+          <a:fontRef idx="minor">
+            <a:schemeClr val="tx1"/>
+          </a:fontRef>
+        </p:style>
+      </p:cxnSp>
+      <p:cxnSp>
+        <p:nvCxnSpPr>
+          <p:cNvPr id="257" name="Straight Arrow Connector 256">
+            <a:extLst>
+              <a:ext uri="{FF2B5EF4-FFF2-40B4-BE49-F238E27FC236}">
+                <a16:creationId xmlns:a16="http://schemas.microsoft.com/office/drawing/2014/main" id="{39480C85-283E-A44C-8855-050B5021149F}"/>
+              </a:ext>
+            </a:extLst>
+          </p:cNvPr>
+          <p:cNvCxnSpPr>
+            <a:stCxn id="249" idx="1"/>
+            <a:endCxn id="243" idx="6"/>
+          </p:cNvCxnSpPr>
+          <p:nvPr/>
+        </p:nvCxnSpPr>
+        <p:spPr>
+          <a:xfrm flipH="1">
+            <a:off x="9112534" y="4408330"/>
+            <a:ext cx="504275" cy="2033"/>
+          </a:xfrm>
+          <a:prstGeom prst="straightConnector1">
+            <a:avLst/>
+          </a:prstGeom>
+          <a:ln w="25400">
+            <a:solidFill>
+              <a:schemeClr val="tx1"/>
+            </a:solidFill>
+            <a:tailEnd type="triangle"/>
+          </a:ln>
+        </p:spPr>
+        <p:style>
+          <a:lnRef idx="1">
+            <a:schemeClr val="accent1"/>
+          </a:lnRef>
+          <a:fillRef idx="0">
+            <a:schemeClr val="accent1"/>
+          </a:fillRef>
+          <a:effectRef idx="0">
+            <a:schemeClr val="accent1"/>
+          </a:effectRef>
+          <a:fontRef idx="minor">
+            <a:schemeClr val="tx1"/>
+          </a:fontRef>
+        </p:style>
+      </p:cxnSp>
+      <p:sp>
+        <p:nvSpPr>
+          <p:cNvPr id="258" name="TextBox 257">
+            <a:extLst>
+              <a:ext uri="{FF2B5EF4-FFF2-40B4-BE49-F238E27FC236}">
+                <a16:creationId xmlns:a16="http://schemas.microsoft.com/office/drawing/2014/main" id="{96B28AD3-3B37-3D4B-B2BE-E98D193D70C1}"/>
+              </a:ext>
+            </a:extLst>
+          </p:cNvPr>
+          <p:cNvSpPr txBox="1"/>
+          <p:nvPr/>
+        </p:nvSpPr>
+        <p:spPr>
+          <a:xfrm>
+            <a:off x="7197992" y="3409953"/>
+            <a:ext cx="482824" cy="276999"/>
+          </a:xfrm>
+          <a:prstGeom prst="rect">
+            <a:avLst/>
+          </a:prstGeom>
+          <a:noFill/>
+        </p:spPr>
+        <p:txBody>
+          <a:bodyPr wrap="none" rtlCol="0">
+            <a:spAutoFit/>
+          </a:bodyPr>
+          <a:lstStyle/>
+          <a:p>
+            <a:r>
+              <a:rPr lang="en-US" sz="1200" dirty="0">
+                <a:latin typeface="+mj-lt"/>
+                <a:cs typeface="Times New Roman" panose="02020603050405020304" pitchFamily="18" charset="0"/>
+              </a:rPr>
+              <a:t>used</a:t>
+            </a:r>
+          </a:p>
+        </p:txBody>
+      </p:sp>
+      <p:sp>
+        <p:nvSpPr>
+          <p:cNvPr id="259" name="TextBox 258">
+            <a:extLst>
+              <a:ext uri="{FF2B5EF4-FFF2-40B4-BE49-F238E27FC236}">
+                <a16:creationId xmlns:a16="http://schemas.microsoft.com/office/drawing/2014/main" id="{1E81BF4E-333F-3D49-93B3-0A32A1883E52}"/>
+              </a:ext>
+            </a:extLst>
+          </p:cNvPr>
+          <p:cNvSpPr txBox="1"/>
+          <p:nvPr/>
+        </p:nvSpPr>
+        <p:spPr>
+          <a:xfrm>
+            <a:off x="7208411" y="4170443"/>
+            <a:ext cx="482824" cy="276999"/>
+          </a:xfrm>
+          <a:prstGeom prst="rect">
+            <a:avLst/>
+          </a:prstGeom>
+          <a:noFill/>
+        </p:spPr>
+        <p:txBody>
+          <a:bodyPr wrap="none" rtlCol="0">
+            <a:spAutoFit/>
+          </a:bodyPr>
+          <a:lstStyle/>
+          <a:p>
+            <a:r>
+              <a:rPr lang="en-US" sz="1200" dirty="0">
+                <a:latin typeface="+mj-lt"/>
+                <a:cs typeface="Times New Roman" panose="02020603050405020304" pitchFamily="18" charset="0"/>
+              </a:rPr>
+              <a:t>used</a:t>
+            </a:r>
+          </a:p>
+        </p:txBody>
+      </p:sp>
+      <p:sp>
+        <p:nvSpPr>
+          <p:cNvPr id="260" name="TextBox 259">
+            <a:extLst>
+              <a:ext uri="{FF2B5EF4-FFF2-40B4-BE49-F238E27FC236}">
+                <a16:creationId xmlns:a16="http://schemas.microsoft.com/office/drawing/2014/main" id="{60B5F2DA-91F3-0249-9C0A-735214DE0189}"/>
+              </a:ext>
+            </a:extLst>
+          </p:cNvPr>
+          <p:cNvSpPr txBox="1"/>
+          <p:nvPr/>
+        </p:nvSpPr>
+        <p:spPr>
+          <a:xfrm>
+            <a:off x="9131381" y="3257317"/>
+            <a:ext cx="482824" cy="276999"/>
+          </a:xfrm>
+          <a:prstGeom prst="rect">
+            <a:avLst/>
+          </a:prstGeom>
+          <a:noFill/>
+        </p:spPr>
+        <p:txBody>
+          <a:bodyPr wrap="none" rtlCol="0">
+            <a:spAutoFit/>
+          </a:bodyPr>
+          <a:lstStyle/>
+          <a:p>
+            <a:r>
+              <a:rPr lang="en-US" sz="1200" dirty="0">
+                <a:latin typeface="+mj-lt"/>
+                <a:cs typeface="Times New Roman" panose="02020603050405020304" pitchFamily="18" charset="0"/>
+              </a:rPr>
+              <a:t>used</a:t>
+            </a:r>
+          </a:p>
+        </p:txBody>
+      </p:sp>
+      <p:sp>
+        <p:nvSpPr>
+          <p:cNvPr id="261" name="TextBox 260">
+            <a:extLst>
+              <a:ext uri="{FF2B5EF4-FFF2-40B4-BE49-F238E27FC236}">
+                <a16:creationId xmlns:a16="http://schemas.microsoft.com/office/drawing/2014/main" id="{66C565D9-2E18-0F4A-942B-695F657893BD}"/>
+              </a:ext>
+            </a:extLst>
+          </p:cNvPr>
+          <p:cNvSpPr txBox="1"/>
+          <p:nvPr/>
+        </p:nvSpPr>
+        <p:spPr>
+          <a:xfrm>
+            <a:off x="9139194" y="4156415"/>
+            <a:ext cx="479618" cy="276999"/>
+          </a:xfrm>
+          <a:prstGeom prst="rect">
+            <a:avLst/>
+          </a:prstGeom>
+          <a:noFill/>
+        </p:spPr>
+        <p:txBody>
+          <a:bodyPr wrap="none" rtlCol="0">
+            <a:spAutoFit/>
+          </a:bodyPr>
+          <a:lstStyle/>
+          <a:p>
+            <a:r>
+              <a:rPr lang="en-US" sz="1200" dirty="0">
+                <a:latin typeface="+mj-lt"/>
+                <a:cs typeface="Times New Roman" panose="02020603050405020304" pitchFamily="18" charset="0"/>
+              </a:rPr>
+              <a:t>used</a:t>
+            </a:r>
+          </a:p>
+        </p:txBody>
+      </p:sp>
+      <p:sp>
+        <p:nvSpPr>
+          <p:cNvPr id="262" name="TextBox 261">
+            <a:extLst>
+              <a:ext uri="{FF2B5EF4-FFF2-40B4-BE49-F238E27FC236}">
+                <a16:creationId xmlns:a16="http://schemas.microsoft.com/office/drawing/2014/main" id="{0EA408BE-308D-624B-989A-85905C4D5EC5}"/>
+              </a:ext>
+            </a:extLst>
+          </p:cNvPr>
+          <p:cNvSpPr txBox="1"/>
+          <p:nvPr/>
+        </p:nvSpPr>
+        <p:spPr>
+          <a:xfrm>
+            <a:off x="8221136" y="3257318"/>
+            <a:ext cx="510333" cy="276999"/>
+          </a:xfrm>
+          <a:prstGeom prst="rect">
+            <a:avLst/>
+          </a:prstGeom>
+          <a:noFill/>
+        </p:spPr>
+        <p:txBody>
+          <a:bodyPr wrap="none" rtlCol="0">
+            <a:spAutoFit/>
+          </a:bodyPr>
+          <a:lstStyle/>
+          <a:p>
+            <a:r>
+              <a:rPr lang="en-US" sz="1200" dirty="0" err="1">
+                <a:latin typeface="+mj-lt"/>
+                <a:cs typeface="Times New Roman" panose="02020603050405020304" pitchFamily="18" charset="0"/>
+              </a:rPr>
+              <a:t>wgBy</a:t>
+            </a:r>
+            <a:endParaRPr lang="en-US" sz="1200" dirty="0">
+              <a:latin typeface="+mj-lt"/>
+              <a:cs typeface="Times New Roman" panose="02020603050405020304" pitchFamily="18" charset="0"/>
+            </a:endParaRPr>
+          </a:p>
+        </p:txBody>
+      </p:sp>
+      <p:sp>
+        <p:nvSpPr>
+          <p:cNvPr id="263" name="TextBox 262">
+            <a:extLst>
+              <a:ext uri="{FF2B5EF4-FFF2-40B4-BE49-F238E27FC236}">
+                <a16:creationId xmlns:a16="http://schemas.microsoft.com/office/drawing/2014/main" id="{F15B619A-03AF-404B-98BB-E4C29870FA7E}"/>
+              </a:ext>
+            </a:extLst>
+          </p:cNvPr>
+          <p:cNvSpPr txBox="1"/>
+          <p:nvPr/>
+        </p:nvSpPr>
+        <p:spPr>
+          <a:xfrm>
+            <a:off x="8232217" y="4131061"/>
+            <a:ext cx="510333" cy="276999"/>
+          </a:xfrm>
+          <a:prstGeom prst="rect">
+            <a:avLst/>
+          </a:prstGeom>
+          <a:noFill/>
+        </p:spPr>
+        <p:txBody>
+          <a:bodyPr wrap="none" rtlCol="0">
+            <a:spAutoFit/>
+          </a:bodyPr>
+          <a:lstStyle/>
+          <a:p>
+            <a:r>
+              <a:rPr lang="en-US" sz="1200" dirty="0" err="1">
+                <a:latin typeface="+mj-lt"/>
+                <a:cs typeface="Times New Roman" panose="02020603050405020304" pitchFamily="18" charset="0"/>
+              </a:rPr>
+              <a:t>wgBy</a:t>
+            </a:r>
+            <a:endParaRPr lang="en-US" sz="1200" dirty="0">
+              <a:latin typeface="+mj-lt"/>
+              <a:cs typeface="Times New Roman" panose="02020603050405020304" pitchFamily="18" charset="0"/>
+            </a:endParaRPr>
+          </a:p>
+        </p:txBody>
+      </p:sp>
+      <p:grpSp>
+        <p:nvGrpSpPr>
+          <p:cNvPr id="264" name="Group 263">
+            <a:extLst>
+              <a:ext uri="{FF2B5EF4-FFF2-40B4-BE49-F238E27FC236}">
+                <a16:creationId xmlns:a16="http://schemas.microsoft.com/office/drawing/2014/main" id="{03F315A7-699F-CD4C-B97B-FCC2FEC0FFB1}"/>
+              </a:ext>
+            </a:extLst>
+          </p:cNvPr>
+          <p:cNvGrpSpPr/>
+          <p:nvPr/>
+        </p:nvGrpSpPr>
+        <p:grpSpPr>
+          <a:xfrm>
+            <a:off x="6815092" y="4802862"/>
+            <a:ext cx="394531" cy="394531"/>
+            <a:chOff x="2397512" y="1594624"/>
+            <a:chExt cx="635620" cy="635620"/>
+          </a:xfrm>
+          <a:solidFill>
+            <a:schemeClr val="accent3"/>
+          </a:solidFill>
+        </p:grpSpPr>
+        <p:sp>
+          <p:nvSpPr>
+            <p:cNvPr id="265" name="Oval 264">
+              <a:extLst>
+                <a:ext uri="{FF2B5EF4-FFF2-40B4-BE49-F238E27FC236}">
+                  <a16:creationId xmlns:a16="http://schemas.microsoft.com/office/drawing/2014/main" id="{C2E6B0F0-3642-C446-9D29-BF6179B5EAE7}"/>
+                </a:ext>
+              </a:extLst>
+            </p:cNvPr>
+            <p:cNvSpPr/>
+            <p:nvPr/>
+          </p:nvSpPr>
+          <p:spPr>
+            <a:xfrm>
+              <a:off x="2397512" y="1594624"/>
+              <a:ext cx="635620" cy="635620"/>
+            </a:xfrm>
+            <a:prstGeom prst="ellipse">
+              <a:avLst/>
+            </a:prstGeom>
+            <a:grpFill/>
+            <a:ln w="25400">
+              <a:solidFill>
+                <a:schemeClr val="tx1"/>
+              </a:solidFill>
+            </a:ln>
+          </p:spPr>
+          <p:style>
+            <a:lnRef idx="2">
+              <a:schemeClr val="accent1">
+                <a:shade val="50000"/>
+              </a:schemeClr>
+            </a:lnRef>
+            <a:fillRef idx="1">
+              <a:schemeClr val="accent1"/>
+            </a:fillRef>
+            <a:effectRef idx="0">
+              <a:schemeClr val="accent1"/>
+            </a:effectRef>
+            <a:fontRef idx="minor">
+              <a:schemeClr val="lt1"/>
+            </a:fontRef>
+          </p:style>
+          <p:txBody>
+            <a:bodyPr rot="0" spcFirstLastPara="0" vertOverflow="overflow" horzOverflow="overflow" vert="horz" wrap="square" lIns="56757" tIns="28378" rIns="56757" bIns="28378" numCol="1" spcCol="0" rtlCol="0" fromWordArt="0" anchor="ctr" anchorCtr="0" forceAA="0" compatLnSpc="1">
+              <a:prstTxWarp prst="textNoShape">
+                <a:avLst/>
+              </a:prstTxWarp>
+              <a:noAutofit/>
+            </a:bodyPr>
+            <a:lstStyle/>
+            <a:p>
+              <a:pPr algn="ctr"/>
+              <a:endParaRPr lang="en-US" sz="1200">
+                <a:latin typeface="+mj-lt"/>
+                <a:cs typeface="Times New Roman" panose="02020603050405020304" pitchFamily="18" charset="0"/>
+              </a:endParaRPr>
             </a:p>
           </p:txBody>
         </p:sp>
         <p:sp>
           <p:nvSpPr>
-            <p:cNvPr id="252" name="TextBox 251">
+            <p:cNvPr id="266" name="TextBox 265">
               <a:extLst>
                 <a:ext uri="{FF2B5EF4-FFF2-40B4-BE49-F238E27FC236}">
-                  <a16:creationId xmlns:a16="http://schemas.microsoft.com/office/drawing/2014/main" id="{8E587A47-4951-BE4C-8163-97983EB3DA14}"/>
+                  <a16:creationId xmlns:a16="http://schemas.microsoft.com/office/drawing/2014/main" id="{76F1D3DB-7C9E-DC48-AC22-27089298787E}"/>
                 </a:ext>
               </a:extLst>
             </p:cNvPr>
@@ -9263,8 +9881,162 @@
           </p:nvSpPr>
           <p:spPr>
             <a:xfrm>
-              <a:off x="6833320" y="3719681"/>
-              <a:ext cx="340158" cy="276999"/>
+              <a:off x="2506770" y="1727768"/>
+              <a:ext cx="297616" cy="446267"/>
+            </a:xfrm>
+            <a:prstGeom prst="rect">
+              <a:avLst/>
+            </a:prstGeom>
+            <a:grpFill/>
+          </p:spPr>
+          <p:txBody>
+            <a:bodyPr wrap="none" rtlCol="0">
+              <a:spAutoFit/>
+            </a:bodyPr>
+            <a:lstStyle/>
+            <a:p>
+              <a:endParaRPr lang="en-US" sz="1200" dirty="0">
+                <a:latin typeface="+mj-lt"/>
+                <a:cs typeface="Times New Roman" panose="02020603050405020304" pitchFamily="18" charset="0"/>
+              </a:endParaRPr>
+            </a:p>
+          </p:txBody>
+        </p:sp>
+      </p:grpSp>
+      <p:sp>
+        <p:nvSpPr>
+          <p:cNvPr id="267" name="TextBox 266">
+            <a:extLst>
+              <a:ext uri="{FF2B5EF4-FFF2-40B4-BE49-F238E27FC236}">
+                <a16:creationId xmlns:a16="http://schemas.microsoft.com/office/drawing/2014/main" id="{9E76E0B4-7385-DB43-A3E4-54516D72B79B}"/>
+              </a:ext>
+            </a:extLst>
+          </p:cNvPr>
+          <p:cNvSpPr txBox="1"/>
+          <p:nvPr/>
+        </p:nvSpPr>
+        <p:spPr>
+          <a:xfrm>
+            <a:off x="6829620" y="4865994"/>
+            <a:ext cx="340158" cy="276999"/>
+          </a:xfrm>
+          <a:prstGeom prst="rect">
+            <a:avLst/>
+          </a:prstGeom>
+          <a:noFill/>
+        </p:spPr>
+        <p:txBody>
+          <a:bodyPr wrap="none" rtlCol="0">
+            <a:spAutoFit/>
+          </a:bodyPr>
+          <a:lstStyle/>
+          <a:p>
+            <a:r>
+              <a:rPr lang="en-US" sz="1200" dirty="0">
+                <a:latin typeface="+mj-lt"/>
+                <a:cs typeface="Times New Roman" panose="02020603050405020304" pitchFamily="18" charset="0"/>
+              </a:rPr>
+              <a:t>e6</a:t>
+            </a:r>
+          </a:p>
+        </p:txBody>
+      </p:sp>
+      <p:grpSp>
+        <p:nvGrpSpPr>
+          <p:cNvPr id="268" name="Group 267">
+            <a:extLst>
+              <a:ext uri="{FF2B5EF4-FFF2-40B4-BE49-F238E27FC236}">
+                <a16:creationId xmlns:a16="http://schemas.microsoft.com/office/drawing/2014/main" id="{1D918807-1D97-3F40-9775-2726BF942DF3}"/>
+              </a:ext>
+            </a:extLst>
+          </p:cNvPr>
+          <p:cNvGrpSpPr/>
+          <p:nvPr/>
+        </p:nvGrpSpPr>
+        <p:grpSpPr>
+          <a:xfrm>
+            <a:off x="5941515" y="3656526"/>
+            <a:ext cx="370458" cy="394531"/>
+            <a:chOff x="2651620" y="4455131"/>
+            <a:chExt cx="370458" cy="394531"/>
+          </a:xfrm>
+        </p:grpSpPr>
+        <p:sp>
+          <p:nvSpPr>
+            <p:cNvPr id="269" name="Rectangle 268">
+              <a:extLst>
+                <a:ext uri="{FF2B5EF4-FFF2-40B4-BE49-F238E27FC236}">
+                  <a16:creationId xmlns:a16="http://schemas.microsoft.com/office/drawing/2014/main" id="{D8288549-0256-3547-8678-AF12B8330B87}"/>
+                </a:ext>
+              </a:extLst>
+            </p:cNvPr>
+            <p:cNvSpPr/>
+            <p:nvPr/>
+          </p:nvSpPr>
+          <p:spPr>
+            <a:xfrm>
+              <a:off x="2658477" y="4455131"/>
+              <a:ext cx="363601" cy="394531"/>
+            </a:xfrm>
+            <a:prstGeom prst="rect">
+              <a:avLst/>
+            </a:prstGeom>
+            <a:noFill/>
+            <a:ln w="25400">
+              <a:solidFill>
+                <a:schemeClr val="tx1"/>
+              </a:solidFill>
+            </a:ln>
+          </p:spPr>
+          <p:style>
+            <a:lnRef idx="2">
+              <a:schemeClr val="accent1">
+                <a:shade val="50000"/>
+              </a:schemeClr>
+            </a:lnRef>
+            <a:fillRef idx="1">
+              <a:schemeClr val="accent1"/>
+            </a:fillRef>
+            <a:effectRef idx="0">
+              <a:schemeClr val="accent1"/>
+            </a:effectRef>
+            <a:fontRef idx="minor">
+              <a:schemeClr val="lt1"/>
+            </a:fontRef>
+          </p:style>
+          <p:txBody>
+            <a:bodyPr rot="0" spcFirstLastPara="0" vertOverflow="overflow" horzOverflow="overflow" vert="horz" wrap="square" lIns="56757" tIns="28378" rIns="56757" bIns="28378" numCol="1" spcCol="0" rtlCol="0" fromWordArt="0" anchor="ctr" anchorCtr="0" forceAA="0" compatLnSpc="1">
+              <a:prstTxWarp prst="textNoShape">
+                <a:avLst/>
+              </a:prstTxWarp>
+              <a:noAutofit/>
+            </a:bodyPr>
+            <a:lstStyle/>
+            <a:p>
+              <a:pPr algn="ctr"/>
+              <a:endParaRPr lang="en-US" sz="1200">
+                <a:latin typeface="+mj-lt"/>
+                <a:cs typeface="Times New Roman" panose="02020603050405020304" pitchFamily="18" charset="0"/>
+              </a:endParaRPr>
+            </a:p>
+          </p:txBody>
+        </p:sp>
+        <p:sp>
+          <p:nvSpPr>
+            <p:cNvPr id="270" name="TextBox 269">
+              <a:extLst>
+                <a:ext uri="{FF2B5EF4-FFF2-40B4-BE49-F238E27FC236}">
+                  <a16:creationId xmlns:a16="http://schemas.microsoft.com/office/drawing/2014/main" id="{4AAA4940-3F5B-A644-92AE-4C4DC0911FD8}"/>
+                </a:ext>
+              </a:extLst>
+            </p:cNvPr>
+            <p:cNvSpPr txBox="1"/>
+            <p:nvPr/>
+          </p:nvSpPr>
+          <p:spPr>
+            <a:xfrm>
+              <a:off x="2651620" y="4486608"/>
+              <a:ext cx="336952" cy="276999"/>
             </a:xfrm>
             <a:prstGeom prst="rect">
               <a:avLst/>
@@ -9282,992 +10054,261 @@
                   <a:latin typeface="+mj-lt"/>
                   <a:cs typeface="Times New Roman" panose="02020603050405020304" pitchFamily="18" charset="0"/>
                 </a:rPr>
-                <a:t>e2</a:t>
+                <a:t>a5</a:t>
               </a:r>
             </a:p>
           </p:txBody>
         </p:sp>
-        <p:sp>
-          <p:nvSpPr>
-            <p:cNvPr id="253" name="TextBox 252">
-              <a:extLst>
-                <a:ext uri="{FF2B5EF4-FFF2-40B4-BE49-F238E27FC236}">
-                  <a16:creationId xmlns:a16="http://schemas.microsoft.com/office/drawing/2014/main" id="{673EE5C6-FBF5-7648-859A-F5A04D5AF846}"/>
-                </a:ext>
-              </a:extLst>
-            </p:cNvPr>
-            <p:cNvSpPr txBox="1"/>
-            <p:nvPr/>
-          </p:nvSpPr>
-          <p:spPr>
-            <a:xfrm>
-              <a:off x="6858342" y="3182775"/>
-              <a:ext cx="340158" cy="276999"/>
-            </a:xfrm>
-            <a:prstGeom prst="rect">
-              <a:avLst/>
-            </a:prstGeom>
-            <a:noFill/>
-          </p:spPr>
-          <p:txBody>
-            <a:bodyPr wrap="none" rtlCol="0">
-              <a:spAutoFit/>
-            </a:bodyPr>
-            <a:lstStyle/>
-            <a:p>
-              <a:r>
-                <a:rPr lang="en-US" sz="1200" dirty="0">
-                  <a:latin typeface="+mj-lt"/>
-                  <a:cs typeface="Times New Roman" panose="02020603050405020304" pitchFamily="18" charset="0"/>
-                </a:rPr>
-                <a:t>e1</a:t>
-              </a:r>
-            </a:p>
-          </p:txBody>
-        </p:sp>
-        <p:cxnSp>
-          <p:nvCxnSpPr>
-            <p:cNvPr id="254" name="Straight Arrow Connector 253">
-              <a:extLst>
-                <a:ext uri="{FF2B5EF4-FFF2-40B4-BE49-F238E27FC236}">
-                  <a16:creationId xmlns:a16="http://schemas.microsoft.com/office/drawing/2014/main" id="{1E40695F-9C42-0940-8C14-9C5311248549}"/>
-                </a:ext>
-              </a:extLst>
-            </p:cNvPr>
-            <p:cNvCxnSpPr>
-              <a:stCxn id="241" idx="2"/>
-              <a:endCxn id="233" idx="3"/>
-            </p:cNvCxnSpPr>
-            <p:nvPr/>
-          </p:nvCxnSpPr>
-          <p:spPr>
-            <a:xfrm flipH="1">
-              <a:off x="8196004" y="3537140"/>
-              <a:ext cx="521996" cy="1"/>
-            </a:xfrm>
-            <a:prstGeom prst="straightConnector1">
-              <a:avLst/>
-            </a:prstGeom>
-            <a:ln w="25400">
-              <a:solidFill>
-                <a:schemeClr val="tx1"/>
-              </a:solidFill>
-              <a:tailEnd type="triangle"/>
-            </a:ln>
-          </p:spPr>
-          <p:style>
-            <a:lnRef idx="1">
-              <a:schemeClr val="accent1"/>
-            </a:lnRef>
-            <a:fillRef idx="0">
-              <a:schemeClr val="accent1"/>
-            </a:fillRef>
-            <a:effectRef idx="0">
-              <a:schemeClr val="accent1"/>
-            </a:effectRef>
-            <a:fontRef idx="minor">
+      </p:grpSp>
+      <p:cxnSp>
+        <p:nvCxnSpPr>
+          <p:cNvPr id="271" name="Straight Arrow Connector 270">
+            <a:extLst>
+              <a:ext uri="{FF2B5EF4-FFF2-40B4-BE49-F238E27FC236}">
+                <a16:creationId xmlns:a16="http://schemas.microsoft.com/office/drawing/2014/main" id="{A12BAE54-EF50-D94A-99C7-D6A6F2975B12}"/>
+              </a:ext>
+            </a:extLst>
+          </p:cNvPr>
+          <p:cNvCxnSpPr>
+            <a:stCxn id="246" idx="1"/>
+            <a:endCxn id="243" idx="6"/>
+          </p:cNvCxnSpPr>
+          <p:nvPr/>
+        </p:nvCxnSpPr>
+        <p:spPr>
+          <a:xfrm flipH="1">
+            <a:off x="9112534" y="3503194"/>
+            <a:ext cx="493858" cy="907169"/>
+          </a:xfrm>
+          <a:prstGeom prst="straightConnector1">
+            <a:avLst/>
+          </a:prstGeom>
+          <a:ln w="25400">
+            <a:solidFill>
               <a:schemeClr val="tx1"/>
-            </a:fontRef>
-          </p:style>
-        </p:cxnSp>
-        <p:cxnSp>
-          <p:nvCxnSpPr>
-            <p:cNvPr id="255" name="Straight Arrow Connector 254">
-              <a:extLst>
-                <a:ext uri="{FF2B5EF4-FFF2-40B4-BE49-F238E27FC236}">
-                  <a16:creationId xmlns:a16="http://schemas.microsoft.com/office/drawing/2014/main" id="{AB680D31-19F7-CA48-BB39-BB4E57B3EEBC}"/>
-                </a:ext>
-              </a:extLst>
-            </p:cNvPr>
-            <p:cNvCxnSpPr>
-              <a:stCxn id="243" idx="2"/>
-              <a:endCxn id="236" idx="3"/>
-            </p:cNvCxnSpPr>
-            <p:nvPr/>
-          </p:nvCxnSpPr>
-          <p:spPr>
-            <a:xfrm flipH="1" flipV="1">
-              <a:off x="8201137" y="4393376"/>
-              <a:ext cx="516866" cy="16987"/>
-            </a:xfrm>
-            <a:prstGeom prst="straightConnector1">
-              <a:avLst/>
-            </a:prstGeom>
-            <a:ln w="25400">
-              <a:solidFill>
-                <a:schemeClr val="tx1"/>
-              </a:solidFill>
-              <a:tailEnd type="triangle"/>
-            </a:ln>
-          </p:spPr>
-          <p:style>
-            <a:lnRef idx="1">
-              <a:schemeClr val="accent1"/>
-            </a:lnRef>
-            <a:fillRef idx="0">
-              <a:schemeClr val="accent1"/>
-            </a:fillRef>
-            <a:effectRef idx="0">
-              <a:schemeClr val="accent1"/>
-            </a:effectRef>
-            <a:fontRef idx="minor">
+            </a:solidFill>
+            <a:tailEnd type="triangle"/>
+          </a:ln>
+        </p:spPr>
+        <p:style>
+          <a:lnRef idx="1">
+            <a:schemeClr val="accent1"/>
+          </a:lnRef>
+          <a:fillRef idx="0">
+            <a:schemeClr val="accent1"/>
+          </a:fillRef>
+          <a:effectRef idx="0">
+            <a:schemeClr val="accent1"/>
+          </a:effectRef>
+          <a:fontRef idx="minor">
+            <a:schemeClr val="tx1"/>
+          </a:fontRef>
+        </p:style>
+      </p:cxnSp>
+      <p:cxnSp>
+        <p:nvCxnSpPr>
+          <p:cNvPr id="272" name="Straight Arrow Connector 271">
+            <a:extLst>
+              <a:ext uri="{FF2B5EF4-FFF2-40B4-BE49-F238E27FC236}">
+                <a16:creationId xmlns:a16="http://schemas.microsoft.com/office/drawing/2014/main" id="{BAA3D71D-8D47-A840-8105-F355217DC4B7}"/>
+              </a:ext>
+            </a:extLst>
+          </p:cNvPr>
+          <p:cNvCxnSpPr>
+            <a:stCxn id="235" idx="1"/>
+            <a:endCxn id="265" idx="6"/>
+          </p:cNvCxnSpPr>
+          <p:nvPr/>
+        </p:nvCxnSpPr>
+        <p:spPr>
+          <a:xfrm flipH="1">
+            <a:off x="7209623" y="4408331"/>
+            <a:ext cx="631752" cy="591797"/>
+          </a:xfrm>
+          <a:prstGeom prst="straightConnector1">
+            <a:avLst/>
+          </a:prstGeom>
+          <a:ln w="25400">
+            <a:solidFill>
               <a:schemeClr val="tx1"/>
-            </a:fontRef>
-          </p:style>
-        </p:cxnSp>
-        <p:cxnSp>
-          <p:nvCxnSpPr>
-            <p:cNvPr id="256" name="Straight Arrow Connector 255">
-              <a:extLst>
-                <a:ext uri="{FF2B5EF4-FFF2-40B4-BE49-F238E27FC236}">
-                  <a16:creationId xmlns:a16="http://schemas.microsoft.com/office/drawing/2014/main" id="{1357233D-2FB1-8E48-8FEC-BD16990D36CF}"/>
-                </a:ext>
-              </a:extLst>
-            </p:cNvPr>
-            <p:cNvCxnSpPr>
-              <a:cxnSpLocks/>
-              <a:stCxn id="246" idx="1"/>
-              <a:endCxn id="242" idx="3"/>
-            </p:cNvCxnSpPr>
-            <p:nvPr/>
-          </p:nvCxnSpPr>
-          <p:spPr>
-            <a:xfrm flipH="1">
-              <a:off x="9107694" y="3503194"/>
-              <a:ext cx="498698" cy="3723"/>
-            </a:xfrm>
-            <a:prstGeom prst="straightConnector1">
-              <a:avLst/>
-            </a:prstGeom>
-            <a:ln w="25400">
-              <a:solidFill>
-                <a:schemeClr val="tx1"/>
-              </a:solidFill>
-              <a:tailEnd type="triangle"/>
-            </a:ln>
-          </p:spPr>
-          <p:style>
-            <a:lnRef idx="1">
-              <a:schemeClr val="accent1"/>
-            </a:lnRef>
-            <a:fillRef idx="0">
-              <a:schemeClr val="accent1"/>
-            </a:fillRef>
-            <a:effectRef idx="0">
-              <a:schemeClr val="accent1"/>
-            </a:effectRef>
-            <a:fontRef idx="minor">
+            </a:solidFill>
+            <a:tailEnd type="triangle"/>
+          </a:ln>
+        </p:spPr>
+        <p:style>
+          <a:lnRef idx="1">
+            <a:schemeClr val="accent1"/>
+          </a:lnRef>
+          <a:fillRef idx="0">
+            <a:schemeClr val="accent1"/>
+          </a:fillRef>
+          <a:effectRef idx="0">
+            <a:schemeClr val="accent1"/>
+          </a:effectRef>
+          <a:fontRef idx="minor">
+            <a:schemeClr val="tx1"/>
+          </a:fontRef>
+        </p:style>
+      </p:cxnSp>
+      <p:cxnSp>
+        <p:nvCxnSpPr>
+          <p:cNvPr id="273" name="Straight Arrow Connector 272">
+            <a:extLst>
+              <a:ext uri="{FF2B5EF4-FFF2-40B4-BE49-F238E27FC236}">
+                <a16:creationId xmlns:a16="http://schemas.microsoft.com/office/drawing/2014/main" id="{197F3AF6-4C51-3B43-B3CF-89BC8EF67258}"/>
+              </a:ext>
+            </a:extLst>
+          </p:cNvPr>
+          <p:cNvCxnSpPr>
+            <a:stCxn id="228" idx="2"/>
+            <a:endCxn id="269" idx="3"/>
+          </p:cNvCxnSpPr>
+          <p:nvPr/>
+        </p:nvCxnSpPr>
+        <p:spPr>
+          <a:xfrm flipH="1">
+            <a:off x="6311973" y="3853792"/>
+            <a:ext cx="482553" cy="0"/>
+          </a:xfrm>
+          <a:prstGeom prst="straightConnector1">
+            <a:avLst/>
+          </a:prstGeom>
+          <a:ln w="25400">
+            <a:solidFill>
               <a:schemeClr val="tx1"/>
-            </a:fontRef>
-          </p:style>
-        </p:cxnSp>
-        <p:cxnSp>
-          <p:nvCxnSpPr>
-            <p:cNvPr id="257" name="Straight Arrow Connector 256">
-              <a:extLst>
-                <a:ext uri="{FF2B5EF4-FFF2-40B4-BE49-F238E27FC236}">
-                  <a16:creationId xmlns:a16="http://schemas.microsoft.com/office/drawing/2014/main" id="{39480C85-283E-A44C-8855-050B5021149F}"/>
-                </a:ext>
-              </a:extLst>
-            </p:cNvPr>
-            <p:cNvCxnSpPr>
-              <a:stCxn id="249" idx="1"/>
-              <a:endCxn id="243" idx="6"/>
-            </p:cNvCxnSpPr>
-            <p:nvPr/>
-          </p:nvCxnSpPr>
-          <p:spPr>
-            <a:xfrm flipH="1">
-              <a:off x="9112534" y="4408330"/>
-              <a:ext cx="504275" cy="2033"/>
-            </a:xfrm>
-            <a:prstGeom prst="straightConnector1">
-              <a:avLst/>
-            </a:prstGeom>
-            <a:ln w="25400">
-              <a:solidFill>
-                <a:schemeClr val="tx1"/>
-              </a:solidFill>
-              <a:tailEnd type="triangle"/>
-            </a:ln>
-          </p:spPr>
-          <p:style>
-            <a:lnRef idx="1">
-              <a:schemeClr val="accent1"/>
-            </a:lnRef>
-            <a:fillRef idx="0">
-              <a:schemeClr val="accent1"/>
-            </a:fillRef>
-            <a:effectRef idx="0">
-              <a:schemeClr val="accent1"/>
-            </a:effectRef>
-            <a:fontRef idx="minor">
-              <a:schemeClr val="tx1"/>
-            </a:fontRef>
-          </p:style>
-        </p:cxnSp>
-        <p:sp>
-          <p:nvSpPr>
-            <p:cNvPr id="258" name="TextBox 257">
-              <a:extLst>
-                <a:ext uri="{FF2B5EF4-FFF2-40B4-BE49-F238E27FC236}">
-                  <a16:creationId xmlns:a16="http://schemas.microsoft.com/office/drawing/2014/main" id="{96B28AD3-3B37-3D4B-B2BE-E98D193D70C1}"/>
-                </a:ext>
-              </a:extLst>
-            </p:cNvPr>
-            <p:cNvSpPr txBox="1"/>
-            <p:nvPr/>
-          </p:nvSpPr>
-          <p:spPr>
-            <a:xfrm>
-              <a:off x="7197992" y="3409953"/>
-              <a:ext cx="482824" cy="276999"/>
-            </a:xfrm>
-            <a:prstGeom prst="rect">
-              <a:avLst/>
-            </a:prstGeom>
-            <a:noFill/>
-          </p:spPr>
-          <p:txBody>
-            <a:bodyPr wrap="none" rtlCol="0">
-              <a:spAutoFit/>
-            </a:bodyPr>
-            <a:lstStyle/>
-            <a:p>
-              <a:r>
-                <a:rPr lang="en-US" sz="1200" dirty="0">
-                  <a:latin typeface="+mj-lt"/>
-                  <a:cs typeface="Times New Roman" panose="02020603050405020304" pitchFamily="18" charset="0"/>
-                </a:rPr>
-                <a:t>used</a:t>
-              </a:r>
-            </a:p>
-          </p:txBody>
-        </p:sp>
-        <p:sp>
-          <p:nvSpPr>
-            <p:cNvPr id="259" name="TextBox 258">
-              <a:extLst>
-                <a:ext uri="{FF2B5EF4-FFF2-40B4-BE49-F238E27FC236}">
-                  <a16:creationId xmlns:a16="http://schemas.microsoft.com/office/drawing/2014/main" id="{1E81BF4E-333F-3D49-93B3-0A32A1883E52}"/>
-                </a:ext>
-              </a:extLst>
-            </p:cNvPr>
-            <p:cNvSpPr txBox="1"/>
-            <p:nvPr/>
-          </p:nvSpPr>
-          <p:spPr>
-            <a:xfrm>
-              <a:off x="7208411" y="4170443"/>
-              <a:ext cx="482824" cy="276999"/>
-            </a:xfrm>
-            <a:prstGeom prst="rect">
-              <a:avLst/>
-            </a:prstGeom>
-            <a:noFill/>
-          </p:spPr>
-          <p:txBody>
-            <a:bodyPr wrap="none" rtlCol="0">
-              <a:spAutoFit/>
-            </a:bodyPr>
-            <a:lstStyle/>
-            <a:p>
-              <a:r>
-                <a:rPr lang="en-US" sz="1200" dirty="0">
-                  <a:latin typeface="+mj-lt"/>
-                  <a:cs typeface="Times New Roman" panose="02020603050405020304" pitchFamily="18" charset="0"/>
-                </a:rPr>
-                <a:t>used</a:t>
-              </a:r>
-            </a:p>
-          </p:txBody>
-        </p:sp>
-        <p:sp>
-          <p:nvSpPr>
-            <p:cNvPr id="260" name="TextBox 259">
-              <a:extLst>
-                <a:ext uri="{FF2B5EF4-FFF2-40B4-BE49-F238E27FC236}">
-                  <a16:creationId xmlns:a16="http://schemas.microsoft.com/office/drawing/2014/main" id="{60B5F2DA-91F3-0249-9C0A-735214DE0189}"/>
-                </a:ext>
-              </a:extLst>
-            </p:cNvPr>
-            <p:cNvSpPr txBox="1"/>
-            <p:nvPr/>
-          </p:nvSpPr>
-          <p:spPr>
-            <a:xfrm>
-              <a:off x="9131381" y="3257317"/>
-              <a:ext cx="482824" cy="276999"/>
-            </a:xfrm>
-            <a:prstGeom prst="rect">
-              <a:avLst/>
-            </a:prstGeom>
-            <a:noFill/>
-          </p:spPr>
-          <p:txBody>
-            <a:bodyPr wrap="none" rtlCol="0">
-              <a:spAutoFit/>
-            </a:bodyPr>
-            <a:lstStyle/>
-            <a:p>
-              <a:r>
-                <a:rPr lang="en-US" sz="1200" dirty="0">
-                  <a:latin typeface="+mj-lt"/>
-                  <a:cs typeface="Times New Roman" panose="02020603050405020304" pitchFamily="18" charset="0"/>
-                </a:rPr>
-                <a:t>used</a:t>
-              </a:r>
-            </a:p>
-          </p:txBody>
-        </p:sp>
-        <p:sp>
-          <p:nvSpPr>
-            <p:cNvPr id="261" name="TextBox 260">
-              <a:extLst>
-                <a:ext uri="{FF2B5EF4-FFF2-40B4-BE49-F238E27FC236}">
-                  <a16:creationId xmlns:a16="http://schemas.microsoft.com/office/drawing/2014/main" id="{66C565D9-2E18-0F4A-942B-695F657893BD}"/>
-                </a:ext>
-              </a:extLst>
-            </p:cNvPr>
-            <p:cNvSpPr txBox="1"/>
-            <p:nvPr/>
-          </p:nvSpPr>
-          <p:spPr>
-            <a:xfrm>
-              <a:off x="9139194" y="4156415"/>
-              <a:ext cx="479618" cy="276999"/>
-            </a:xfrm>
-            <a:prstGeom prst="rect">
-              <a:avLst/>
-            </a:prstGeom>
-            <a:noFill/>
-          </p:spPr>
-          <p:txBody>
-            <a:bodyPr wrap="none" rtlCol="0">
-              <a:spAutoFit/>
-            </a:bodyPr>
-            <a:lstStyle/>
-            <a:p>
-              <a:r>
-                <a:rPr lang="en-US" sz="1200" dirty="0">
-                  <a:latin typeface="+mj-lt"/>
-                  <a:cs typeface="Times New Roman" panose="02020603050405020304" pitchFamily="18" charset="0"/>
-                </a:rPr>
-                <a:t>used</a:t>
-              </a:r>
-            </a:p>
-          </p:txBody>
-        </p:sp>
-        <p:sp>
-          <p:nvSpPr>
-            <p:cNvPr id="262" name="TextBox 261">
-              <a:extLst>
-                <a:ext uri="{FF2B5EF4-FFF2-40B4-BE49-F238E27FC236}">
-                  <a16:creationId xmlns:a16="http://schemas.microsoft.com/office/drawing/2014/main" id="{0EA408BE-308D-624B-989A-85905C4D5EC5}"/>
-                </a:ext>
-              </a:extLst>
-            </p:cNvPr>
-            <p:cNvSpPr txBox="1"/>
-            <p:nvPr/>
-          </p:nvSpPr>
-          <p:spPr>
-            <a:xfrm>
-              <a:off x="8221136" y="3257318"/>
-              <a:ext cx="510333" cy="276999"/>
-            </a:xfrm>
-            <a:prstGeom prst="rect">
-              <a:avLst/>
-            </a:prstGeom>
-            <a:noFill/>
-          </p:spPr>
-          <p:txBody>
-            <a:bodyPr wrap="none" rtlCol="0">
-              <a:spAutoFit/>
-            </a:bodyPr>
-            <a:lstStyle/>
-            <a:p>
-              <a:r>
-                <a:rPr lang="en-US" sz="1200" dirty="0" err="1">
-                  <a:latin typeface="+mj-lt"/>
-                  <a:cs typeface="Times New Roman" panose="02020603050405020304" pitchFamily="18" charset="0"/>
-                </a:rPr>
-                <a:t>wgBy</a:t>
-              </a:r>
-              <a:endParaRPr lang="en-US" sz="1200" dirty="0">
-                <a:latin typeface="+mj-lt"/>
+            </a:solidFill>
+            <a:tailEnd type="triangle"/>
+          </a:ln>
+        </p:spPr>
+        <p:style>
+          <a:lnRef idx="1">
+            <a:schemeClr val="accent1"/>
+          </a:lnRef>
+          <a:fillRef idx="0">
+            <a:schemeClr val="accent1"/>
+          </a:fillRef>
+          <a:effectRef idx="0">
+            <a:schemeClr val="accent1"/>
+          </a:effectRef>
+          <a:fontRef idx="minor">
+            <a:schemeClr val="tx1"/>
+          </a:fontRef>
+        </p:style>
+      </p:cxnSp>
+      <p:sp>
+        <p:nvSpPr>
+          <p:cNvPr id="278" name="TextBox 277">
+            <a:extLst>
+              <a:ext uri="{FF2B5EF4-FFF2-40B4-BE49-F238E27FC236}">
+                <a16:creationId xmlns:a16="http://schemas.microsoft.com/office/drawing/2014/main" id="{BBEC171F-235D-7542-9A60-126F26840592}"/>
+              </a:ext>
+            </a:extLst>
+          </p:cNvPr>
+          <p:cNvSpPr txBox="1"/>
+          <p:nvPr/>
+        </p:nvSpPr>
+        <p:spPr>
+          <a:xfrm>
+            <a:off x="8304618" y="5125795"/>
+            <a:ext cx="356188" cy="276999"/>
+          </a:xfrm>
+          <a:prstGeom prst="rect">
+            <a:avLst/>
+          </a:prstGeom>
+          <a:noFill/>
+        </p:spPr>
+        <p:txBody>
+          <a:bodyPr wrap="none" rtlCol="0">
+            <a:spAutoFit/>
+          </a:bodyPr>
+          <a:lstStyle/>
+          <a:p>
+            <a:r>
+              <a:rPr lang="en-US" sz="1200" dirty="0">
+                <a:latin typeface="Times New Roman" panose="02020603050405020304" pitchFamily="18" charset="0"/>
                 <a:cs typeface="Times New Roman" panose="02020603050405020304" pitchFamily="18" charset="0"/>
-              </a:endParaRPr>
-            </a:p>
-          </p:txBody>
-        </p:sp>
-        <p:sp>
-          <p:nvSpPr>
-            <p:cNvPr id="263" name="TextBox 262">
-              <a:extLst>
-                <a:ext uri="{FF2B5EF4-FFF2-40B4-BE49-F238E27FC236}">
-                  <a16:creationId xmlns:a16="http://schemas.microsoft.com/office/drawing/2014/main" id="{F15B619A-03AF-404B-98BB-E4C29870FA7E}"/>
-                </a:ext>
-              </a:extLst>
-            </p:cNvPr>
-            <p:cNvSpPr txBox="1"/>
-            <p:nvPr/>
-          </p:nvSpPr>
-          <p:spPr>
-            <a:xfrm>
-              <a:off x="8232217" y="4131061"/>
-              <a:ext cx="510333" cy="276999"/>
-            </a:xfrm>
-            <a:prstGeom prst="rect">
-              <a:avLst/>
-            </a:prstGeom>
-            <a:noFill/>
-          </p:spPr>
-          <p:txBody>
-            <a:bodyPr wrap="none" rtlCol="0">
-              <a:spAutoFit/>
-            </a:bodyPr>
-            <a:lstStyle/>
-            <a:p>
-              <a:r>
-                <a:rPr lang="en-US" sz="1200" dirty="0" err="1">
-                  <a:latin typeface="+mj-lt"/>
-                  <a:cs typeface="Times New Roman" panose="02020603050405020304" pitchFamily="18" charset="0"/>
-                </a:rPr>
-                <a:t>wgBy</a:t>
-              </a:r>
-              <a:endParaRPr lang="en-US" sz="1200" dirty="0">
-                <a:latin typeface="+mj-lt"/>
-                <a:cs typeface="Times New Roman" panose="02020603050405020304" pitchFamily="18" charset="0"/>
-              </a:endParaRPr>
-            </a:p>
-          </p:txBody>
-        </p:sp>
-        <p:grpSp>
-          <p:nvGrpSpPr>
-            <p:cNvPr id="264" name="Group 263">
-              <a:extLst>
-                <a:ext uri="{FF2B5EF4-FFF2-40B4-BE49-F238E27FC236}">
-                  <a16:creationId xmlns:a16="http://schemas.microsoft.com/office/drawing/2014/main" id="{03F315A7-699F-CD4C-B97B-FCC2FEC0FFB1}"/>
-                </a:ext>
-              </a:extLst>
-            </p:cNvPr>
-            <p:cNvGrpSpPr/>
-            <p:nvPr/>
-          </p:nvGrpSpPr>
-          <p:grpSpPr>
-            <a:xfrm>
-              <a:off x="6815092" y="4802862"/>
-              <a:ext cx="394531" cy="394531"/>
-              <a:chOff x="2397512" y="1594624"/>
-              <a:chExt cx="635620" cy="635620"/>
-            </a:xfrm>
-            <a:solidFill>
-              <a:schemeClr val="accent3"/>
-            </a:solidFill>
-          </p:grpSpPr>
-          <p:sp>
-            <p:nvSpPr>
-              <p:cNvPr id="265" name="Oval 264">
-                <a:extLst>
-                  <a:ext uri="{FF2B5EF4-FFF2-40B4-BE49-F238E27FC236}">
-                    <a16:creationId xmlns:a16="http://schemas.microsoft.com/office/drawing/2014/main" id="{C2E6B0F0-3642-C446-9D29-BF6179B5EAE7}"/>
-                  </a:ext>
-                </a:extLst>
-              </p:cNvPr>
-              <p:cNvSpPr/>
-              <p:nvPr/>
-            </p:nvSpPr>
-            <p:spPr>
-              <a:xfrm>
-                <a:off x="2397512" y="1594624"/>
-                <a:ext cx="635620" cy="635620"/>
-              </a:xfrm>
-              <a:prstGeom prst="ellipse">
-                <a:avLst/>
-              </a:prstGeom>
-              <a:grpFill/>
-              <a:ln w="25400">
-                <a:solidFill>
-                  <a:schemeClr val="tx1"/>
-                </a:solidFill>
-              </a:ln>
-            </p:spPr>
-            <p:style>
-              <a:lnRef idx="2">
-                <a:schemeClr val="accent1">
-                  <a:shade val="50000"/>
-                </a:schemeClr>
-              </a:lnRef>
-              <a:fillRef idx="1">
-                <a:schemeClr val="accent1"/>
-              </a:fillRef>
-              <a:effectRef idx="0">
-                <a:schemeClr val="accent1"/>
-              </a:effectRef>
-              <a:fontRef idx="minor">
-                <a:schemeClr val="lt1"/>
-              </a:fontRef>
-            </p:style>
-            <p:txBody>
-              <a:bodyPr rot="0" spcFirstLastPara="0" vertOverflow="overflow" horzOverflow="overflow" vert="horz" wrap="square" lIns="56757" tIns="28378" rIns="56757" bIns="28378" numCol="1" spcCol="0" rtlCol="0" fromWordArt="0" anchor="ctr" anchorCtr="0" forceAA="0" compatLnSpc="1">
-                <a:prstTxWarp prst="textNoShape">
-                  <a:avLst/>
-                </a:prstTxWarp>
-                <a:noAutofit/>
-              </a:bodyPr>
-              <a:lstStyle/>
-              <a:p>
-                <a:pPr algn="ctr"/>
-                <a:endParaRPr lang="en-US" sz="1200">
-                  <a:latin typeface="+mj-lt"/>
-                  <a:cs typeface="Times New Roman" panose="02020603050405020304" pitchFamily="18" charset="0"/>
-                </a:endParaRPr>
-              </a:p>
-            </p:txBody>
-          </p:sp>
-          <p:sp>
-            <p:nvSpPr>
-              <p:cNvPr id="266" name="TextBox 265">
-                <a:extLst>
-                  <a:ext uri="{FF2B5EF4-FFF2-40B4-BE49-F238E27FC236}">
-                    <a16:creationId xmlns:a16="http://schemas.microsoft.com/office/drawing/2014/main" id="{76F1D3DB-7C9E-DC48-AC22-27089298787E}"/>
-                  </a:ext>
-                </a:extLst>
-              </p:cNvPr>
-              <p:cNvSpPr txBox="1"/>
-              <p:nvPr/>
-            </p:nvSpPr>
-            <p:spPr>
-              <a:xfrm>
-                <a:off x="2506770" y="1727768"/>
-                <a:ext cx="297616" cy="446267"/>
-              </a:xfrm>
-              <a:prstGeom prst="rect">
-                <a:avLst/>
-              </a:prstGeom>
-              <a:grpFill/>
-            </p:spPr>
-            <p:txBody>
-              <a:bodyPr wrap="none" rtlCol="0">
-                <a:spAutoFit/>
-              </a:bodyPr>
-              <a:lstStyle/>
-              <a:p>
-                <a:endParaRPr lang="en-US" sz="1200" dirty="0">
-                  <a:latin typeface="+mj-lt"/>
-                  <a:cs typeface="Times New Roman" panose="02020603050405020304" pitchFamily="18" charset="0"/>
-                </a:endParaRPr>
-              </a:p>
-            </p:txBody>
-          </p:sp>
-        </p:grpSp>
-        <p:sp>
-          <p:nvSpPr>
-            <p:cNvPr id="267" name="TextBox 266">
-              <a:extLst>
-                <a:ext uri="{FF2B5EF4-FFF2-40B4-BE49-F238E27FC236}">
-                  <a16:creationId xmlns:a16="http://schemas.microsoft.com/office/drawing/2014/main" id="{9E76E0B4-7385-DB43-A3E4-54516D72B79B}"/>
-                </a:ext>
-              </a:extLst>
-            </p:cNvPr>
-            <p:cNvSpPr txBox="1"/>
-            <p:nvPr/>
-          </p:nvSpPr>
-          <p:spPr>
-            <a:xfrm>
-              <a:off x="6829620" y="4865994"/>
-              <a:ext cx="340158" cy="276999"/>
-            </a:xfrm>
-            <a:prstGeom prst="rect">
-              <a:avLst/>
-            </a:prstGeom>
-            <a:noFill/>
-          </p:spPr>
-          <p:txBody>
-            <a:bodyPr wrap="none" rtlCol="0">
-              <a:spAutoFit/>
-            </a:bodyPr>
-            <a:lstStyle/>
-            <a:p>
-              <a:r>
-                <a:rPr lang="en-US" sz="1200" dirty="0">
-                  <a:latin typeface="+mj-lt"/>
-                  <a:cs typeface="Times New Roman" panose="02020603050405020304" pitchFamily="18" charset="0"/>
-                </a:rPr>
-                <a:t>e6</a:t>
-              </a:r>
-            </a:p>
-          </p:txBody>
-        </p:sp>
-        <p:grpSp>
-          <p:nvGrpSpPr>
-            <p:cNvPr id="268" name="Group 267">
-              <a:extLst>
-                <a:ext uri="{FF2B5EF4-FFF2-40B4-BE49-F238E27FC236}">
-                  <a16:creationId xmlns:a16="http://schemas.microsoft.com/office/drawing/2014/main" id="{1D918807-1D97-3F40-9775-2726BF942DF3}"/>
-                </a:ext>
-              </a:extLst>
-            </p:cNvPr>
-            <p:cNvGrpSpPr/>
-            <p:nvPr/>
-          </p:nvGrpSpPr>
-          <p:grpSpPr>
-            <a:xfrm>
-              <a:off x="5941515" y="3656526"/>
-              <a:ext cx="370458" cy="394531"/>
-              <a:chOff x="2651620" y="4455131"/>
-              <a:chExt cx="370458" cy="394531"/>
-            </a:xfrm>
-          </p:grpSpPr>
-          <p:sp>
-            <p:nvSpPr>
-              <p:cNvPr id="269" name="Rectangle 268">
-                <a:extLst>
-                  <a:ext uri="{FF2B5EF4-FFF2-40B4-BE49-F238E27FC236}">
-                    <a16:creationId xmlns:a16="http://schemas.microsoft.com/office/drawing/2014/main" id="{D8288549-0256-3547-8678-AF12B8330B87}"/>
-                  </a:ext>
-                </a:extLst>
-              </p:cNvPr>
-              <p:cNvSpPr/>
-              <p:nvPr/>
-            </p:nvSpPr>
-            <p:spPr>
-              <a:xfrm>
-                <a:off x="2658477" y="4455131"/>
-                <a:ext cx="363601" cy="394531"/>
-              </a:xfrm>
-              <a:prstGeom prst="rect">
-                <a:avLst/>
-              </a:prstGeom>
-              <a:noFill/>
-              <a:ln w="25400">
-                <a:solidFill>
-                  <a:schemeClr val="tx1"/>
-                </a:solidFill>
-              </a:ln>
-            </p:spPr>
-            <p:style>
-              <a:lnRef idx="2">
-                <a:schemeClr val="accent1">
-                  <a:shade val="50000"/>
-                </a:schemeClr>
-              </a:lnRef>
-              <a:fillRef idx="1">
-                <a:schemeClr val="accent1"/>
-              </a:fillRef>
-              <a:effectRef idx="0">
-                <a:schemeClr val="accent1"/>
-              </a:effectRef>
-              <a:fontRef idx="minor">
-                <a:schemeClr val="lt1"/>
-              </a:fontRef>
-            </p:style>
-            <p:txBody>
-              <a:bodyPr rot="0" spcFirstLastPara="0" vertOverflow="overflow" horzOverflow="overflow" vert="horz" wrap="square" lIns="56757" tIns="28378" rIns="56757" bIns="28378" numCol="1" spcCol="0" rtlCol="0" fromWordArt="0" anchor="ctr" anchorCtr="0" forceAA="0" compatLnSpc="1">
-                <a:prstTxWarp prst="textNoShape">
-                  <a:avLst/>
-                </a:prstTxWarp>
-                <a:noAutofit/>
-              </a:bodyPr>
-              <a:lstStyle/>
-              <a:p>
-                <a:pPr algn="ctr"/>
-                <a:endParaRPr lang="en-US" sz="1200">
-                  <a:latin typeface="+mj-lt"/>
-                  <a:cs typeface="Times New Roman" panose="02020603050405020304" pitchFamily="18" charset="0"/>
-                </a:endParaRPr>
-              </a:p>
-            </p:txBody>
-          </p:sp>
-          <p:sp>
-            <p:nvSpPr>
-              <p:cNvPr id="270" name="TextBox 269">
-                <a:extLst>
-                  <a:ext uri="{FF2B5EF4-FFF2-40B4-BE49-F238E27FC236}">
-                    <a16:creationId xmlns:a16="http://schemas.microsoft.com/office/drawing/2014/main" id="{4AAA4940-3F5B-A644-92AE-4C4DC0911FD8}"/>
-                  </a:ext>
-                </a:extLst>
-              </p:cNvPr>
-              <p:cNvSpPr txBox="1"/>
-              <p:nvPr/>
-            </p:nvSpPr>
-            <p:spPr>
-              <a:xfrm>
-                <a:off x="2651620" y="4486608"/>
-                <a:ext cx="336952" cy="276999"/>
-              </a:xfrm>
-              <a:prstGeom prst="rect">
-                <a:avLst/>
-              </a:prstGeom>
-              <a:noFill/>
-            </p:spPr>
-            <p:txBody>
-              <a:bodyPr wrap="none" rtlCol="0">
-                <a:spAutoFit/>
-              </a:bodyPr>
-              <a:lstStyle/>
-              <a:p>
-                <a:r>
-                  <a:rPr lang="en-US" sz="1200" dirty="0">
-                    <a:latin typeface="+mj-lt"/>
-                    <a:cs typeface="Times New Roman" panose="02020603050405020304" pitchFamily="18" charset="0"/>
-                  </a:rPr>
-                  <a:t>a5</a:t>
-                </a:r>
-              </a:p>
-            </p:txBody>
-          </p:sp>
-        </p:grpSp>
-        <p:cxnSp>
-          <p:nvCxnSpPr>
-            <p:cNvPr id="271" name="Straight Arrow Connector 270">
-              <a:extLst>
-                <a:ext uri="{FF2B5EF4-FFF2-40B4-BE49-F238E27FC236}">
-                  <a16:creationId xmlns:a16="http://schemas.microsoft.com/office/drawing/2014/main" id="{A12BAE54-EF50-D94A-99C7-D6A6F2975B12}"/>
-                </a:ext>
-              </a:extLst>
-            </p:cNvPr>
-            <p:cNvCxnSpPr>
-              <a:stCxn id="246" idx="1"/>
-              <a:endCxn id="243" idx="6"/>
-            </p:cNvCxnSpPr>
-            <p:nvPr/>
-          </p:nvCxnSpPr>
-          <p:spPr>
-            <a:xfrm flipH="1">
-              <a:off x="9112534" y="3503194"/>
-              <a:ext cx="493858" cy="907169"/>
-            </a:xfrm>
-            <a:prstGeom prst="straightConnector1">
-              <a:avLst/>
-            </a:prstGeom>
-            <a:ln w="25400">
-              <a:solidFill>
-                <a:schemeClr val="tx1"/>
-              </a:solidFill>
-              <a:tailEnd type="triangle"/>
-            </a:ln>
-          </p:spPr>
-          <p:style>
-            <a:lnRef idx="1">
-              <a:schemeClr val="accent1"/>
-            </a:lnRef>
-            <a:fillRef idx="0">
-              <a:schemeClr val="accent1"/>
-            </a:fillRef>
-            <a:effectRef idx="0">
-              <a:schemeClr val="accent1"/>
-            </a:effectRef>
-            <a:fontRef idx="minor">
-              <a:schemeClr val="tx1"/>
-            </a:fontRef>
-          </p:style>
-        </p:cxnSp>
-        <p:cxnSp>
-          <p:nvCxnSpPr>
-            <p:cNvPr id="272" name="Straight Arrow Connector 271">
-              <a:extLst>
-                <a:ext uri="{FF2B5EF4-FFF2-40B4-BE49-F238E27FC236}">
-                  <a16:creationId xmlns:a16="http://schemas.microsoft.com/office/drawing/2014/main" id="{BAA3D71D-8D47-A840-8105-F355217DC4B7}"/>
-                </a:ext>
-              </a:extLst>
-            </p:cNvPr>
-            <p:cNvCxnSpPr>
-              <a:stCxn id="235" idx="1"/>
-              <a:endCxn id="265" idx="6"/>
-            </p:cNvCxnSpPr>
-            <p:nvPr/>
-          </p:nvCxnSpPr>
-          <p:spPr>
-            <a:xfrm flipH="1">
-              <a:off x="7209623" y="4408331"/>
-              <a:ext cx="631752" cy="591797"/>
-            </a:xfrm>
-            <a:prstGeom prst="straightConnector1">
-              <a:avLst/>
-            </a:prstGeom>
-            <a:ln w="25400">
-              <a:solidFill>
-                <a:schemeClr val="tx1"/>
-              </a:solidFill>
-              <a:tailEnd type="triangle"/>
-            </a:ln>
-          </p:spPr>
-          <p:style>
-            <a:lnRef idx="1">
-              <a:schemeClr val="accent1"/>
-            </a:lnRef>
-            <a:fillRef idx="0">
-              <a:schemeClr val="accent1"/>
-            </a:fillRef>
-            <a:effectRef idx="0">
-              <a:schemeClr val="accent1"/>
-            </a:effectRef>
-            <a:fontRef idx="minor">
-              <a:schemeClr val="tx1"/>
-            </a:fontRef>
-          </p:style>
-        </p:cxnSp>
-        <p:cxnSp>
-          <p:nvCxnSpPr>
-            <p:cNvPr id="273" name="Straight Arrow Connector 272">
-              <a:extLst>
-                <a:ext uri="{FF2B5EF4-FFF2-40B4-BE49-F238E27FC236}">
-                  <a16:creationId xmlns:a16="http://schemas.microsoft.com/office/drawing/2014/main" id="{197F3AF6-4C51-3B43-B3CF-89BC8EF67258}"/>
-                </a:ext>
-              </a:extLst>
-            </p:cNvPr>
-            <p:cNvCxnSpPr>
-              <a:stCxn id="228" idx="2"/>
-              <a:endCxn id="269" idx="3"/>
-            </p:cNvCxnSpPr>
-            <p:nvPr/>
-          </p:nvCxnSpPr>
-          <p:spPr>
-            <a:xfrm flipH="1">
-              <a:off x="6311973" y="3853792"/>
-              <a:ext cx="482553" cy="0"/>
-            </a:xfrm>
-            <a:prstGeom prst="straightConnector1">
-              <a:avLst/>
-            </a:prstGeom>
-            <a:ln w="25400">
-              <a:solidFill>
-                <a:schemeClr val="tx1"/>
-              </a:solidFill>
-              <a:tailEnd type="triangle"/>
-            </a:ln>
-          </p:spPr>
-          <p:style>
-            <a:lnRef idx="1">
-              <a:schemeClr val="accent1"/>
-            </a:lnRef>
-            <a:fillRef idx="0">
-              <a:schemeClr val="accent1"/>
-            </a:fillRef>
-            <a:effectRef idx="0">
-              <a:schemeClr val="accent1"/>
-            </a:effectRef>
-            <a:fontRef idx="minor">
-              <a:schemeClr val="tx1"/>
-            </a:fontRef>
-          </p:style>
-        </p:cxnSp>
-        <p:sp>
-          <p:nvSpPr>
-            <p:cNvPr id="278" name="TextBox 277">
-              <a:extLst>
-                <a:ext uri="{FF2B5EF4-FFF2-40B4-BE49-F238E27FC236}">
-                  <a16:creationId xmlns:a16="http://schemas.microsoft.com/office/drawing/2014/main" id="{BBEC171F-235D-7542-9A60-126F26840592}"/>
-                </a:ext>
-              </a:extLst>
-            </p:cNvPr>
-            <p:cNvSpPr txBox="1"/>
-            <p:nvPr/>
-          </p:nvSpPr>
-          <p:spPr>
-            <a:xfrm>
-              <a:off x="8304618" y="5125795"/>
-              <a:ext cx="356188" cy="276999"/>
-            </a:xfrm>
-            <a:prstGeom prst="rect">
-              <a:avLst/>
-            </a:prstGeom>
-            <a:noFill/>
-          </p:spPr>
-          <p:txBody>
-            <a:bodyPr wrap="none" rtlCol="0">
-              <a:spAutoFit/>
-            </a:bodyPr>
-            <a:lstStyle/>
-            <a:p>
-              <a:r>
-                <a:rPr lang="en-US" sz="1200" dirty="0">
-                  <a:latin typeface="Times New Roman" panose="02020603050405020304" pitchFamily="18" charset="0"/>
-                  <a:cs typeface="Times New Roman" panose="02020603050405020304" pitchFamily="18" charset="0"/>
-                </a:rPr>
-                <a:t>(c)</a:t>
-              </a:r>
-            </a:p>
-          </p:txBody>
-        </p:sp>
-        <p:cxnSp>
-          <p:nvCxnSpPr>
-            <p:cNvPr id="282" name="Straight Connector 281">
-              <a:extLst>
-                <a:ext uri="{FF2B5EF4-FFF2-40B4-BE49-F238E27FC236}">
-                  <a16:creationId xmlns:a16="http://schemas.microsoft.com/office/drawing/2014/main" id="{0ADC19F5-A728-4248-ADF0-80B1DF8F10A1}"/>
-                </a:ext>
-              </a:extLst>
-            </p:cNvPr>
-            <p:cNvCxnSpPr>
-              <a:cxnSpLocks/>
-            </p:cNvCxnSpPr>
-            <p:nvPr/>
-          </p:nvCxnSpPr>
-          <p:spPr>
-            <a:xfrm>
-              <a:off x="6532248" y="3487803"/>
-              <a:ext cx="1" cy="821139"/>
-            </a:xfrm>
-            <a:prstGeom prst="line">
-              <a:avLst/>
-            </a:prstGeom>
-          </p:spPr>
-          <p:style>
-            <a:lnRef idx="1">
-              <a:schemeClr val="accent1"/>
-            </a:lnRef>
-            <a:fillRef idx="0">
-              <a:schemeClr val="accent1"/>
-            </a:fillRef>
-            <a:effectRef idx="0">
-              <a:schemeClr val="accent1"/>
-            </a:effectRef>
-            <a:fontRef idx="minor">
-              <a:schemeClr val="tx1"/>
-            </a:fontRef>
-          </p:style>
-        </p:cxnSp>
-        <p:cxnSp>
-          <p:nvCxnSpPr>
-            <p:cNvPr id="285" name="Straight Connector 284">
-              <a:extLst>
-                <a:ext uri="{FF2B5EF4-FFF2-40B4-BE49-F238E27FC236}">
-                  <a16:creationId xmlns:a16="http://schemas.microsoft.com/office/drawing/2014/main" id="{6EECDF4A-77B2-C74B-9639-D13003B5F33E}"/>
-                </a:ext>
-              </a:extLst>
-            </p:cNvPr>
-            <p:cNvCxnSpPr>
-              <a:cxnSpLocks/>
-            </p:cNvCxnSpPr>
-            <p:nvPr/>
-          </p:nvCxnSpPr>
-          <p:spPr>
-            <a:xfrm flipH="1">
-              <a:off x="9372792" y="3136484"/>
-              <a:ext cx="10418" cy="1863643"/>
-            </a:xfrm>
-            <a:prstGeom prst="line">
-              <a:avLst/>
-            </a:prstGeom>
-          </p:spPr>
-          <p:style>
-            <a:lnRef idx="1">
-              <a:schemeClr val="accent1"/>
-            </a:lnRef>
-            <a:fillRef idx="0">
-              <a:schemeClr val="accent1"/>
-            </a:fillRef>
-            <a:effectRef idx="0">
-              <a:schemeClr val="accent1"/>
-            </a:effectRef>
-            <a:fontRef idx="minor">
-              <a:schemeClr val="tx1"/>
-            </a:fontRef>
-          </p:style>
-        </p:cxnSp>
-      </p:grpSp>
+              </a:rPr>
+              <a:t>(c)</a:t>
+            </a:r>
+          </a:p>
+        </p:txBody>
+      </p:sp>
+      <p:cxnSp>
+        <p:nvCxnSpPr>
+          <p:cNvPr id="282" name="Straight Connector 281">
+            <a:extLst>
+              <a:ext uri="{FF2B5EF4-FFF2-40B4-BE49-F238E27FC236}">
+                <a16:creationId xmlns:a16="http://schemas.microsoft.com/office/drawing/2014/main" id="{0ADC19F5-A728-4248-ADF0-80B1DF8F10A1}"/>
+              </a:ext>
+            </a:extLst>
+          </p:cNvPr>
+          <p:cNvCxnSpPr>
+            <a:cxnSpLocks/>
+          </p:cNvCxnSpPr>
+          <p:nvPr/>
+        </p:nvCxnSpPr>
+        <p:spPr>
+          <a:xfrm>
+            <a:off x="6532248" y="3487803"/>
+            <a:ext cx="1" cy="821139"/>
+          </a:xfrm>
+          <a:prstGeom prst="line">
+            <a:avLst/>
+          </a:prstGeom>
+        </p:spPr>
+        <p:style>
+          <a:lnRef idx="1">
+            <a:schemeClr val="accent1"/>
+          </a:lnRef>
+          <a:fillRef idx="0">
+            <a:schemeClr val="accent1"/>
+          </a:fillRef>
+          <a:effectRef idx="0">
+            <a:schemeClr val="accent1"/>
+          </a:effectRef>
+          <a:fontRef idx="minor">
+            <a:schemeClr val="tx1"/>
+          </a:fontRef>
+        </p:style>
+      </p:cxnSp>
+      <p:cxnSp>
+        <p:nvCxnSpPr>
+          <p:cNvPr id="285" name="Straight Connector 284">
+            <a:extLst>
+              <a:ext uri="{FF2B5EF4-FFF2-40B4-BE49-F238E27FC236}">
+                <a16:creationId xmlns:a16="http://schemas.microsoft.com/office/drawing/2014/main" id="{6EECDF4A-77B2-C74B-9639-D13003B5F33E}"/>
+              </a:ext>
+            </a:extLst>
+          </p:cNvPr>
+          <p:cNvCxnSpPr>
+            <a:cxnSpLocks/>
+          </p:cNvCxnSpPr>
+          <p:nvPr/>
+        </p:nvCxnSpPr>
+        <p:spPr>
+          <a:xfrm flipH="1">
+            <a:off x="9372792" y="3136484"/>
+            <a:ext cx="10418" cy="1863643"/>
+          </a:xfrm>
+          <a:prstGeom prst="line">
+            <a:avLst/>
+          </a:prstGeom>
+        </p:spPr>
+        <p:style>
+          <a:lnRef idx="1">
+            <a:schemeClr val="accent1"/>
+          </a:lnRef>
+          <a:fillRef idx="0">
+            <a:schemeClr val="accent1"/>
+          </a:fillRef>
+          <a:effectRef idx="0">
+            <a:schemeClr val="accent1"/>
+          </a:effectRef>
+          <a:fontRef idx="minor">
+            <a:schemeClr val="tx1"/>
+          </a:fontRef>
+        </p:style>
+      </p:cxnSp>
       <p:grpSp>
         <p:nvGrpSpPr>
           <p:cNvPr id="308" name="Group 307">
@@ -10518,7 +10559,6 @@
           <p:cNvCxnSpPr>
             <a:cxnSpLocks/>
             <a:stCxn id="309" idx="1"/>
-            <a:endCxn id="345" idx="6"/>
           </p:cNvCxnSpPr>
           <p:nvPr/>
         </p:nvCxnSpPr>
@@ -10563,7 +10603,6 @@
           </p:cNvPr>
           <p:cNvCxnSpPr>
             <a:cxnSpLocks/>
-            <a:endCxn id="345" idx="6"/>
           </p:cNvCxnSpPr>
           <p:nvPr/>
         </p:nvCxnSpPr>
@@ -10803,7 +10842,6 @@
           </p:cNvPr>
           <p:cNvCxnSpPr>
             <a:cxnSpLocks/>
-            <a:stCxn id="345" idx="2"/>
             <a:endCxn id="332" idx="3"/>
           </p:cNvCxnSpPr>
           <p:nvPr/>
@@ -10876,138 +10914,55 @@
           </a:p>
         </p:txBody>
       </p:sp>
-      <p:grpSp>
-        <p:nvGrpSpPr>
-          <p:cNvPr id="344" name="Group 343">
-            <a:extLst>
-              <a:ext uri="{FF2B5EF4-FFF2-40B4-BE49-F238E27FC236}">
-                <a16:creationId xmlns:a16="http://schemas.microsoft.com/office/drawing/2014/main" id="{D19625FC-F62F-574D-8F55-1FC44D307478}"/>
-              </a:ext>
-            </a:extLst>
-          </p:cNvPr>
-          <p:cNvGrpSpPr/>
+      <p:sp>
+        <p:nvSpPr>
+          <p:cNvPr id="346" name="TextBox 345">
+            <a:extLst>
+              <a:ext uri="{FF2B5EF4-FFF2-40B4-BE49-F238E27FC236}">
+                <a16:creationId xmlns:a16="http://schemas.microsoft.com/office/drawing/2014/main" id="{7DFBED25-EB8E-A441-9D4E-F74D49BCE413}"/>
+              </a:ext>
+            </a:extLst>
+          </p:cNvPr>
+          <p:cNvSpPr txBox="1"/>
           <p:nvPr/>
-        </p:nvGrpSpPr>
-        <p:grpSpPr>
+        </p:nvSpPr>
+        <p:spPr>
           <a:xfrm>
-            <a:off x="2342437" y="3738476"/>
-            <a:ext cx="427809" cy="394531"/>
-            <a:chOff x="2364956" y="1594624"/>
-            <a:chExt cx="689236" cy="635620"/>
-          </a:xfrm>
-        </p:grpSpPr>
-        <p:sp>
-          <p:nvSpPr>
-            <p:cNvPr id="345" name="Oval 344">
-              <a:extLst>
-                <a:ext uri="{FF2B5EF4-FFF2-40B4-BE49-F238E27FC236}">
-                  <a16:creationId xmlns:a16="http://schemas.microsoft.com/office/drawing/2014/main" id="{BFE95FDD-4754-394F-96A5-EDC4C3EB68E2}"/>
-                </a:ext>
-              </a:extLst>
-            </p:cNvPr>
-            <p:cNvSpPr/>
-            <p:nvPr/>
-          </p:nvSpPr>
-          <p:spPr>
-            <a:xfrm>
-              <a:off x="2397512" y="1594624"/>
-              <a:ext cx="635620" cy="635620"/>
-            </a:xfrm>
-            <a:prstGeom prst="ellipse">
-              <a:avLst/>
-            </a:prstGeom>
-            <a:solidFill>
-              <a:schemeClr val="accent3"/>
-            </a:solidFill>
-            <a:ln w="25400">
-              <a:solidFill>
-                <a:schemeClr val="tx1"/>
-              </a:solidFill>
-            </a:ln>
-          </p:spPr>
-          <p:style>
-            <a:lnRef idx="2">
-              <a:schemeClr val="accent1">
-                <a:shade val="50000"/>
-              </a:schemeClr>
-            </a:lnRef>
-            <a:fillRef idx="1">
-              <a:schemeClr val="accent1"/>
-            </a:fillRef>
-            <a:effectRef idx="0">
-              <a:schemeClr val="accent1"/>
-            </a:effectRef>
-            <a:fontRef idx="minor">
-              <a:schemeClr val="lt1"/>
-            </a:fontRef>
-          </p:style>
-          <p:txBody>
-            <a:bodyPr rot="0" spcFirstLastPara="0" vertOverflow="overflow" horzOverflow="overflow" vert="horz" wrap="square" lIns="56757" tIns="28378" rIns="56757" bIns="28378" numCol="1" spcCol="0" rtlCol="0" fromWordArt="0" anchor="ctr" anchorCtr="0" forceAA="0" compatLnSpc="1">
-              <a:prstTxWarp prst="textNoShape">
-                <a:avLst/>
-              </a:prstTxWarp>
-              <a:noAutofit/>
-            </a:bodyPr>
-            <a:lstStyle/>
-            <a:p>
-              <a:pPr algn="ctr"/>
-              <a:endParaRPr lang="en-US" sz="1200">
+            <a:off x="2352376" y="3765270"/>
+            <a:ext cx="427809" cy="276999"/>
+          </a:xfrm>
+          <a:prstGeom prst="rect">
+            <a:avLst/>
+          </a:prstGeom>
+          <a:noFill/>
+        </p:spPr>
+        <p:txBody>
+          <a:bodyPr wrap="none" rtlCol="0">
+            <a:spAutoFit/>
+          </a:bodyPr>
+          <a:lstStyle/>
+          <a:p>
+            <a:r>
+              <a:rPr lang="en-US" sz="1200" i="1" dirty="0" err="1">
                 <a:latin typeface="+mj-lt"/>
                 <a:cs typeface="Times New Roman" panose="02020603050405020304" pitchFamily="18" charset="0"/>
-              </a:endParaRPr>
-            </a:p>
-          </p:txBody>
-        </p:sp>
-        <p:sp>
-          <p:nvSpPr>
-            <p:cNvPr id="346" name="TextBox 345">
-              <a:extLst>
-                <a:ext uri="{FF2B5EF4-FFF2-40B4-BE49-F238E27FC236}">
-                  <a16:creationId xmlns:a16="http://schemas.microsoft.com/office/drawing/2014/main" id="{7DFBED25-EB8E-A441-9D4E-F74D49BCE413}"/>
-                </a:ext>
-              </a:extLst>
-            </p:cNvPr>
-            <p:cNvSpPr txBox="1"/>
-            <p:nvPr/>
-          </p:nvSpPr>
-          <p:spPr>
-            <a:xfrm>
-              <a:off x="2364956" y="1669816"/>
-              <a:ext cx="689236" cy="446267"/>
-            </a:xfrm>
-            <a:prstGeom prst="rect">
-              <a:avLst/>
-            </a:prstGeom>
-            <a:noFill/>
-          </p:spPr>
-          <p:txBody>
-            <a:bodyPr wrap="none" rtlCol="0">
-              <a:spAutoFit/>
-            </a:bodyPr>
-            <a:lstStyle/>
-            <a:p>
-              <a:r>
-                <a:rPr lang="en-US" sz="1200" i="1" dirty="0" err="1">
-                  <a:latin typeface="+mj-lt"/>
-                  <a:cs typeface="Times New Roman" panose="02020603050405020304" pitchFamily="18" charset="0"/>
-                </a:rPr>
-                <a:t>v</a:t>
-              </a:r>
-              <a:r>
-                <a:rPr lang="en-US" sz="1200" i="1" baseline="-25000" dirty="0" err="1">
-                  <a:latin typeface="+mj-lt"/>
-                  <a:cs typeface="Times New Roman" panose="02020603050405020304" pitchFamily="18" charset="0"/>
-                </a:rPr>
-                <a:t>new</a:t>
-              </a:r>
-              <a:endParaRPr lang="en-US" sz="1200" i="1" baseline="-25000" dirty="0">
+              </a:rPr>
+              <a:t>v</a:t>
+            </a:r>
+            <a:r>
+              <a:rPr lang="en-US" sz="1200" i="1" baseline="-25000" dirty="0" err="1">
                 <a:latin typeface="+mj-lt"/>
                 <a:cs typeface="Times New Roman" panose="02020603050405020304" pitchFamily="18" charset="0"/>
-              </a:endParaRPr>
-            </a:p>
-          </p:txBody>
-        </p:sp>
-      </p:grpSp>
+              </a:rPr>
+              <a:t>new</a:t>
+            </a:r>
+            <a:endParaRPr lang="en-US" sz="1200" i="1" baseline="-25000" dirty="0">
+              <a:latin typeface="+mj-lt"/>
+              <a:cs typeface="Times New Roman" panose="02020603050405020304" pitchFamily="18" charset="0"/>
+            </a:endParaRPr>
+          </a:p>
+        </p:txBody>
+      </p:sp>
       <p:sp>
         <p:nvSpPr>
           <p:cNvPr id="350" name="TextBox 349">
@@ -11200,7 +11155,7 @@
         </p:nvSpPr>
         <p:spPr>
           <a:xfrm>
-            <a:off x="1794365" y="2245440"/>
+            <a:off x="1834121" y="2245440"/>
             <a:ext cx="482824" cy="276999"/>
           </a:xfrm>
           <a:prstGeom prst="rect">

--- a/FGCS-2019/reworked-fig7.pptx
+++ b/FGCS-2019/reworked-fig7.pptx
@@ -3371,68 +3371,6 @@
           <a:chExt cx="0" cy="0"/>
         </a:xfrm>
       </p:grpSpPr>
-      <p:sp>
-        <p:nvSpPr>
-          <p:cNvPr id="297" name="Oval 296">
-            <a:extLst>
-              <a:ext uri="{FF2B5EF4-FFF2-40B4-BE49-F238E27FC236}">
-                <a16:creationId xmlns:a16="http://schemas.microsoft.com/office/drawing/2014/main" id="{2F35B19B-2418-2049-A99D-F91C0421A7E8}"/>
-              </a:ext>
-            </a:extLst>
-          </p:cNvPr>
-          <p:cNvSpPr/>
-          <p:nvPr/>
-        </p:nvSpPr>
-        <p:spPr>
-          <a:xfrm>
-            <a:off x="2354216" y="3751439"/>
-            <a:ext cx="394531" cy="394531"/>
-          </a:xfrm>
-          <a:prstGeom prst="ellipse">
-            <a:avLst/>
-          </a:prstGeom>
-          <a:solidFill>
-            <a:schemeClr val="accent3"/>
-          </a:solidFill>
-          <a:ln w="25400">
-            <a:solidFill>
-              <a:schemeClr val="tx1"/>
-            </a:solidFill>
-          </a:ln>
-        </p:spPr>
-        <p:style>
-          <a:lnRef idx="2">
-            <a:schemeClr val="accent1">
-              <a:shade val="50000"/>
-            </a:schemeClr>
-          </a:lnRef>
-          <a:fillRef idx="1">
-            <a:schemeClr val="accent1"/>
-          </a:fillRef>
-          <a:effectRef idx="0">
-            <a:schemeClr val="accent1"/>
-          </a:effectRef>
-          <a:fontRef idx="minor">
-            <a:schemeClr val="lt1"/>
-          </a:fontRef>
-        </p:style>
-        <p:txBody>
-          <a:bodyPr rot="0" spcFirstLastPara="0" vertOverflow="overflow" horzOverflow="overflow" vert="horz" wrap="square" lIns="56757" tIns="28378" rIns="56757" bIns="28378" numCol="1" spcCol="0" rtlCol="0" fromWordArt="0" anchor="ctr" anchorCtr="0" forceAA="0" compatLnSpc="1">
-            <a:prstTxWarp prst="textNoShape">
-              <a:avLst/>
-            </a:prstTxWarp>
-            <a:noAutofit/>
-          </a:bodyPr>
-          <a:lstStyle/>
-          <a:p>
-            <a:pPr algn="ctr"/>
-            <a:endParaRPr lang="en-US" sz="1200">
-              <a:latin typeface="+mj-lt"/>
-              <a:cs typeface="Times New Roman" panose="02020603050405020304" pitchFamily="18" charset="0"/>
-            </a:endParaRPr>
-          </a:p>
-        </p:txBody>
-      </p:sp>
       <p:grpSp>
         <p:nvGrpSpPr>
           <p:cNvPr id="168" name="Group 167">
@@ -10916,6 +10854,68 @@
       </p:sp>
       <p:sp>
         <p:nvSpPr>
+          <p:cNvPr id="297" name="Oval 296">
+            <a:extLst>
+              <a:ext uri="{FF2B5EF4-FFF2-40B4-BE49-F238E27FC236}">
+                <a16:creationId xmlns:a16="http://schemas.microsoft.com/office/drawing/2014/main" id="{2F35B19B-2418-2049-A99D-F91C0421A7E8}"/>
+              </a:ext>
+            </a:extLst>
+          </p:cNvPr>
+          <p:cNvSpPr/>
+          <p:nvPr/>
+        </p:nvSpPr>
+        <p:spPr>
+          <a:xfrm>
+            <a:off x="2354216" y="3751439"/>
+            <a:ext cx="394531" cy="394531"/>
+          </a:xfrm>
+          <a:prstGeom prst="ellipse">
+            <a:avLst/>
+          </a:prstGeom>
+          <a:solidFill>
+            <a:schemeClr val="accent3"/>
+          </a:solidFill>
+          <a:ln w="25400">
+            <a:solidFill>
+              <a:schemeClr val="tx1"/>
+            </a:solidFill>
+          </a:ln>
+        </p:spPr>
+        <p:style>
+          <a:lnRef idx="2">
+            <a:schemeClr val="accent1">
+              <a:shade val="50000"/>
+            </a:schemeClr>
+          </a:lnRef>
+          <a:fillRef idx="1">
+            <a:schemeClr val="accent1"/>
+          </a:fillRef>
+          <a:effectRef idx="0">
+            <a:schemeClr val="accent1"/>
+          </a:effectRef>
+          <a:fontRef idx="minor">
+            <a:schemeClr val="lt1"/>
+          </a:fontRef>
+        </p:style>
+        <p:txBody>
+          <a:bodyPr rot="0" spcFirstLastPara="0" vertOverflow="overflow" horzOverflow="overflow" vert="horz" wrap="square" lIns="56757" tIns="28378" rIns="56757" bIns="28378" numCol="1" spcCol="0" rtlCol="0" fromWordArt="0" anchor="ctr" anchorCtr="0" forceAA="0" compatLnSpc="1">
+            <a:prstTxWarp prst="textNoShape">
+              <a:avLst/>
+            </a:prstTxWarp>
+            <a:noAutofit/>
+          </a:bodyPr>
+          <a:lstStyle/>
+          <a:p>
+            <a:pPr algn="ctr"/>
+            <a:endParaRPr lang="en-US" sz="1200">
+              <a:latin typeface="+mj-lt"/>
+              <a:cs typeface="Times New Roman" panose="02020603050405020304" pitchFamily="18" charset="0"/>
+            </a:endParaRPr>
+          </a:p>
+        </p:txBody>
+      </p:sp>
+      <p:sp>
+        <p:nvSpPr>
           <p:cNvPr id="346" name="TextBox 345">
             <a:extLst>
               <a:ext uri="{FF2B5EF4-FFF2-40B4-BE49-F238E27FC236}">
